--- a/ML_model/plots/all.pptx
+++ b/ML_model/plots/all.pptx
@@ -6,8 +6,9 @@
   </p:sldMasterIdLst>
   <p:sldIdLst>
     <p:sldId id="256" r:id="rId2"/>
-    <p:sldId id="257" r:id="rId3"/>
-    <p:sldId id="258" r:id="rId4"/>
+    <p:sldId id="259" r:id="rId3"/>
+    <p:sldId id="261" r:id="rId4"/>
+    <p:sldId id="260" r:id="rId5"/>
   </p:sldIdLst>
   <p:sldSz cx="12192000" cy="6858000"/>
   <p:notesSz cx="6858000" cy="9144000"/>
@@ -106,6 +107,11 @@
       </a:defRPr>
     </a:lvl9pPr>
   </p:defaultTextStyle>
+  <p:extLst>
+    <p:ext uri="{EFAFB233-063F-42B5-8137-9DF3F51BA10A}">
+      <p15:sldGuideLst xmlns:p15="http://schemas.microsoft.com/office/powerpoint/2012/main"/>
+    </p:ext>
+  </p:extLst>
 </p:presentation>
 </file>
 
@@ -258,7 +264,7 @@
           <a:p>
             <a:fld id="{50106A6C-E9D6-4563-82A6-B42DDFFCA66C}" type="datetimeFigureOut">
               <a:rPr lang="en-GB" smtClean="0"/>
-              <a:t>14/11/2023</a:t>
+              <a:t>20/11/2023</a:t>
             </a:fld>
             <a:endParaRPr lang="en-GB"/>
           </a:p>
@@ -458,7 +464,7 @@
           <a:p>
             <a:fld id="{50106A6C-E9D6-4563-82A6-B42DDFFCA66C}" type="datetimeFigureOut">
               <a:rPr lang="en-GB" smtClean="0"/>
-              <a:t>14/11/2023</a:t>
+              <a:t>20/11/2023</a:t>
             </a:fld>
             <a:endParaRPr lang="en-GB"/>
           </a:p>
@@ -668,7 +674,7 @@
           <a:p>
             <a:fld id="{50106A6C-E9D6-4563-82A6-B42DDFFCA66C}" type="datetimeFigureOut">
               <a:rPr lang="en-GB" smtClean="0"/>
-              <a:t>14/11/2023</a:t>
+              <a:t>20/11/2023</a:t>
             </a:fld>
             <a:endParaRPr lang="en-GB"/>
           </a:p>
@@ -868,7 +874,7 @@
           <a:p>
             <a:fld id="{50106A6C-E9D6-4563-82A6-B42DDFFCA66C}" type="datetimeFigureOut">
               <a:rPr lang="en-GB" smtClean="0"/>
-              <a:t>14/11/2023</a:t>
+              <a:t>20/11/2023</a:t>
             </a:fld>
             <a:endParaRPr lang="en-GB"/>
           </a:p>
@@ -1144,7 +1150,7 @@
           <a:p>
             <a:fld id="{50106A6C-E9D6-4563-82A6-B42DDFFCA66C}" type="datetimeFigureOut">
               <a:rPr lang="en-GB" smtClean="0"/>
-              <a:t>14/11/2023</a:t>
+              <a:t>20/11/2023</a:t>
             </a:fld>
             <a:endParaRPr lang="en-GB"/>
           </a:p>
@@ -1412,7 +1418,7 @@
           <a:p>
             <a:fld id="{50106A6C-E9D6-4563-82A6-B42DDFFCA66C}" type="datetimeFigureOut">
               <a:rPr lang="en-GB" smtClean="0"/>
-              <a:t>14/11/2023</a:t>
+              <a:t>20/11/2023</a:t>
             </a:fld>
             <a:endParaRPr lang="en-GB"/>
           </a:p>
@@ -1827,7 +1833,7 @@
           <a:p>
             <a:fld id="{50106A6C-E9D6-4563-82A6-B42DDFFCA66C}" type="datetimeFigureOut">
               <a:rPr lang="en-GB" smtClean="0"/>
-              <a:t>14/11/2023</a:t>
+              <a:t>20/11/2023</a:t>
             </a:fld>
             <a:endParaRPr lang="en-GB"/>
           </a:p>
@@ -1969,7 +1975,7 @@
           <a:p>
             <a:fld id="{50106A6C-E9D6-4563-82A6-B42DDFFCA66C}" type="datetimeFigureOut">
               <a:rPr lang="en-GB" smtClean="0"/>
-              <a:t>14/11/2023</a:t>
+              <a:t>20/11/2023</a:t>
             </a:fld>
             <a:endParaRPr lang="en-GB"/>
           </a:p>
@@ -2082,7 +2088,7 @@
           <a:p>
             <a:fld id="{50106A6C-E9D6-4563-82A6-B42DDFFCA66C}" type="datetimeFigureOut">
               <a:rPr lang="en-GB" smtClean="0"/>
-              <a:t>14/11/2023</a:t>
+              <a:t>20/11/2023</a:t>
             </a:fld>
             <a:endParaRPr lang="en-GB"/>
           </a:p>
@@ -2395,7 +2401,7 @@
           <a:p>
             <a:fld id="{50106A6C-E9D6-4563-82A6-B42DDFFCA66C}" type="datetimeFigureOut">
               <a:rPr lang="en-GB" smtClean="0"/>
-              <a:t>14/11/2023</a:t>
+              <a:t>20/11/2023</a:t>
             </a:fld>
             <a:endParaRPr lang="en-GB"/>
           </a:p>
@@ -2684,7 +2690,7 @@
           <a:p>
             <a:fld id="{50106A6C-E9D6-4563-82A6-B42DDFFCA66C}" type="datetimeFigureOut">
               <a:rPr lang="en-GB" smtClean="0"/>
-              <a:t>14/11/2023</a:t>
+              <a:t>20/11/2023</a:t>
             </a:fld>
             <a:endParaRPr lang="en-GB"/>
           </a:p>
@@ -2927,7 +2933,7 @@
           <a:p>
             <a:fld id="{50106A6C-E9D6-4563-82A6-B42DDFFCA66C}" type="datetimeFigureOut">
               <a:rPr lang="en-GB" smtClean="0"/>
-              <a:t>14/11/2023</a:t>
+              <a:t>20/11/2023</a:t>
             </a:fld>
             <a:endParaRPr lang="en-GB"/>
           </a:p>
@@ -3793,19 +3799,17 @@
       </p:grpSpPr>
       <p:pic>
         <p:nvPicPr>
-          <p:cNvPr id="5" name="Inhaltsplatzhalter 4" descr="Ein Bild, das Screenshot, Text enthält.&#10;&#10;Automatisch generierte Beschreibung">
-            <a:extLst>
-              <a:ext uri="{FF2B5EF4-FFF2-40B4-BE49-F238E27FC236}">
-                <a16:creationId xmlns:a16="http://schemas.microsoft.com/office/drawing/2014/main" id="{C21D25B1-48DE-42B0-2441-05FF130D95AA}"/>
+          <p:cNvPr id="30" name="Grafik 29" descr="Ein Bild, das Text, Screenshot enthält.&#10;&#10;Automatisch generierte Beschreibung">
+            <a:extLst>
+              <a:ext uri="{FF2B5EF4-FFF2-40B4-BE49-F238E27FC236}">
+                <a16:creationId xmlns:a16="http://schemas.microsoft.com/office/drawing/2014/main" id="{5F6B8A58-FB9E-FD41-99F2-59D4E8DBDCB4}"/>
               </a:ext>
             </a:extLst>
           </p:cNvPr>
           <p:cNvPicPr>
-            <a:picLocks noGrp="1" noChangeAspect="1"/>
+            <a:picLocks noChangeAspect="1"/>
           </p:cNvPicPr>
-          <p:nvPr>
-            <p:ph idx="1"/>
-          </p:nvPr>
+          <p:nvPr/>
         </p:nvPicPr>
         <p:blipFill>
           <a:blip r:embed="rId2">
@@ -3821,396 +3825,255 @@
         </p:blipFill>
         <p:spPr>
           <a:xfrm>
-            <a:off x="9078818" y="2519873"/>
-            <a:ext cx="3024000" cy="2520000"/>
+            <a:off x="7992000" y="3349709"/>
+            <a:ext cx="3996000" cy="3330000"/>
           </a:xfrm>
+          <a:prstGeom prst="rect">
+            <a:avLst/>
+          </a:prstGeom>
+          <a:ln>
+            <a:noFill/>
+          </a:ln>
         </p:spPr>
       </p:pic>
-      <p:grpSp>
-        <p:nvGrpSpPr>
-          <p:cNvPr id="26" name="Gruppieren 25">
-            <a:extLst>
-              <a:ext uri="{FF2B5EF4-FFF2-40B4-BE49-F238E27FC236}">
-                <a16:creationId xmlns:a16="http://schemas.microsoft.com/office/drawing/2014/main" id="{57659980-33F1-ABBE-35AA-5DA625179C2D}"/>
-              </a:ext>
-            </a:extLst>
-          </p:cNvPr>
-          <p:cNvGrpSpPr/>
+      <p:pic>
+        <p:nvPicPr>
+          <p:cNvPr id="32" name="Grafik 31" descr="Ein Bild, das Screenshot, Schwarz enthält.&#10;&#10;Automatisch generierte Beschreibung">
+            <a:extLst>
+              <a:ext uri="{FF2B5EF4-FFF2-40B4-BE49-F238E27FC236}">
+                <a16:creationId xmlns:a16="http://schemas.microsoft.com/office/drawing/2014/main" id="{75E1C654-A437-F608-68E1-142B9B5176CE}"/>
+              </a:ext>
+            </a:extLst>
+          </p:cNvPr>
+          <p:cNvPicPr>
+            <a:picLocks noChangeAspect="1"/>
+          </p:cNvPicPr>
           <p:nvPr/>
-        </p:nvGrpSpPr>
-        <p:grpSpPr>
+        </p:nvPicPr>
+        <p:blipFill>
+          <a:blip r:embed="rId3">
+            <a:extLst>
+              <a:ext uri="{28A0092B-C50C-407E-A947-70E740481C1C}">
+                <a14:useLocalDpi xmlns:a14="http://schemas.microsoft.com/office/drawing/2010/main" val="0"/>
+              </a:ext>
+            </a:extLst>
+          </a:blip>
+          <a:stretch>
+            <a:fillRect/>
+          </a:stretch>
+        </p:blipFill>
+        <p:spPr>
           <a:xfrm>
-            <a:off x="0" y="0"/>
-            <a:ext cx="12102818" cy="7559746"/>
-            <a:chOff x="0" y="0"/>
-            <a:chExt cx="12102818" cy="7559746"/>
+            <a:off x="0" y="6679709"/>
+            <a:ext cx="3996000" cy="3330000"/>
           </a:xfrm>
-        </p:grpSpPr>
-        <p:pic>
-          <p:nvPicPr>
-            <p:cNvPr id="7" name="Grafik 6" descr="Ein Bild, das Screenshot, Text, Reihe enthält.&#10;&#10;Automatisch generierte Beschreibung">
-              <a:extLst>
-                <a:ext uri="{FF2B5EF4-FFF2-40B4-BE49-F238E27FC236}">
-                  <a16:creationId xmlns:a16="http://schemas.microsoft.com/office/drawing/2014/main" id="{10757DBA-79D9-A8D7-225E-97CD0DA44F4F}"/>
-                </a:ext>
-              </a:extLst>
-            </p:cNvPr>
-            <p:cNvPicPr>
-              <a:picLocks noChangeAspect="1"/>
-            </p:cNvPicPr>
-            <p:nvPr/>
-          </p:nvPicPr>
-          <p:blipFill>
-            <a:blip r:embed="rId3">
-              <a:extLst>
-                <a:ext uri="{28A0092B-C50C-407E-A947-70E740481C1C}">
-                  <a14:useLocalDpi xmlns:a14="http://schemas.microsoft.com/office/drawing/2010/main" val="0"/>
-                </a:ext>
-              </a:extLst>
-            </a:blip>
-            <a:stretch>
-              <a:fillRect/>
-            </a:stretch>
-          </p:blipFill>
-          <p:spPr>
-            <a:xfrm>
-              <a:off x="3031180" y="5039746"/>
-              <a:ext cx="3024000" cy="2520000"/>
-            </a:xfrm>
-            <a:prstGeom prst="rect">
-              <a:avLst/>
-            </a:prstGeom>
-          </p:spPr>
-        </p:pic>
-        <p:pic>
-          <p:nvPicPr>
-            <p:cNvPr id="9" name="Grafik 8" descr="Ein Bild, das Screenshot, Schwarz enthält.&#10;&#10;Automatisch generierte Beschreibung">
-              <a:extLst>
-                <a:ext uri="{FF2B5EF4-FFF2-40B4-BE49-F238E27FC236}">
-                  <a16:creationId xmlns:a16="http://schemas.microsoft.com/office/drawing/2014/main" id="{7F41A75D-0B53-75B6-A5E7-4E68D1680C70}"/>
-                </a:ext>
-              </a:extLst>
-            </p:cNvPr>
-            <p:cNvPicPr>
-              <a:picLocks noChangeAspect="1"/>
-            </p:cNvPicPr>
-            <p:nvPr/>
-          </p:nvPicPr>
-          <p:blipFill>
-            <a:blip r:embed="rId4">
-              <a:extLst>
-                <a:ext uri="{28A0092B-C50C-407E-A947-70E740481C1C}">
-                  <a14:useLocalDpi xmlns:a14="http://schemas.microsoft.com/office/drawing/2010/main" val="0"/>
-                </a:ext>
-              </a:extLst>
-            </a:blip>
-            <a:stretch>
-              <a:fillRect/>
-            </a:stretch>
-          </p:blipFill>
-          <p:spPr>
-            <a:xfrm>
-              <a:off x="6060913" y="5039746"/>
-              <a:ext cx="3024000" cy="2520000"/>
-            </a:xfrm>
-            <a:prstGeom prst="rect">
-              <a:avLst/>
-            </a:prstGeom>
-          </p:spPr>
-        </p:pic>
-        <p:pic>
-          <p:nvPicPr>
-            <p:cNvPr id="11" name="Grafik 10" descr="Ein Bild, das Screenshot, Text, Diagramm, Reihe enthält.&#10;&#10;Automatisch generierte Beschreibung">
-              <a:extLst>
-                <a:ext uri="{FF2B5EF4-FFF2-40B4-BE49-F238E27FC236}">
-                  <a16:creationId xmlns:a16="http://schemas.microsoft.com/office/drawing/2014/main" id="{67C2F66B-BBBB-BB17-5332-BA2D782E6BFB}"/>
-                </a:ext>
-              </a:extLst>
-            </p:cNvPr>
-            <p:cNvPicPr>
-              <a:picLocks noChangeAspect="1"/>
-            </p:cNvPicPr>
-            <p:nvPr/>
-          </p:nvPicPr>
-          <p:blipFill>
-            <a:blip r:embed="rId5">
-              <a:extLst>
-                <a:ext uri="{28A0092B-C50C-407E-A947-70E740481C1C}">
-                  <a14:useLocalDpi xmlns:a14="http://schemas.microsoft.com/office/drawing/2010/main" val="0"/>
-                </a:ext>
-              </a:extLst>
-            </a:blip>
-            <a:stretch>
-              <a:fillRect/>
-            </a:stretch>
-          </p:blipFill>
-          <p:spPr>
-            <a:xfrm>
-              <a:off x="3030818" y="2519873"/>
-              <a:ext cx="3024000" cy="2520000"/>
-            </a:xfrm>
-            <a:prstGeom prst="rect">
-              <a:avLst/>
-            </a:prstGeom>
-          </p:spPr>
-        </p:pic>
-        <p:pic>
-          <p:nvPicPr>
-            <p:cNvPr id="13" name="Grafik 12" descr="Ein Bild, das Screenshot, Schwarz enthält.&#10;&#10;Automatisch generierte Beschreibung">
-              <a:extLst>
-                <a:ext uri="{FF2B5EF4-FFF2-40B4-BE49-F238E27FC236}">
-                  <a16:creationId xmlns:a16="http://schemas.microsoft.com/office/drawing/2014/main" id="{EB29763A-3EED-C3D6-94B6-14B925EC739F}"/>
-                </a:ext>
-              </a:extLst>
-            </p:cNvPr>
-            <p:cNvPicPr>
-              <a:picLocks noChangeAspect="1"/>
-            </p:cNvPicPr>
-            <p:nvPr/>
-          </p:nvPicPr>
-          <p:blipFill>
-            <a:blip r:embed="rId6">
-              <a:extLst>
-                <a:ext uri="{28A0092B-C50C-407E-A947-70E740481C1C}">
-                  <a14:useLocalDpi xmlns:a14="http://schemas.microsoft.com/office/drawing/2010/main" val="0"/>
-                </a:ext>
-              </a:extLst>
-            </a:blip>
-            <a:stretch>
-              <a:fillRect/>
-            </a:stretch>
-          </p:blipFill>
-          <p:spPr>
-            <a:xfrm>
-              <a:off x="6055541" y="2519873"/>
-              <a:ext cx="3024000" cy="2520000"/>
-            </a:xfrm>
-            <a:prstGeom prst="rect">
-              <a:avLst/>
-            </a:prstGeom>
-          </p:spPr>
-        </p:pic>
-        <p:pic>
-          <p:nvPicPr>
-            <p:cNvPr id="15" name="Grafik 14" descr="Ein Bild, das Screenshot, Schwarz enthält.&#10;&#10;Automatisch generierte Beschreibung">
-              <a:extLst>
-                <a:ext uri="{FF2B5EF4-FFF2-40B4-BE49-F238E27FC236}">
-                  <a16:creationId xmlns:a16="http://schemas.microsoft.com/office/drawing/2014/main" id="{59B8A985-C40C-963D-F911-964136AC9FEC}"/>
-                </a:ext>
-              </a:extLst>
-            </p:cNvPr>
-            <p:cNvPicPr>
-              <a:picLocks noChangeAspect="1"/>
-            </p:cNvPicPr>
-            <p:nvPr/>
-          </p:nvPicPr>
-          <p:blipFill>
-            <a:blip r:embed="rId7">
-              <a:extLst>
-                <a:ext uri="{28A0092B-C50C-407E-A947-70E740481C1C}">
-                  <a14:useLocalDpi xmlns:a14="http://schemas.microsoft.com/office/drawing/2010/main" val="0"/>
-                </a:ext>
-              </a:extLst>
-            </a:blip>
-            <a:stretch>
-              <a:fillRect/>
-            </a:stretch>
-          </p:blipFill>
-          <p:spPr>
-            <a:xfrm>
-              <a:off x="3024723" y="0"/>
-              <a:ext cx="3024000" cy="2520000"/>
-            </a:xfrm>
-            <a:prstGeom prst="rect">
-              <a:avLst/>
-            </a:prstGeom>
-          </p:spPr>
-        </p:pic>
-        <p:pic>
-          <p:nvPicPr>
-            <p:cNvPr id="17" name="Grafik 16" descr="Ein Bild, das Screenshot, Schwarz enthält.&#10;&#10;Automatisch generierte Beschreibung">
-              <a:extLst>
-                <a:ext uri="{FF2B5EF4-FFF2-40B4-BE49-F238E27FC236}">
-                  <a16:creationId xmlns:a16="http://schemas.microsoft.com/office/drawing/2014/main" id="{079079B1-FFA1-D7A1-AC4F-A9CDB9400635}"/>
-                </a:ext>
-              </a:extLst>
-            </p:cNvPr>
-            <p:cNvPicPr>
-              <a:picLocks noChangeAspect="1"/>
-            </p:cNvPicPr>
-            <p:nvPr/>
-          </p:nvPicPr>
-          <p:blipFill>
-            <a:blip r:embed="rId8">
-              <a:extLst>
-                <a:ext uri="{28A0092B-C50C-407E-A947-70E740481C1C}">
-                  <a14:useLocalDpi xmlns:a14="http://schemas.microsoft.com/office/drawing/2010/main" val="0"/>
-                </a:ext>
-              </a:extLst>
-            </a:blip>
-            <a:stretch>
-              <a:fillRect/>
-            </a:stretch>
-          </p:blipFill>
-          <p:spPr>
-            <a:xfrm>
-              <a:off x="6818" y="5039746"/>
-              <a:ext cx="3024000" cy="2520000"/>
-            </a:xfrm>
-            <a:prstGeom prst="rect">
-              <a:avLst/>
-            </a:prstGeom>
-          </p:spPr>
-        </p:pic>
-        <p:pic>
-          <p:nvPicPr>
-            <p:cNvPr id="19" name="Grafik 18" descr="Ein Bild, das Screenshot enthält.&#10;&#10;Automatisch generierte Beschreibung">
-              <a:extLst>
-                <a:ext uri="{FF2B5EF4-FFF2-40B4-BE49-F238E27FC236}">
-                  <a16:creationId xmlns:a16="http://schemas.microsoft.com/office/drawing/2014/main" id="{ECE8CE6A-9F29-2A77-722D-91020E97F475}"/>
-                </a:ext>
-              </a:extLst>
-            </p:cNvPr>
-            <p:cNvPicPr>
-              <a:picLocks noChangeAspect="1"/>
-            </p:cNvPicPr>
-            <p:nvPr/>
-          </p:nvPicPr>
-          <p:blipFill>
-            <a:blip r:embed="rId9">
-              <a:extLst>
-                <a:ext uri="{28A0092B-C50C-407E-A947-70E740481C1C}">
-                  <a14:useLocalDpi xmlns:a14="http://schemas.microsoft.com/office/drawing/2010/main" val="0"/>
-                </a:ext>
-              </a:extLst>
-            </a:blip>
-            <a:stretch>
-              <a:fillRect/>
-            </a:stretch>
-          </p:blipFill>
-          <p:spPr>
-            <a:xfrm>
-              <a:off x="9078818" y="0"/>
-              <a:ext cx="3024000" cy="2520000"/>
-            </a:xfrm>
-            <a:prstGeom prst="rect">
-              <a:avLst/>
-            </a:prstGeom>
-          </p:spPr>
-        </p:pic>
-        <p:pic>
-          <p:nvPicPr>
-            <p:cNvPr id="21" name="Grafik 20" descr="Ein Bild, das Screenshot enthält.&#10;&#10;Automatisch generierte Beschreibung">
-              <a:extLst>
-                <a:ext uri="{FF2B5EF4-FFF2-40B4-BE49-F238E27FC236}">
-                  <a16:creationId xmlns:a16="http://schemas.microsoft.com/office/drawing/2014/main" id="{49DA7361-DC9E-BE8B-18B6-AB0B737D977A}"/>
-                </a:ext>
-              </a:extLst>
-            </p:cNvPr>
-            <p:cNvPicPr>
-              <a:picLocks noChangeAspect="1"/>
-            </p:cNvPicPr>
-            <p:nvPr/>
-          </p:nvPicPr>
-          <p:blipFill>
-            <a:blip r:embed="rId10">
-              <a:extLst>
-                <a:ext uri="{28A0092B-C50C-407E-A947-70E740481C1C}">
-                  <a14:useLocalDpi xmlns:a14="http://schemas.microsoft.com/office/drawing/2010/main" val="0"/>
-                </a:ext>
-              </a:extLst>
-            </a:blip>
-            <a:stretch>
-              <a:fillRect/>
-            </a:stretch>
-          </p:blipFill>
-          <p:spPr>
-            <a:xfrm>
-              <a:off x="0" y="2519873"/>
-              <a:ext cx="3024000" cy="2520000"/>
-            </a:xfrm>
-            <a:prstGeom prst="rect">
-              <a:avLst/>
-            </a:prstGeom>
-          </p:spPr>
-        </p:pic>
-        <p:pic>
-          <p:nvPicPr>
-            <p:cNvPr id="23" name="Grafik 22" descr="Ein Bild, das Screenshot enthält.&#10;&#10;Automatisch generierte Beschreibung">
-              <a:extLst>
-                <a:ext uri="{FF2B5EF4-FFF2-40B4-BE49-F238E27FC236}">
-                  <a16:creationId xmlns:a16="http://schemas.microsoft.com/office/drawing/2014/main" id="{68C62062-F34B-F74A-D410-BED264F56D46}"/>
-                </a:ext>
-              </a:extLst>
-            </p:cNvPr>
-            <p:cNvPicPr>
-              <a:picLocks noChangeAspect="1"/>
-            </p:cNvPicPr>
-            <p:nvPr/>
-          </p:nvPicPr>
-          <p:blipFill>
-            <a:blip r:embed="rId11">
-              <a:extLst>
-                <a:ext uri="{28A0092B-C50C-407E-A947-70E740481C1C}">
-                  <a14:useLocalDpi xmlns:a14="http://schemas.microsoft.com/office/drawing/2010/main" val="0"/>
-                </a:ext>
-              </a:extLst>
-            </a:blip>
-            <a:stretch>
-              <a:fillRect/>
-            </a:stretch>
-          </p:blipFill>
-          <p:spPr>
-            <a:xfrm>
-              <a:off x="6048723" y="0"/>
-              <a:ext cx="3024000" cy="2520000"/>
-            </a:xfrm>
-            <a:prstGeom prst="rect">
-              <a:avLst/>
-            </a:prstGeom>
-          </p:spPr>
-        </p:pic>
-        <p:pic>
-          <p:nvPicPr>
-            <p:cNvPr id="25" name="Grafik 24" descr="Ein Bild, das Screenshot, Text enthält.&#10;&#10;Automatisch generierte Beschreibung">
-              <a:extLst>
-                <a:ext uri="{FF2B5EF4-FFF2-40B4-BE49-F238E27FC236}">
-                  <a16:creationId xmlns:a16="http://schemas.microsoft.com/office/drawing/2014/main" id="{C5EF3791-8D34-44EF-662B-B9F6F28BB753}"/>
-                </a:ext>
-              </a:extLst>
-            </p:cNvPr>
-            <p:cNvPicPr>
-              <a:picLocks noChangeAspect="1"/>
-            </p:cNvPicPr>
-            <p:nvPr/>
-          </p:nvPicPr>
-          <p:blipFill>
-            <a:blip r:embed="rId12">
-              <a:extLst>
-                <a:ext uri="{28A0092B-C50C-407E-A947-70E740481C1C}">
-                  <a14:useLocalDpi xmlns:a14="http://schemas.microsoft.com/office/drawing/2010/main" val="0"/>
-                </a:ext>
-              </a:extLst>
-            </a:blip>
-            <a:stretch>
-              <a:fillRect/>
-            </a:stretch>
-          </p:blipFill>
-          <p:spPr>
-            <a:xfrm>
-              <a:off x="723" y="0"/>
-              <a:ext cx="3024000" cy="2520000"/>
-            </a:xfrm>
-            <a:prstGeom prst="rect">
-              <a:avLst/>
-            </a:prstGeom>
-          </p:spPr>
-        </p:pic>
-      </p:grpSp>
+          <a:prstGeom prst="rect">
+            <a:avLst/>
+          </a:prstGeom>
+          <a:ln>
+            <a:noFill/>
+          </a:ln>
+        </p:spPr>
+      </p:pic>
+      <p:pic>
+        <p:nvPicPr>
+          <p:cNvPr id="34" name="Grafik 33" descr="Ein Bild, das Screenshot, Text, Schwarz enthält.&#10;&#10;Automatisch generierte Beschreibung">
+            <a:extLst>
+              <a:ext uri="{FF2B5EF4-FFF2-40B4-BE49-F238E27FC236}">
+                <a16:creationId xmlns:a16="http://schemas.microsoft.com/office/drawing/2014/main" id="{9EE9BD76-B465-7EB1-5419-A6581394BAFE}"/>
+              </a:ext>
+            </a:extLst>
+          </p:cNvPr>
+          <p:cNvPicPr>
+            <a:picLocks noChangeAspect="1"/>
+          </p:cNvPicPr>
+          <p:nvPr/>
+        </p:nvPicPr>
+        <p:blipFill>
+          <a:blip r:embed="rId4">
+            <a:extLst>
+              <a:ext uri="{28A0092B-C50C-407E-A947-70E740481C1C}">
+                <a14:useLocalDpi xmlns:a14="http://schemas.microsoft.com/office/drawing/2010/main" val="0"/>
+              </a:ext>
+            </a:extLst>
+          </a:blip>
+          <a:stretch>
+            <a:fillRect/>
+          </a:stretch>
+        </p:blipFill>
+        <p:spPr>
+          <a:xfrm>
+            <a:off x="7992000" y="19709"/>
+            <a:ext cx="3996000" cy="3330000"/>
+          </a:xfrm>
+          <a:prstGeom prst="rect">
+            <a:avLst/>
+          </a:prstGeom>
+          <a:ln>
+            <a:noFill/>
+          </a:ln>
+        </p:spPr>
+      </p:pic>
+      <p:pic>
+        <p:nvPicPr>
+          <p:cNvPr id="36" name="Grafik 35" descr="Ein Bild, das Screenshot, Schwarz enthält.&#10;&#10;Automatisch generierte Beschreibung">
+            <a:extLst>
+              <a:ext uri="{FF2B5EF4-FFF2-40B4-BE49-F238E27FC236}">
+                <a16:creationId xmlns:a16="http://schemas.microsoft.com/office/drawing/2014/main" id="{888597FE-D995-8BD1-0E5F-131A1420BD0F}"/>
+              </a:ext>
+            </a:extLst>
+          </p:cNvPr>
+          <p:cNvPicPr>
+            <a:picLocks noChangeAspect="1"/>
+          </p:cNvPicPr>
+          <p:nvPr/>
+        </p:nvPicPr>
+        <p:blipFill>
+          <a:blip r:embed="rId5">
+            <a:extLst>
+              <a:ext uri="{28A0092B-C50C-407E-A947-70E740481C1C}">
+                <a14:useLocalDpi xmlns:a14="http://schemas.microsoft.com/office/drawing/2010/main" val="0"/>
+              </a:ext>
+            </a:extLst>
+          </a:blip>
+          <a:stretch>
+            <a:fillRect/>
+          </a:stretch>
+        </p:blipFill>
+        <p:spPr>
+          <a:xfrm>
+            <a:off x="3996000" y="19709"/>
+            <a:ext cx="3996000" cy="3330000"/>
+          </a:xfrm>
+          <a:prstGeom prst="rect">
+            <a:avLst/>
+          </a:prstGeom>
+          <a:ln>
+            <a:noFill/>
+          </a:ln>
+        </p:spPr>
+      </p:pic>
+      <p:pic>
+        <p:nvPicPr>
+          <p:cNvPr id="38" name="Grafik 37" descr="Ein Bild, das Screenshot, Schwarz enthält.&#10;&#10;Automatisch generierte Beschreibung">
+            <a:extLst>
+              <a:ext uri="{FF2B5EF4-FFF2-40B4-BE49-F238E27FC236}">
+                <a16:creationId xmlns:a16="http://schemas.microsoft.com/office/drawing/2014/main" id="{E133E7B7-126C-2C97-E408-7953AF69E1D7}"/>
+              </a:ext>
+            </a:extLst>
+          </p:cNvPr>
+          <p:cNvPicPr>
+            <a:picLocks noChangeAspect="1"/>
+          </p:cNvPicPr>
+          <p:nvPr/>
+        </p:nvPicPr>
+        <p:blipFill>
+          <a:blip r:embed="rId6">
+            <a:extLst>
+              <a:ext uri="{28A0092B-C50C-407E-A947-70E740481C1C}">
+                <a14:useLocalDpi xmlns:a14="http://schemas.microsoft.com/office/drawing/2010/main" val="0"/>
+              </a:ext>
+            </a:extLst>
+          </a:blip>
+          <a:stretch>
+            <a:fillRect/>
+          </a:stretch>
+        </p:blipFill>
+        <p:spPr>
+          <a:xfrm>
+            <a:off x="0" y="3349709"/>
+            <a:ext cx="3996000" cy="3330000"/>
+          </a:xfrm>
+          <a:prstGeom prst="rect">
+            <a:avLst/>
+          </a:prstGeom>
+          <a:ln>
+            <a:noFill/>
+          </a:ln>
+        </p:spPr>
+      </p:pic>
+      <p:pic>
+        <p:nvPicPr>
+          <p:cNvPr id="40" name="Grafik 39" descr="Ein Bild, das Screenshot, Schwarz enthält.&#10;&#10;Automatisch generierte Beschreibung">
+            <a:extLst>
+              <a:ext uri="{FF2B5EF4-FFF2-40B4-BE49-F238E27FC236}">
+                <a16:creationId xmlns:a16="http://schemas.microsoft.com/office/drawing/2014/main" id="{E50DB893-79D3-CF83-6ADF-A95B1D0C0F6F}"/>
+              </a:ext>
+            </a:extLst>
+          </p:cNvPr>
+          <p:cNvPicPr>
+            <a:picLocks noChangeAspect="1"/>
+          </p:cNvPicPr>
+          <p:nvPr/>
+        </p:nvPicPr>
+        <p:blipFill>
+          <a:blip r:embed="rId7">
+            <a:extLst>
+              <a:ext uri="{28A0092B-C50C-407E-A947-70E740481C1C}">
+                <a14:useLocalDpi xmlns:a14="http://schemas.microsoft.com/office/drawing/2010/main" val="0"/>
+              </a:ext>
+            </a:extLst>
+          </a:blip>
+          <a:stretch>
+            <a:fillRect/>
+          </a:stretch>
+        </p:blipFill>
+        <p:spPr>
+          <a:xfrm>
+            <a:off x="0" y="19709"/>
+            <a:ext cx="3996000" cy="3330000"/>
+          </a:xfrm>
+          <a:prstGeom prst="rect">
+            <a:avLst/>
+          </a:prstGeom>
+          <a:ln>
+            <a:noFill/>
+          </a:ln>
+        </p:spPr>
+      </p:pic>
+      <p:pic>
+        <p:nvPicPr>
+          <p:cNvPr id="42" name="Grafik 41" descr="Ein Bild, das Screenshot enthält.&#10;&#10;Automatisch generierte Beschreibung">
+            <a:extLst>
+              <a:ext uri="{FF2B5EF4-FFF2-40B4-BE49-F238E27FC236}">
+                <a16:creationId xmlns:a16="http://schemas.microsoft.com/office/drawing/2014/main" id="{C69EE3EC-0302-81C9-057C-1D2BD306627A}"/>
+              </a:ext>
+            </a:extLst>
+          </p:cNvPr>
+          <p:cNvPicPr>
+            <a:picLocks noChangeAspect="1"/>
+          </p:cNvPicPr>
+          <p:nvPr/>
+        </p:nvPicPr>
+        <p:blipFill>
+          <a:blip r:embed="rId8">
+            <a:extLst>
+              <a:ext uri="{28A0092B-C50C-407E-A947-70E740481C1C}">
+                <a14:useLocalDpi xmlns:a14="http://schemas.microsoft.com/office/drawing/2010/main" val="0"/>
+              </a:ext>
+            </a:extLst>
+          </a:blip>
+          <a:stretch>
+            <a:fillRect/>
+          </a:stretch>
+        </p:blipFill>
+        <p:spPr>
+          <a:xfrm>
+            <a:off x="3996000" y="3349709"/>
+            <a:ext cx="3996000" cy="3330000"/>
+          </a:xfrm>
+          <a:prstGeom prst="rect">
+            <a:avLst/>
+          </a:prstGeom>
+          <a:ln>
+            <a:noFill/>
+          </a:ln>
+        </p:spPr>
+      </p:pic>
     </p:spTree>
     <p:extLst>
       <p:ext uri="{BB962C8B-B14F-4D97-AF65-F5344CB8AC3E}">
-        <p14:creationId xmlns:p14="http://schemas.microsoft.com/office/powerpoint/2010/main" val="286154226"/>
+        <p14:creationId xmlns:p14="http://schemas.microsoft.com/office/powerpoint/2010/main" val="3911376453"/>
       </p:ext>
     </p:extLst>
   </p:cSld>
@@ -4239,10 +4102,10 @@
       </p:grpSpPr>
       <p:grpSp>
         <p:nvGrpSpPr>
-          <p:cNvPr id="26" name="Gruppieren 25">
-            <a:extLst>
-              <a:ext uri="{FF2B5EF4-FFF2-40B4-BE49-F238E27FC236}">
-                <a16:creationId xmlns:a16="http://schemas.microsoft.com/office/drawing/2014/main" id="{5710A9E1-F92A-A082-DDF6-A978990C7799}"/>
+          <p:cNvPr id="2" name="Gruppieren 1">
+            <a:extLst>
+              <a:ext uri="{FF2B5EF4-FFF2-40B4-BE49-F238E27FC236}">
+                <a16:creationId xmlns:a16="http://schemas.microsoft.com/office/drawing/2014/main" id="{823AED26-48F5-B749-AF29-158CAD1D3C85}"/>
               </a:ext>
             </a:extLst>
           </p:cNvPr>
@@ -4251,18 +4114,18 @@
         </p:nvGrpSpPr>
         <p:grpSpPr>
           <a:xfrm>
-            <a:off x="5346" y="0"/>
-            <a:ext cx="10408281" cy="6510010"/>
-            <a:chOff x="5346" y="0"/>
-            <a:chExt cx="10408281" cy="6510010"/>
+            <a:off x="0" y="19709"/>
+            <a:ext cx="11988000" cy="5824800"/>
+            <a:chOff x="0" y="19709"/>
+            <a:chExt cx="11988000" cy="5824800"/>
           </a:xfrm>
         </p:grpSpPr>
         <p:pic>
           <p:nvPicPr>
-            <p:cNvPr id="5" name="Grafik 4" descr="Ein Bild, das Screenshot enthält.&#10;&#10;Automatisch generierte Beschreibung">
+            <p:cNvPr id="30" name="Grafik 29" descr="Ein Bild, das Text, Screenshot enthält.&#10;&#10;Automatisch generierte Beschreibung">
               <a:extLst>
                 <a:ext uri="{FF2B5EF4-FFF2-40B4-BE49-F238E27FC236}">
-                  <a16:creationId xmlns:a16="http://schemas.microsoft.com/office/drawing/2014/main" id="{0F741D77-203C-F806-AAB5-C2CC430C9933}"/>
+                  <a16:creationId xmlns:a16="http://schemas.microsoft.com/office/drawing/2014/main" id="{5F6B8A58-FB9E-FD41-99F2-59D4E8DBDCB4}"/>
                 </a:ext>
               </a:extLst>
             </p:cNvPr>
@@ -4285,8 +4148,8 @@
           </p:blipFill>
           <p:spPr>
             <a:xfrm>
-              <a:off x="7821627" y="2175005"/>
-              <a:ext cx="2592000" cy="2160000"/>
+              <a:off x="5991840" y="3349709"/>
+              <a:ext cx="2993760" cy="2494800"/>
             </a:xfrm>
             <a:prstGeom prst="rect">
               <a:avLst/>
@@ -4298,10 +4161,10 @@
         </p:pic>
         <p:pic>
           <p:nvPicPr>
-            <p:cNvPr id="7" name="Grafik 6" descr="Ein Bild, das Screenshot, Text enthält.&#10;&#10;Automatisch generierte Beschreibung">
+            <p:cNvPr id="32" name="Grafik 31" descr="Ein Bild, das Screenshot, Schwarz enthält.&#10;&#10;Automatisch generierte Beschreibung">
               <a:extLst>
                 <a:ext uri="{FF2B5EF4-FFF2-40B4-BE49-F238E27FC236}">
-                  <a16:creationId xmlns:a16="http://schemas.microsoft.com/office/drawing/2014/main" id="{6E351E97-B948-A420-4744-E3EC55AF6B11}"/>
+                  <a16:creationId xmlns:a16="http://schemas.microsoft.com/office/drawing/2014/main" id="{75E1C654-A437-F608-68E1-142B9B5176CE}"/>
                 </a:ext>
               </a:extLst>
             </p:cNvPr>
@@ -4324,8 +4187,8 @@
           </p:blipFill>
           <p:spPr>
             <a:xfrm>
-              <a:off x="2616185" y="4350010"/>
-              <a:ext cx="2592000" cy="2160000"/>
+              <a:off x="8994240" y="3349709"/>
+              <a:ext cx="2993760" cy="2494800"/>
             </a:xfrm>
             <a:prstGeom prst="rect">
               <a:avLst/>
@@ -4337,10 +4200,10 @@
         </p:pic>
         <p:pic>
           <p:nvPicPr>
-            <p:cNvPr id="9" name="Grafik 8" descr="Ein Bild, das Screenshot, Schwarz, Quadrat enthält.&#10;&#10;Automatisch generierte Beschreibung">
+            <p:cNvPr id="34" name="Grafik 33" descr="Ein Bild, das Screenshot, Text, Schwarz enthält.&#10;&#10;Automatisch generierte Beschreibung">
               <a:extLst>
                 <a:ext uri="{FF2B5EF4-FFF2-40B4-BE49-F238E27FC236}">
-                  <a16:creationId xmlns:a16="http://schemas.microsoft.com/office/drawing/2014/main" id="{9AEFE84D-C880-C676-DFFA-AE5ECE0BEB50}"/>
+                  <a16:creationId xmlns:a16="http://schemas.microsoft.com/office/drawing/2014/main" id="{9EE9BD76-B465-7EB1-5419-A6581394BAFE}"/>
                 </a:ext>
               </a:extLst>
             </p:cNvPr>
@@ -4363,8 +4226,8 @@
           </p:blipFill>
           <p:spPr>
             <a:xfrm>
-              <a:off x="5227024" y="4350010"/>
-              <a:ext cx="2592000" cy="2160000"/>
+              <a:off x="7992000" y="19709"/>
+              <a:ext cx="3996000" cy="3330000"/>
             </a:xfrm>
             <a:prstGeom prst="rect">
               <a:avLst/>
@@ -4376,10 +4239,10 @@
         </p:pic>
         <p:pic>
           <p:nvPicPr>
-            <p:cNvPr id="11" name="Grafik 10" descr="Ein Bild, das Screenshot, Diagramm enthält.&#10;&#10;Automatisch generierte Beschreibung">
+            <p:cNvPr id="36" name="Grafik 35" descr="Ein Bild, das Screenshot, Schwarz enthält.&#10;&#10;Automatisch generierte Beschreibung">
               <a:extLst>
                 <a:ext uri="{FF2B5EF4-FFF2-40B4-BE49-F238E27FC236}">
-                  <a16:creationId xmlns:a16="http://schemas.microsoft.com/office/drawing/2014/main" id="{6DAEDF65-C7F1-8720-4516-AF816E80C8A4}"/>
+                  <a16:creationId xmlns:a16="http://schemas.microsoft.com/office/drawing/2014/main" id="{888597FE-D995-8BD1-0E5F-131A1420BD0F}"/>
                 </a:ext>
               </a:extLst>
             </p:cNvPr>
@@ -4402,8 +4265,8 @@
           </p:blipFill>
           <p:spPr>
             <a:xfrm>
-              <a:off x="2616185" y="2175005"/>
-              <a:ext cx="2592000" cy="2160000"/>
+              <a:off x="3996000" y="19709"/>
+              <a:ext cx="3996000" cy="3330000"/>
             </a:xfrm>
             <a:prstGeom prst="rect">
               <a:avLst/>
@@ -4415,10 +4278,10 @@
         </p:pic>
         <p:pic>
           <p:nvPicPr>
-            <p:cNvPr id="13" name="Grafik 12" descr="Ein Bild, das Screenshot, Schwarz, Quadrat enthält.&#10;&#10;Automatisch generierte Beschreibung">
+            <p:cNvPr id="38" name="Grafik 37" descr="Ein Bild, das Screenshot, Schwarz enthält.&#10;&#10;Automatisch generierte Beschreibung">
               <a:extLst>
                 <a:ext uri="{FF2B5EF4-FFF2-40B4-BE49-F238E27FC236}">
-                  <a16:creationId xmlns:a16="http://schemas.microsoft.com/office/drawing/2014/main" id="{4C87BC19-0978-A37A-D269-2A5C7A455D86}"/>
+                  <a16:creationId xmlns:a16="http://schemas.microsoft.com/office/drawing/2014/main" id="{E133E7B7-126C-2C97-E408-7953AF69E1D7}"/>
                 </a:ext>
               </a:extLst>
             </p:cNvPr>
@@ -4441,8 +4304,8 @@
           </p:blipFill>
           <p:spPr>
             <a:xfrm>
-              <a:off x="5229627" y="2175005"/>
-              <a:ext cx="2592000" cy="2160000"/>
+              <a:off x="0" y="3349709"/>
+              <a:ext cx="2993760" cy="2494800"/>
             </a:xfrm>
             <a:prstGeom prst="rect">
               <a:avLst/>
@@ -4454,10 +4317,10 @@
         </p:pic>
         <p:pic>
           <p:nvPicPr>
-            <p:cNvPr id="15" name="Grafik 14" descr="Ein Bild, das Screenshot, Schwarz, Quadrat enthält.&#10;&#10;Automatisch generierte Beschreibung">
+            <p:cNvPr id="40" name="Grafik 39" descr="Ein Bild, das Screenshot, Schwarz enthält.&#10;&#10;Automatisch generierte Beschreibung">
               <a:extLst>
                 <a:ext uri="{FF2B5EF4-FFF2-40B4-BE49-F238E27FC236}">
-                  <a16:creationId xmlns:a16="http://schemas.microsoft.com/office/drawing/2014/main" id="{E4EAAE34-7858-5197-BE61-C084C9E2C6C6}"/>
+                  <a16:creationId xmlns:a16="http://schemas.microsoft.com/office/drawing/2014/main" id="{E50DB893-79D3-CF83-6ADF-A95B1D0C0F6F}"/>
                 </a:ext>
               </a:extLst>
             </p:cNvPr>
@@ -4480,8 +4343,8 @@
           </p:blipFill>
           <p:spPr>
             <a:xfrm>
-              <a:off x="2616185" y="0"/>
-              <a:ext cx="2592000" cy="2160000"/>
+              <a:off x="0" y="19709"/>
+              <a:ext cx="3996000" cy="3330000"/>
             </a:xfrm>
             <a:prstGeom prst="rect">
               <a:avLst/>
@@ -4493,10 +4356,10 @@
         </p:pic>
         <p:pic>
           <p:nvPicPr>
-            <p:cNvPr id="17" name="Grafik 16" descr="Ein Bild, das Screenshot, Schwarz, Quadrat enthält.&#10;&#10;Automatisch generierte Beschreibung">
+            <p:cNvPr id="42" name="Grafik 41" descr="Ein Bild, das Screenshot enthält.&#10;&#10;Automatisch generierte Beschreibung">
               <a:extLst>
                 <a:ext uri="{FF2B5EF4-FFF2-40B4-BE49-F238E27FC236}">
-                  <a16:creationId xmlns:a16="http://schemas.microsoft.com/office/drawing/2014/main" id="{019803C4-44AC-021F-321F-5DDFE63B0A14}"/>
+                  <a16:creationId xmlns:a16="http://schemas.microsoft.com/office/drawing/2014/main" id="{C69EE3EC-0302-81C9-057C-1D2BD306627A}"/>
                 </a:ext>
               </a:extLst>
             </p:cNvPr>
@@ -4519,8 +4382,8 @@
           </p:blipFill>
           <p:spPr>
             <a:xfrm>
-              <a:off x="5346" y="4350010"/>
-              <a:ext cx="2592000" cy="2160000"/>
+              <a:off x="2993760" y="3349709"/>
+              <a:ext cx="2993760" cy="2494800"/>
             </a:xfrm>
             <a:prstGeom prst="rect">
               <a:avLst/>
@@ -4530,12 +4393,63 @@
             </a:ln>
           </p:spPr>
         </p:pic>
+      </p:grpSp>
+    </p:spTree>
+    <p:extLst>
+      <p:ext uri="{BB962C8B-B14F-4D97-AF65-F5344CB8AC3E}">
+        <p14:creationId xmlns:p14="http://schemas.microsoft.com/office/powerpoint/2010/main" val="1974320077"/>
+      </p:ext>
+    </p:extLst>
+  </p:cSld>
+  <p:clrMapOvr>
+    <a:masterClrMapping/>
+  </p:clrMapOvr>
+</p:sld>
+</file>
+
+<file path=ppt/slides/slide4.xml><?xml version="1.0" encoding="utf-8"?>
+<p:sld xmlns:a="http://schemas.openxmlformats.org/drawingml/2006/main" xmlns:r="http://schemas.openxmlformats.org/officeDocument/2006/relationships" xmlns:p="http://schemas.openxmlformats.org/presentationml/2006/main">
+  <p:cSld>
+    <p:spTree>
+      <p:nvGrpSpPr>
+        <p:cNvPr id="1" name=""/>
+        <p:cNvGrpSpPr/>
+        <p:nvPr/>
+      </p:nvGrpSpPr>
+      <p:grpSpPr>
+        <a:xfrm>
+          <a:off x="0" y="0"/>
+          <a:ext cx="0" cy="0"/>
+          <a:chOff x="0" y="0"/>
+          <a:chExt cx="0" cy="0"/>
+        </a:xfrm>
+      </p:grpSpPr>
+      <p:grpSp>
+        <p:nvGrpSpPr>
+          <p:cNvPr id="2" name="Gruppieren 1">
+            <a:extLst>
+              <a:ext uri="{FF2B5EF4-FFF2-40B4-BE49-F238E27FC236}">
+                <a16:creationId xmlns:a16="http://schemas.microsoft.com/office/drawing/2014/main" id="{A542EB6A-87E8-07E0-45EF-28E94FD91945}"/>
+              </a:ext>
+            </a:extLst>
+          </p:cNvPr>
+          <p:cNvGrpSpPr/>
+          <p:nvPr/>
+        </p:nvGrpSpPr>
+        <p:grpSpPr>
+          <a:xfrm>
+            <a:off x="0" y="0"/>
+            <a:ext cx="11664000" cy="5670000"/>
+            <a:chOff x="0" y="0"/>
+            <a:chExt cx="11664000" cy="5670000"/>
+          </a:xfrm>
+        </p:grpSpPr>
         <p:pic>
           <p:nvPicPr>
-            <p:cNvPr id="19" name="Grafik 18" descr="Ein Bild, das Screenshot, Schwarz, Quadrat enthält.&#10;&#10;Automatisch generierte Beschreibung">
+            <p:cNvPr id="3" name="Grafik 2" descr="Ein Bild, das Screenshot, Diagramm, Reihe enthält.&#10;&#10;Automatisch generierte Beschreibung">
               <a:extLst>
                 <a:ext uri="{FF2B5EF4-FFF2-40B4-BE49-F238E27FC236}">
-                  <a16:creationId xmlns:a16="http://schemas.microsoft.com/office/drawing/2014/main" id="{58087ACB-C669-F9C3-DD8D-1046A620F357}"/>
+                  <a16:creationId xmlns:a16="http://schemas.microsoft.com/office/drawing/2014/main" id="{13035C7D-F5C9-5556-4BA3-9642B34576B0}"/>
                 </a:ext>
               </a:extLst>
             </p:cNvPr>
@@ -4545,7 +4459,7 @@
             <p:nvPr/>
           </p:nvPicPr>
           <p:blipFill>
-            <a:blip r:embed="rId9">
+            <a:blip r:embed="rId2">
               <a:extLst>
                 <a:ext uri="{28A0092B-C50C-407E-A947-70E740481C1C}">
                   <a14:useLocalDpi xmlns:a14="http://schemas.microsoft.com/office/drawing/2010/main" val="0"/>
@@ -4558,8 +4472,8 @@
           </p:blipFill>
           <p:spPr>
             <a:xfrm>
-              <a:off x="7821627" y="0"/>
-              <a:ext cx="2592000" cy="2160000"/>
+              <a:off x="5832000" y="3240000"/>
+              <a:ext cx="2916000" cy="2430000"/>
             </a:xfrm>
             <a:prstGeom prst="rect">
               <a:avLst/>
@@ -4571,10 +4485,10 @@
         </p:pic>
         <p:pic>
           <p:nvPicPr>
-            <p:cNvPr id="21" name="Grafik 20" descr="Ein Bild, das Screenshot, Schwarz, Quadrat enthält.&#10;&#10;Automatisch generierte Beschreibung">
+            <p:cNvPr id="6" name="Grafik 5" descr="Ein Bild, das Screenshot, Schwarz, Reihe enthält.&#10;&#10;Automatisch generierte Beschreibung">
               <a:extLst>
                 <a:ext uri="{FF2B5EF4-FFF2-40B4-BE49-F238E27FC236}">
-                  <a16:creationId xmlns:a16="http://schemas.microsoft.com/office/drawing/2014/main" id="{01D493DE-8890-1987-0449-58377FC68A31}"/>
+                  <a16:creationId xmlns:a16="http://schemas.microsoft.com/office/drawing/2014/main" id="{FEF47793-028A-BAD9-0D64-B939E6525233}"/>
                 </a:ext>
               </a:extLst>
             </p:cNvPr>
@@ -4584,7 +4498,7 @@
             <p:nvPr/>
           </p:nvPicPr>
           <p:blipFill>
-            <a:blip r:embed="rId10">
+            <a:blip r:embed="rId3">
               <a:extLst>
                 <a:ext uri="{28A0092B-C50C-407E-A947-70E740481C1C}">
                   <a14:useLocalDpi xmlns:a14="http://schemas.microsoft.com/office/drawing/2010/main" val="0"/>
@@ -4597,8 +4511,8 @@
           </p:blipFill>
           <p:spPr>
             <a:xfrm>
-              <a:off x="5346" y="2175005"/>
-              <a:ext cx="2592000" cy="2160000"/>
+              <a:off x="8748000" y="3240000"/>
+              <a:ext cx="2916000" cy="2430000"/>
             </a:xfrm>
             <a:prstGeom prst="rect">
               <a:avLst/>
@@ -4610,10 +4524,10 @@
         </p:pic>
         <p:pic>
           <p:nvPicPr>
-            <p:cNvPr id="23" name="Grafik 22" descr="Ein Bild, das Screenshot, Schwarz enthält.&#10;&#10;Automatisch generierte Beschreibung">
+            <p:cNvPr id="10" name="Grafik 9" descr="Ein Bild, das Screenshot enthält.&#10;&#10;Automatisch generierte Beschreibung">
               <a:extLst>
                 <a:ext uri="{FF2B5EF4-FFF2-40B4-BE49-F238E27FC236}">
-                  <a16:creationId xmlns:a16="http://schemas.microsoft.com/office/drawing/2014/main" id="{934E97C3-CDDA-4401-8023-C589249CE004}"/>
+                  <a16:creationId xmlns:a16="http://schemas.microsoft.com/office/drawing/2014/main" id="{D7C078A4-3586-BB4F-6120-07AD31EAC198}"/>
                 </a:ext>
               </a:extLst>
             </p:cNvPr>
@@ -4623,7 +4537,7 @@
             <p:nvPr/>
           </p:nvPicPr>
           <p:blipFill>
-            <a:blip r:embed="rId11">
+            <a:blip r:embed="rId4">
               <a:extLst>
                 <a:ext uri="{28A0092B-C50C-407E-A947-70E740481C1C}">
                   <a14:useLocalDpi xmlns:a14="http://schemas.microsoft.com/office/drawing/2010/main" val="0"/>
@@ -4636,8 +4550,8 @@
           </p:blipFill>
           <p:spPr>
             <a:xfrm>
-              <a:off x="5229627" y="0"/>
-              <a:ext cx="2592000" cy="2160000"/>
+              <a:off x="7776000" y="0"/>
+              <a:ext cx="3888000" cy="3240000"/>
             </a:xfrm>
             <a:prstGeom prst="rect">
               <a:avLst/>
@@ -4649,10 +4563,10 @@
         </p:pic>
         <p:pic>
           <p:nvPicPr>
-            <p:cNvPr id="25" name="Grafik 24" descr="Ein Bild, das Screenshot, Schwarz enthält.&#10;&#10;Automatisch generierte Beschreibung">
+            <p:cNvPr id="14" name="Grafik 13" descr="Ein Bild, das Screenshot, Schwarz enthält.&#10;&#10;Automatisch generierte Beschreibung">
               <a:extLst>
                 <a:ext uri="{FF2B5EF4-FFF2-40B4-BE49-F238E27FC236}">
-                  <a16:creationId xmlns:a16="http://schemas.microsoft.com/office/drawing/2014/main" id="{3F0B6E67-A03A-CB90-59A2-B25B75DB55AE}"/>
+                  <a16:creationId xmlns:a16="http://schemas.microsoft.com/office/drawing/2014/main" id="{5EC62D48-AE1E-FA22-B862-005C13EDDA81}"/>
                 </a:ext>
               </a:extLst>
             </p:cNvPr>
@@ -4662,7 +4576,7 @@
             <p:nvPr/>
           </p:nvPicPr>
           <p:blipFill>
-            <a:blip r:embed="rId12">
+            <a:blip r:embed="rId5">
               <a:extLst>
                 <a:ext uri="{28A0092B-C50C-407E-A947-70E740481C1C}">
                   <a14:useLocalDpi xmlns:a14="http://schemas.microsoft.com/office/drawing/2010/main" val="0"/>
@@ -4675,13 +4589,129 @@
           </p:blipFill>
           <p:spPr>
             <a:xfrm>
-              <a:off x="9404" y="0"/>
-              <a:ext cx="2592000" cy="2160000"/>
+              <a:off x="3888000" y="0"/>
+              <a:ext cx="3888000" cy="3240000"/>
             </a:xfrm>
             <a:prstGeom prst="rect">
               <a:avLst/>
             </a:prstGeom>
-            <a:noFill/>
+            <a:ln>
+              <a:noFill/>
+            </a:ln>
+          </p:spPr>
+        </p:pic>
+        <p:pic>
+          <p:nvPicPr>
+            <p:cNvPr id="18" name="Grafik 17" descr="Ein Bild, das Screenshot, Schwarz enthält.&#10;&#10;Automatisch generierte Beschreibung">
+              <a:extLst>
+                <a:ext uri="{FF2B5EF4-FFF2-40B4-BE49-F238E27FC236}">
+                  <a16:creationId xmlns:a16="http://schemas.microsoft.com/office/drawing/2014/main" id="{C52FAA33-60FB-E2B5-FC35-58E43F0E3CC5}"/>
+                </a:ext>
+              </a:extLst>
+            </p:cNvPr>
+            <p:cNvPicPr>
+              <a:picLocks noChangeAspect="1"/>
+            </p:cNvPicPr>
+            <p:nvPr/>
+          </p:nvPicPr>
+          <p:blipFill>
+            <a:blip r:embed="rId6">
+              <a:extLst>
+                <a:ext uri="{28A0092B-C50C-407E-A947-70E740481C1C}">
+                  <a14:useLocalDpi xmlns:a14="http://schemas.microsoft.com/office/drawing/2010/main" val="0"/>
+                </a:ext>
+              </a:extLst>
+            </a:blip>
+            <a:stretch>
+              <a:fillRect/>
+            </a:stretch>
+          </p:blipFill>
+          <p:spPr>
+            <a:xfrm>
+              <a:off x="0" y="3240000"/>
+              <a:ext cx="2916000" cy="2430000"/>
+            </a:xfrm>
+            <a:prstGeom prst="rect">
+              <a:avLst/>
+            </a:prstGeom>
+            <a:ln>
+              <a:noFill/>
+            </a:ln>
+          </p:spPr>
+        </p:pic>
+        <p:pic>
+          <p:nvPicPr>
+            <p:cNvPr id="22" name="Grafik 21" descr="Ein Bild, das Screenshot enthält.&#10;&#10;Automatisch generierte Beschreibung">
+              <a:extLst>
+                <a:ext uri="{FF2B5EF4-FFF2-40B4-BE49-F238E27FC236}">
+                  <a16:creationId xmlns:a16="http://schemas.microsoft.com/office/drawing/2014/main" id="{CF66FF73-A8FD-1703-CA59-7DF1D79D0DB6}"/>
+                </a:ext>
+              </a:extLst>
+            </p:cNvPr>
+            <p:cNvPicPr>
+              <a:picLocks noChangeAspect="1"/>
+            </p:cNvPicPr>
+            <p:nvPr/>
+          </p:nvPicPr>
+          <p:blipFill>
+            <a:blip r:embed="rId7">
+              <a:extLst>
+                <a:ext uri="{28A0092B-C50C-407E-A947-70E740481C1C}">
+                  <a14:useLocalDpi xmlns:a14="http://schemas.microsoft.com/office/drawing/2010/main" val="0"/>
+                </a:ext>
+              </a:extLst>
+            </a:blip>
+            <a:stretch>
+              <a:fillRect/>
+            </a:stretch>
+          </p:blipFill>
+          <p:spPr>
+            <a:xfrm>
+              <a:off x="0" y="0"/>
+              <a:ext cx="3888000" cy="3240000"/>
+            </a:xfrm>
+            <a:prstGeom prst="rect">
+              <a:avLst/>
+            </a:prstGeom>
+            <a:ln>
+              <a:noFill/>
+            </a:ln>
+          </p:spPr>
+        </p:pic>
+        <p:pic>
+          <p:nvPicPr>
+            <p:cNvPr id="27" name="Grafik 26" descr="Ein Bild, das Screenshot enthält.&#10;&#10;Automatisch generierte Beschreibung">
+              <a:extLst>
+                <a:ext uri="{FF2B5EF4-FFF2-40B4-BE49-F238E27FC236}">
+                  <a16:creationId xmlns:a16="http://schemas.microsoft.com/office/drawing/2014/main" id="{2B20C0FE-D1A8-7100-F302-DC20EF338201}"/>
+                </a:ext>
+              </a:extLst>
+            </p:cNvPr>
+            <p:cNvPicPr>
+              <a:picLocks noChangeAspect="1"/>
+            </p:cNvPicPr>
+            <p:nvPr/>
+          </p:nvPicPr>
+          <p:blipFill>
+            <a:blip r:embed="rId8">
+              <a:extLst>
+                <a:ext uri="{28A0092B-C50C-407E-A947-70E740481C1C}">
+                  <a14:useLocalDpi xmlns:a14="http://schemas.microsoft.com/office/drawing/2010/main" val="0"/>
+                </a:ext>
+              </a:extLst>
+            </a:blip>
+            <a:stretch>
+              <a:fillRect/>
+            </a:stretch>
+          </p:blipFill>
+          <p:spPr>
+            <a:xfrm>
+              <a:off x="2916000" y="3240000"/>
+              <a:ext cx="2916000" cy="2430000"/>
+            </a:xfrm>
+            <a:prstGeom prst="rect">
+              <a:avLst/>
+            </a:prstGeom>
             <a:ln>
               <a:noFill/>
             </a:ln>
@@ -4691,7 +4721,7 @@
     </p:spTree>
     <p:extLst>
       <p:ext uri="{BB962C8B-B14F-4D97-AF65-F5344CB8AC3E}">
-        <p14:creationId xmlns:p14="http://schemas.microsoft.com/office/powerpoint/2010/main" val="484806443"/>
+        <p14:creationId xmlns:p14="http://schemas.microsoft.com/office/powerpoint/2010/main" val="704586709"/>
       </p:ext>
     </p:extLst>
   </p:cSld>

--- a/ML_model/plots/all.pptx
+++ b/ML_model/plots/all.pptx
@@ -5,10 +5,9 @@
     <p:sldMasterId id="2147483648" r:id="rId1"/>
   </p:sldMasterIdLst>
   <p:sldIdLst>
-    <p:sldId id="256" r:id="rId2"/>
-    <p:sldId id="259" r:id="rId3"/>
-    <p:sldId id="261" r:id="rId4"/>
-    <p:sldId id="260" r:id="rId5"/>
+    <p:sldId id="259" r:id="rId2"/>
+    <p:sldId id="261" r:id="rId3"/>
+    <p:sldId id="262" r:id="rId4"/>
   </p:sldIdLst>
   <p:sldSz cx="12192000" cy="6858000"/>
   <p:notesSz cx="6858000" cy="9144000"/>
@@ -264,7 +263,7 @@
           <a:p>
             <a:fld id="{50106A6C-E9D6-4563-82A6-B42DDFFCA66C}" type="datetimeFigureOut">
               <a:rPr lang="en-GB" smtClean="0"/>
-              <a:t>20/11/2023</a:t>
+              <a:t>07/12/2023</a:t>
             </a:fld>
             <a:endParaRPr lang="en-GB"/>
           </a:p>
@@ -464,7 +463,7 @@
           <a:p>
             <a:fld id="{50106A6C-E9D6-4563-82A6-B42DDFFCA66C}" type="datetimeFigureOut">
               <a:rPr lang="en-GB" smtClean="0"/>
-              <a:t>20/11/2023</a:t>
+              <a:t>07/12/2023</a:t>
             </a:fld>
             <a:endParaRPr lang="en-GB"/>
           </a:p>
@@ -674,7 +673,7 @@
           <a:p>
             <a:fld id="{50106A6C-E9D6-4563-82A6-B42DDFFCA66C}" type="datetimeFigureOut">
               <a:rPr lang="en-GB" smtClean="0"/>
-              <a:t>20/11/2023</a:t>
+              <a:t>07/12/2023</a:t>
             </a:fld>
             <a:endParaRPr lang="en-GB"/>
           </a:p>
@@ -874,7 +873,7 @@
           <a:p>
             <a:fld id="{50106A6C-E9D6-4563-82A6-B42DDFFCA66C}" type="datetimeFigureOut">
               <a:rPr lang="en-GB" smtClean="0"/>
-              <a:t>20/11/2023</a:t>
+              <a:t>07/12/2023</a:t>
             </a:fld>
             <a:endParaRPr lang="en-GB"/>
           </a:p>
@@ -1150,7 +1149,7 @@
           <a:p>
             <a:fld id="{50106A6C-E9D6-4563-82A6-B42DDFFCA66C}" type="datetimeFigureOut">
               <a:rPr lang="en-GB" smtClean="0"/>
-              <a:t>20/11/2023</a:t>
+              <a:t>07/12/2023</a:t>
             </a:fld>
             <a:endParaRPr lang="en-GB"/>
           </a:p>
@@ -1418,7 +1417,7 @@
           <a:p>
             <a:fld id="{50106A6C-E9D6-4563-82A6-B42DDFFCA66C}" type="datetimeFigureOut">
               <a:rPr lang="en-GB" smtClean="0"/>
-              <a:t>20/11/2023</a:t>
+              <a:t>07/12/2023</a:t>
             </a:fld>
             <a:endParaRPr lang="en-GB"/>
           </a:p>
@@ -1833,7 +1832,7 @@
           <a:p>
             <a:fld id="{50106A6C-E9D6-4563-82A6-B42DDFFCA66C}" type="datetimeFigureOut">
               <a:rPr lang="en-GB" smtClean="0"/>
-              <a:t>20/11/2023</a:t>
+              <a:t>07/12/2023</a:t>
             </a:fld>
             <a:endParaRPr lang="en-GB"/>
           </a:p>
@@ -1975,7 +1974,7 @@
           <a:p>
             <a:fld id="{50106A6C-E9D6-4563-82A6-B42DDFFCA66C}" type="datetimeFigureOut">
               <a:rPr lang="en-GB" smtClean="0"/>
-              <a:t>20/11/2023</a:t>
+              <a:t>07/12/2023</a:t>
             </a:fld>
             <a:endParaRPr lang="en-GB"/>
           </a:p>
@@ -2088,7 +2087,7 @@
           <a:p>
             <a:fld id="{50106A6C-E9D6-4563-82A6-B42DDFFCA66C}" type="datetimeFigureOut">
               <a:rPr lang="en-GB" smtClean="0"/>
-              <a:t>20/11/2023</a:t>
+              <a:t>07/12/2023</a:t>
             </a:fld>
             <a:endParaRPr lang="en-GB"/>
           </a:p>
@@ -2401,7 +2400,7 @@
           <a:p>
             <a:fld id="{50106A6C-E9D6-4563-82A6-B42DDFFCA66C}" type="datetimeFigureOut">
               <a:rPr lang="en-GB" smtClean="0"/>
-              <a:t>20/11/2023</a:t>
+              <a:t>07/12/2023</a:t>
             </a:fld>
             <a:endParaRPr lang="en-GB"/>
           </a:p>
@@ -2690,7 +2689,7 @@
           <a:p>
             <a:fld id="{50106A6C-E9D6-4563-82A6-B42DDFFCA66C}" type="datetimeFigureOut">
               <a:rPr lang="en-GB" smtClean="0"/>
-              <a:t>20/11/2023</a:t>
+              <a:t>07/12/2023</a:t>
             </a:fld>
             <a:endParaRPr lang="en-GB"/>
           </a:p>
@@ -2933,7 +2932,7 @@
           <a:p>
             <a:fld id="{50106A6C-E9D6-4563-82A6-B42DDFFCA66C}" type="datetimeFigureOut">
               <a:rPr lang="en-GB" smtClean="0"/>
-              <a:t>20/11/2023</a:t>
+              <a:t>07/12/2023</a:t>
             </a:fld>
             <a:endParaRPr lang="en-GB"/>
           </a:p>
@@ -3350,453 +3349,6 @@
           <a:chExt cx="0" cy="0"/>
         </a:xfrm>
       </p:grpSpPr>
-      <p:grpSp>
-        <p:nvGrpSpPr>
-          <p:cNvPr id="26" name="Gruppieren 25">
-            <a:extLst>
-              <a:ext uri="{FF2B5EF4-FFF2-40B4-BE49-F238E27FC236}">
-                <a16:creationId xmlns:a16="http://schemas.microsoft.com/office/drawing/2014/main" id="{7CE253BB-A6DC-C7D1-0E08-9FFA3F7E057D}"/>
-              </a:ext>
-            </a:extLst>
-          </p:cNvPr>
-          <p:cNvGrpSpPr/>
-          <p:nvPr/>
-        </p:nvGrpSpPr>
-        <p:grpSpPr>
-          <a:xfrm>
-            <a:off x="0" y="0"/>
-            <a:ext cx="10390067" cy="6626683"/>
-            <a:chOff x="0" y="0"/>
-            <a:chExt cx="10390067" cy="6626683"/>
-          </a:xfrm>
-        </p:grpSpPr>
-        <p:pic>
-          <p:nvPicPr>
-            <p:cNvPr id="5" name="Grafik 4" descr="Ein Bild, das Screenshot, Schwarz enthält.&#10;&#10;Automatisch generierte Beschreibung">
-              <a:extLst>
-                <a:ext uri="{FF2B5EF4-FFF2-40B4-BE49-F238E27FC236}">
-                  <a16:creationId xmlns:a16="http://schemas.microsoft.com/office/drawing/2014/main" id="{8DC36160-7956-D1BD-3E6C-9351CAA1E31E}"/>
-                </a:ext>
-              </a:extLst>
-            </p:cNvPr>
-            <p:cNvPicPr>
-              <a:picLocks noChangeAspect="1"/>
-            </p:cNvPicPr>
-            <p:nvPr/>
-          </p:nvPicPr>
-          <p:blipFill>
-            <a:blip r:embed="rId2">
-              <a:extLst>
-                <a:ext uri="{28A0092B-C50C-407E-A947-70E740481C1C}">
-                  <a14:useLocalDpi xmlns:a14="http://schemas.microsoft.com/office/drawing/2010/main" val="0"/>
-                </a:ext>
-              </a:extLst>
-            </a:blip>
-            <a:stretch>
-              <a:fillRect/>
-            </a:stretch>
-          </p:blipFill>
-          <p:spPr>
-            <a:xfrm>
-              <a:off x="7798067" y="2326337"/>
-              <a:ext cx="2592000" cy="2160000"/>
-            </a:xfrm>
-            <a:prstGeom prst="rect">
-              <a:avLst/>
-            </a:prstGeom>
-          </p:spPr>
-        </p:pic>
-        <p:pic>
-          <p:nvPicPr>
-            <p:cNvPr id="7" name="Grafik 6">
-              <a:extLst>
-                <a:ext uri="{FF2B5EF4-FFF2-40B4-BE49-F238E27FC236}">
-                  <a16:creationId xmlns:a16="http://schemas.microsoft.com/office/drawing/2014/main" id="{A43155B3-F9DE-C918-8524-C8D3129772A9}"/>
-                </a:ext>
-              </a:extLst>
-            </p:cNvPr>
-            <p:cNvPicPr>
-              <a:picLocks noChangeAspect="1"/>
-            </p:cNvPicPr>
-            <p:nvPr/>
-          </p:nvPicPr>
-          <p:blipFill>
-            <a:blip r:embed="rId3">
-              <a:extLst>
-                <a:ext uri="{28A0092B-C50C-407E-A947-70E740481C1C}">
-                  <a14:useLocalDpi xmlns:a14="http://schemas.microsoft.com/office/drawing/2010/main" val="0"/>
-                </a:ext>
-              </a:extLst>
-            </a:blip>
-            <a:stretch>
-              <a:fillRect/>
-            </a:stretch>
-          </p:blipFill>
-          <p:spPr>
-            <a:xfrm>
-              <a:off x="5579942" y="4466683"/>
-              <a:ext cx="2592000" cy="2160000"/>
-            </a:xfrm>
-            <a:prstGeom prst="rect">
-              <a:avLst/>
-            </a:prstGeom>
-          </p:spPr>
-        </p:pic>
-        <p:pic>
-          <p:nvPicPr>
-            <p:cNvPr id="9" name="Grafik 8" descr="Ein Bild, das Screenshot, Schwarz enthält.&#10;&#10;Automatisch generierte Beschreibung">
-              <a:extLst>
-                <a:ext uri="{FF2B5EF4-FFF2-40B4-BE49-F238E27FC236}">
-                  <a16:creationId xmlns:a16="http://schemas.microsoft.com/office/drawing/2014/main" id="{8525D8B7-7F50-417B-FB5B-23E4246D68EA}"/>
-                </a:ext>
-              </a:extLst>
-            </p:cNvPr>
-            <p:cNvPicPr>
-              <a:picLocks noChangeAspect="1"/>
-            </p:cNvPicPr>
-            <p:nvPr/>
-          </p:nvPicPr>
-          <p:blipFill>
-            <a:blip r:embed="rId4">
-              <a:extLst>
-                <a:ext uri="{28A0092B-C50C-407E-A947-70E740481C1C}">
-                  <a14:useLocalDpi xmlns:a14="http://schemas.microsoft.com/office/drawing/2010/main" val="0"/>
-                </a:ext>
-              </a:extLst>
-            </a:blip>
-            <a:stretch>
-              <a:fillRect/>
-            </a:stretch>
-          </p:blipFill>
-          <p:spPr>
-            <a:xfrm>
-              <a:off x="4967844" y="0"/>
-              <a:ext cx="2592000" cy="2160000"/>
-            </a:xfrm>
-            <a:prstGeom prst="rect">
-              <a:avLst/>
-            </a:prstGeom>
-          </p:spPr>
-        </p:pic>
-        <p:pic>
-          <p:nvPicPr>
-            <p:cNvPr id="11" name="Grafik 10" descr="Ein Bild, das Screenshot, Quadrat, Schwarz enthält.&#10;&#10;Automatisch generierte Beschreibung">
-              <a:extLst>
-                <a:ext uri="{FF2B5EF4-FFF2-40B4-BE49-F238E27FC236}">
-                  <a16:creationId xmlns:a16="http://schemas.microsoft.com/office/drawing/2014/main" id="{46EF1A7F-CA15-2CD3-8C05-7C5C234DD979}"/>
-                </a:ext>
-              </a:extLst>
-            </p:cNvPr>
-            <p:cNvPicPr>
-              <a:picLocks noChangeAspect="1"/>
-            </p:cNvPicPr>
-            <p:nvPr/>
-          </p:nvPicPr>
-          <p:blipFill>
-            <a:blip r:embed="rId5">
-              <a:extLst>
-                <a:ext uri="{28A0092B-C50C-407E-A947-70E740481C1C}">
-                  <a14:useLocalDpi xmlns:a14="http://schemas.microsoft.com/office/drawing/2010/main" val="0"/>
-                </a:ext>
-              </a:extLst>
-            </a:blip>
-            <a:stretch>
-              <a:fillRect/>
-            </a:stretch>
-          </p:blipFill>
-          <p:spPr>
-            <a:xfrm>
-              <a:off x="7451766" y="0"/>
-              <a:ext cx="2592000" cy="2160000"/>
-            </a:xfrm>
-            <a:prstGeom prst="rect">
-              <a:avLst/>
-            </a:prstGeom>
-          </p:spPr>
-        </p:pic>
-        <p:pic>
-          <p:nvPicPr>
-            <p:cNvPr id="13" name="Grafik 12" descr="Ein Bild, das Screenshot, Schwarz enthält.&#10;&#10;Automatisch generierte Beschreibung">
-              <a:extLst>
-                <a:ext uri="{FF2B5EF4-FFF2-40B4-BE49-F238E27FC236}">
-                  <a16:creationId xmlns:a16="http://schemas.microsoft.com/office/drawing/2014/main" id="{5FFB7478-CA36-A1D4-EF8A-4358BB0A80E9}"/>
-                </a:ext>
-              </a:extLst>
-            </p:cNvPr>
-            <p:cNvPicPr>
-              <a:picLocks noChangeAspect="1"/>
-            </p:cNvPicPr>
-            <p:nvPr/>
-          </p:nvPicPr>
-          <p:blipFill>
-            <a:blip r:embed="rId6">
-              <a:extLst>
-                <a:ext uri="{28A0092B-C50C-407E-A947-70E740481C1C}">
-                  <a14:useLocalDpi xmlns:a14="http://schemas.microsoft.com/office/drawing/2010/main" val="0"/>
-                </a:ext>
-              </a:extLst>
-            </a:blip>
-            <a:stretch>
-              <a:fillRect/>
-            </a:stretch>
-          </p:blipFill>
-          <p:spPr>
-            <a:xfrm>
-              <a:off x="64148" y="2160000"/>
-              <a:ext cx="2592000" cy="2160000"/>
-            </a:xfrm>
-            <a:prstGeom prst="rect">
-              <a:avLst/>
-            </a:prstGeom>
-          </p:spPr>
-        </p:pic>
-        <p:pic>
-          <p:nvPicPr>
-            <p:cNvPr id="15" name="Grafik 14" descr="Ein Bild, das Screenshot, Schwarz, Reihe enthält.&#10;&#10;Automatisch generierte Beschreibung">
-              <a:extLst>
-                <a:ext uri="{FF2B5EF4-FFF2-40B4-BE49-F238E27FC236}">
-                  <a16:creationId xmlns:a16="http://schemas.microsoft.com/office/drawing/2014/main" id="{7CB524C5-A5A6-528F-032B-456D309B0992}"/>
-                </a:ext>
-              </a:extLst>
-            </p:cNvPr>
-            <p:cNvPicPr>
-              <a:picLocks noChangeAspect="1"/>
-            </p:cNvPicPr>
-            <p:nvPr/>
-          </p:nvPicPr>
-          <p:blipFill>
-            <a:blip r:embed="rId7">
-              <a:extLst>
-                <a:ext uri="{28A0092B-C50C-407E-A947-70E740481C1C}">
-                  <a14:useLocalDpi xmlns:a14="http://schemas.microsoft.com/office/drawing/2010/main" val="0"/>
-                </a:ext>
-              </a:extLst>
-            </a:blip>
-            <a:stretch>
-              <a:fillRect/>
-            </a:stretch>
-          </p:blipFill>
-          <p:spPr>
-            <a:xfrm>
-              <a:off x="2592000" y="2279839"/>
-              <a:ext cx="2592000" cy="2160000"/>
-            </a:xfrm>
-            <a:prstGeom prst="rect">
-              <a:avLst/>
-            </a:prstGeom>
-          </p:spPr>
-        </p:pic>
-        <p:pic>
-          <p:nvPicPr>
-            <p:cNvPr id="17" name="Grafik 16" descr="Ein Bild, das Screenshot, Quadrat, Schwarz enthält.&#10;&#10;Automatisch generierte Beschreibung">
-              <a:extLst>
-                <a:ext uri="{FF2B5EF4-FFF2-40B4-BE49-F238E27FC236}">
-                  <a16:creationId xmlns:a16="http://schemas.microsoft.com/office/drawing/2014/main" id="{2C87DDE5-8004-0708-5BD2-77B1C121E63B}"/>
-                </a:ext>
-              </a:extLst>
-            </p:cNvPr>
-            <p:cNvPicPr>
-              <a:picLocks noChangeAspect="1"/>
-            </p:cNvPicPr>
-            <p:nvPr/>
-          </p:nvPicPr>
-          <p:blipFill>
-            <a:blip r:embed="rId8">
-              <a:extLst>
-                <a:ext uri="{28A0092B-C50C-407E-A947-70E740481C1C}">
-                  <a14:useLocalDpi xmlns:a14="http://schemas.microsoft.com/office/drawing/2010/main" val="0"/>
-                </a:ext>
-              </a:extLst>
-            </a:blip>
-            <a:stretch>
-              <a:fillRect/>
-            </a:stretch>
-          </p:blipFill>
-          <p:spPr>
-            <a:xfrm>
-              <a:off x="233962" y="4412995"/>
-              <a:ext cx="2592000" cy="2160000"/>
-            </a:xfrm>
-            <a:prstGeom prst="rect">
-              <a:avLst/>
-            </a:prstGeom>
-          </p:spPr>
-        </p:pic>
-        <p:pic>
-          <p:nvPicPr>
-            <p:cNvPr id="19" name="Grafik 18" descr="Ein Bild, das Screenshot, Schwarz, Reihe enthält.&#10;&#10;Automatisch generierte Beschreibung">
-              <a:extLst>
-                <a:ext uri="{FF2B5EF4-FFF2-40B4-BE49-F238E27FC236}">
-                  <a16:creationId xmlns:a16="http://schemas.microsoft.com/office/drawing/2014/main" id="{FA0704AD-CEB6-C733-788E-1E1E54DA3A31}"/>
-                </a:ext>
-              </a:extLst>
-            </p:cNvPr>
-            <p:cNvPicPr>
-              <a:picLocks noChangeAspect="1"/>
-            </p:cNvPicPr>
-            <p:nvPr/>
-          </p:nvPicPr>
-          <p:blipFill>
-            <a:blip r:embed="rId9">
-              <a:extLst>
-                <a:ext uri="{28A0092B-C50C-407E-A947-70E740481C1C}">
-                  <a14:useLocalDpi xmlns:a14="http://schemas.microsoft.com/office/drawing/2010/main" val="0"/>
-                </a:ext>
-              </a:extLst>
-            </a:blip>
-            <a:stretch>
-              <a:fillRect/>
-            </a:stretch>
-          </p:blipFill>
-          <p:spPr>
-            <a:xfrm>
-              <a:off x="2987942" y="4439839"/>
-              <a:ext cx="2592000" cy="2160000"/>
-            </a:xfrm>
-            <a:prstGeom prst="rect">
-              <a:avLst/>
-            </a:prstGeom>
-          </p:spPr>
-        </p:pic>
-        <p:pic>
-          <p:nvPicPr>
-            <p:cNvPr id="21" name="Grafik 20" descr="Ein Bild, das Screenshot, Schwarz enthält.&#10;&#10;Automatisch generierte Beschreibung">
-              <a:extLst>
-                <a:ext uri="{FF2B5EF4-FFF2-40B4-BE49-F238E27FC236}">
-                  <a16:creationId xmlns:a16="http://schemas.microsoft.com/office/drawing/2014/main" id="{4926A217-7499-29A8-FF75-5B003726C285}"/>
-                </a:ext>
-              </a:extLst>
-            </p:cNvPr>
-            <p:cNvPicPr>
-              <a:picLocks noChangeAspect="1"/>
-            </p:cNvPicPr>
-            <p:nvPr/>
-          </p:nvPicPr>
-          <p:blipFill>
-            <a:blip r:embed="rId10">
-              <a:extLst>
-                <a:ext uri="{28A0092B-C50C-407E-A947-70E740481C1C}">
-                  <a14:useLocalDpi xmlns:a14="http://schemas.microsoft.com/office/drawing/2010/main" val="0"/>
-                </a:ext>
-              </a:extLst>
-            </a:blip>
-            <a:stretch>
-              <a:fillRect/>
-            </a:stretch>
-          </p:blipFill>
-          <p:spPr>
-            <a:xfrm>
-              <a:off x="5270215" y="2252995"/>
-              <a:ext cx="2592000" cy="2160000"/>
-            </a:xfrm>
-            <a:prstGeom prst="rect">
-              <a:avLst/>
-            </a:prstGeom>
-          </p:spPr>
-        </p:pic>
-        <p:pic>
-          <p:nvPicPr>
-            <p:cNvPr id="23" name="Grafik 22" descr="Ein Bild, das Screenshot, Schwarz enthält.&#10;&#10;Automatisch generierte Beschreibung">
-              <a:extLst>
-                <a:ext uri="{FF2B5EF4-FFF2-40B4-BE49-F238E27FC236}">
-                  <a16:creationId xmlns:a16="http://schemas.microsoft.com/office/drawing/2014/main" id="{113BFD8F-32AD-43E3-A729-4D3B70FFBF0A}"/>
-                </a:ext>
-              </a:extLst>
-            </p:cNvPr>
-            <p:cNvPicPr>
-              <a:picLocks noChangeAspect="1"/>
-            </p:cNvPicPr>
-            <p:nvPr/>
-          </p:nvPicPr>
-          <p:blipFill>
-            <a:blip r:embed="rId11">
-              <a:extLst>
-                <a:ext uri="{28A0092B-C50C-407E-A947-70E740481C1C}">
-                  <a14:useLocalDpi xmlns:a14="http://schemas.microsoft.com/office/drawing/2010/main" val="0"/>
-                </a:ext>
-              </a:extLst>
-            </a:blip>
-            <a:stretch>
-              <a:fillRect/>
-            </a:stretch>
-          </p:blipFill>
-          <p:spPr>
-            <a:xfrm>
-              <a:off x="2483922" y="0"/>
-              <a:ext cx="2592000" cy="2160000"/>
-            </a:xfrm>
-            <a:prstGeom prst="rect">
-              <a:avLst/>
-            </a:prstGeom>
-          </p:spPr>
-        </p:pic>
-        <p:pic>
-          <p:nvPicPr>
-            <p:cNvPr id="25" name="Grafik 24" descr="Ein Bild, das Screenshot, Schwarz enthält.&#10;&#10;Automatisch generierte Beschreibung">
-              <a:extLst>
-                <a:ext uri="{FF2B5EF4-FFF2-40B4-BE49-F238E27FC236}">
-                  <a16:creationId xmlns:a16="http://schemas.microsoft.com/office/drawing/2014/main" id="{5F35520D-2BB6-F073-8BBE-66B043E961DB}"/>
-                </a:ext>
-              </a:extLst>
-            </p:cNvPr>
-            <p:cNvPicPr>
-              <a:picLocks noChangeAspect="1"/>
-            </p:cNvPicPr>
-            <p:nvPr/>
-          </p:nvPicPr>
-          <p:blipFill>
-            <a:blip r:embed="rId12">
-              <a:extLst>
-                <a:ext uri="{28A0092B-C50C-407E-A947-70E740481C1C}">
-                  <a14:useLocalDpi xmlns:a14="http://schemas.microsoft.com/office/drawing/2010/main" val="0"/>
-                </a:ext>
-              </a:extLst>
-            </a:blip>
-            <a:stretch>
-              <a:fillRect/>
-            </a:stretch>
-          </p:blipFill>
-          <p:spPr>
-            <a:xfrm>
-              <a:off x="0" y="0"/>
-              <a:ext cx="2592000" cy="2160000"/>
-            </a:xfrm>
-            <a:prstGeom prst="rect">
-              <a:avLst/>
-            </a:prstGeom>
-          </p:spPr>
-        </p:pic>
-      </p:grpSp>
-    </p:spTree>
-    <p:extLst>
-      <p:ext uri="{BB962C8B-B14F-4D97-AF65-F5344CB8AC3E}">
-        <p14:creationId xmlns:p14="http://schemas.microsoft.com/office/powerpoint/2010/main" val="2137947317"/>
-      </p:ext>
-    </p:extLst>
-  </p:cSld>
-  <p:clrMapOvr>
-    <a:masterClrMapping/>
-  </p:clrMapOvr>
-</p:sld>
-</file>
-
-<file path=ppt/slides/slide2.xml><?xml version="1.0" encoding="utf-8"?>
-<p:sld xmlns:a="http://schemas.openxmlformats.org/drawingml/2006/main" xmlns:r="http://schemas.openxmlformats.org/officeDocument/2006/relationships" xmlns:p="http://schemas.openxmlformats.org/presentationml/2006/main">
-  <p:cSld>
-    <p:spTree>
-      <p:nvGrpSpPr>
-        <p:cNvPr id="1" name=""/>
-        <p:cNvGrpSpPr/>
-        <p:nvPr/>
-      </p:nvGrpSpPr>
-      <p:grpSpPr>
-        <a:xfrm>
-          <a:off x="0" y="0"/>
-          <a:ext cx="0" cy="0"/>
-          <a:chOff x="0" y="0"/>
-          <a:chExt cx="0" cy="0"/>
-        </a:xfrm>
-      </p:grpSpPr>
       <p:pic>
         <p:nvPicPr>
           <p:cNvPr id="30" name="Grafik 29" descr="Ein Bild, das Text, Screenshot enthält.&#10;&#10;Automatisch generierte Beschreibung">
@@ -4083,6 +3635,309 @@
 </p:sld>
 </file>
 
+<file path=ppt/slides/slide2.xml><?xml version="1.0" encoding="utf-8"?>
+<p:sld xmlns:a="http://schemas.openxmlformats.org/drawingml/2006/main" xmlns:r="http://schemas.openxmlformats.org/officeDocument/2006/relationships" xmlns:p="http://schemas.openxmlformats.org/presentationml/2006/main">
+  <p:cSld>
+    <p:spTree>
+      <p:nvGrpSpPr>
+        <p:cNvPr id="1" name=""/>
+        <p:cNvGrpSpPr/>
+        <p:nvPr/>
+      </p:nvGrpSpPr>
+      <p:grpSpPr>
+        <a:xfrm>
+          <a:off x="0" y="0"/>
+          <a:ext cx="0" cy="0"/>
+          <a:chOff x="0" y="0"/>
+          <a:chExt cx="0" cy="0"/>
+        </a:xfrm>
+      </p:grpSpPr>
+      <p:pic>
+        <p:nvPicPr>
+          <p:cNvPr id="30" name="Grafik 29" descr="Ein Bild, das Text, Screenshot enthält.&#10;&#10;Automatisch generierte Beschreibung">
+            <a:extLst>
+              <a:ext uri="{FF2B5EF4-FFF2-40B4-BE49-F238E27FC236}">
+                <a16:creationId xmlns:a16="http://schemas.microsoft.com/office/drawing/2014/main" id="{5F6B8A58-FB9E-FD41-99F2-59D4E8DBDCB4}"/>
+              </a:ext>
+            </a:extLst>
+          </p:cNvPr>
+          <p:cNvPicPr>
+            <a:picLocks noChangeAspect="1"/>
+          </p:cNvPicPr>
+          <p:nvPr/>
+        </p:nvPicPr>
+        <p:blipFill>
+          <a:blip r:embed="rId2">
+            <a:extLst>
+              <a:ext uri="{28A0092B-C50C-407E-A947-70E740481C1C}">
+                <a14:useLocalDpi xmlns:a14="http://schemas.microsoft.com/office/drawing/2010/main" val="0"/>
+              </a:ext>
+            </a:extLst>
+          </a:blip>
+          <a:stretch>
+            <a:fillRect/>
+          </a:stretch>
+        </p:blipFill>
+        <p:spPr>
+          <a:xfrm>
+            <a:off x="5991840" y="3349709"/>
+            <a:ext cx="2993760" cy="2494800"/>
+          </a:xfrm>
+          <a:prstGeom prst="rect">
+            <a:avLst/>
+          </a:prstGeom>
+          <a:ln>
+            <a:noFill/>
+          </a:ln>
+        </p:spPr>
+      </p:pic>
+      <p:pic>
+        <p:nvPicPr>
+          <p:cNvPr id="32" name="Grafik 31" descr="Ein Bild, das Screenshot, Schwarz enthält.&#10;&#10;Automatisch generierte Beschreibung">
+            <a:extLst>
+              <a:ext uri="{FF2B5EF4-FFF2-40B4-BE49-F238E27FC236}">
+                <a16:creationId xmlns:a16="http://schemas.microsoft.com/office/drawing/2014/main" id="{75E1C654-A437-F608-68E1-142B9B5176CE}"/>
+              </a:ext>
+            </a:extLst>
+          </p:cNvPr>
+          <p:cNvPicPr>
+            <a:picLocks noChangeAspect="1"/>
+          </p:cNvPicPr>
+          <p:nvPr/>
+        </p:nvPicPr>
+        <p:blipFill>
+          <a:blip r:embed="rId3">
+            <a:extLst>
+              <a:ext uri="{28A0092B-C50C-407E-A947-70E740481C1C}">
+                <a14:useLocalDpi xmlns:a14="http://schemas.microsoft.com/office/drawing/2010/main" val="0"/>
+              </a:ext>
+            </a:extLst>
+          </a:blip>
+          <a:stretch>
+            <a:fillRect/>
+          </a:stretch>
+        </p:blipFill>
+        <p:spPr>
+          <a:xfrm>
+            <a:off x="8994240" y="3349709"/>
+            <a:ext cx="2993760" cy="2494800"/>
+          </a:xfrm>
+          <a:prstGeom prst="rect">
+            <a:avLst/>
+          </a:prstGeom>
+          <a:ln>
+            <a:noFill/>
+          </a:ln>
+        </p:spPr>
+      </p:pic>
+      <p:pic>
+        <p:nvPicPr>
+          <p:cNvPr id="34" name="Grafik 33" descr="Ein Bild, das Screenshot, Text, Schwarz enthält.&#10;&#10;Automatisch generierte Beschreibung">
+            <a:extLst>
+              <a:ext uri="{FF2B5EF4-FFF2-40B4-BE49-F238E27FC236}">
+                <a16:creationId xmlns:a16="http://schemas.microsoft.com/office/drawing/2014/main" id="{9EE9BD76-B465-7EB1-5419-A6581394BAFE}"/>
+              </a:ext>
+            </a:extLst>
+          </p:cNvPr>
+          <p:cNvPicPr>
+            <a:picLocks noChangeAspect="1"/>
+          </p:cNvPicPr>
+          <p:nvPr/>
+        </p:nvPicPr>
+        <p:blipFill>
+          <a:blip r:embed="rId4">
+            <a:extLst>
+              <a:ext uri="{28A0092B-C50C-407E-A947-70E740481C1C}">
+                <a14:useLocalDpi xmlns:a14="http://schemas.microsoft.com/office/drawing/2010/main" val="0"/>
+              </a:ext>
+            </a:extLst>
+          </a:blip>
+          <a:stretch>
+            <a:fillRect/>
+          </a:stretch>
+        </p:blipFill>
+        <p:spPr>
+          <a:xfrm>
+            <a:off x="7992000" y="19709"/>
+            <a:ext cx="3996000" cy="3330000"/>
+          </a:xfrm>
+          <a:prstGeom prst="rect">
+            <a:avLst/>
+          </a:prstGeom>
+          <a:ln>
+            <a:noFill/>
+          </a:ln>
+        </p:spPr>
+      </p:pic>
+      <p:pic>
+        <p:nvPicPr>
+          <p:cNvPr id="36" name="Grafik 35" descr="Ein Bild, das Screenshot, Schwarz enthält.&#10;&#10;Automatisch generierte Beschreibung">
+            <a:extLst>
+              <a:ext uri="{FF2B5EF4-FFF2-40B4-BE49-F238E27FC236}">
+                <a16:creationId xmlns:a16="http://schemas.microsoft.com/office/drawing/2014/main" id="{888597FE-D995-8BD1-0E5F-131A1420BD0F}"/>
+              </a:ext>
+            </a:extLst>
+          </p:cNvPr>
+          <p:cNvPicPr>
+            <a:picLocks noChangeAspect="1"/>
+          </p:cNvPicPr>
+          <p:nvPr/>
+        </p:nvPicPr>
+        <p:blipFill>
+          <a:blip r:embed="rId5">
+            <a:extLst>
+              <a:ext uri="{28A0092B-C50C-407E-A947-70E740481C1C}">
+                <a14:useLocalDpi xmlns:a14="http://schemas.microsoft.com/office/drawing/2010/main" val="0"/>
+              </a:ext>
+            </a:extLst>
+          </a:blip>
+          <a:stretch>
+            <a:fillRect/>
+          </a:stretch>
+        </p:blipFill>
+        <p:spPr>
+          <a:xfrm>
+            <a:off x="3996000" y="19709"/>
+            <a:ext cx="3996000" cy="3330000"/>
+          </a:xfrm>
+          <a:prstGeom prst="rect">
+            <a:avLst/>
+          </a:prstGeom>
+          <a:ln>
+            <a:noFill/>
+          </a:ln>
+        </p:spPr>
+      </p:pic>
+      <p:pic>
+        <p:nvPicPr>
+          <p:cNvPr id="38" name="Grafik 37" descr="Ein Bild, das Screenshot, Schwarz enthält.&#10;&#10;Automatisch generierte Beschreibung">
+            <a:extLst>
+              <a:ext uri="{FF2B5EF4-FFF2-40B4-BE49-F238E27FC236}">
+                <a16:creationId xmlns:a16="http://schemas.microsoft.com/office/drawing/2014/main" id="{E133E7B7-126C-2C97-E408-7953AF69E1D7}"/>
+              </a:ext>
+            </a:extLst>
+          </p:cNvPr>
+          <p:cNvPicPr>
+            <a:picLocks noChangeAspect="1"/>
+          </p:cNvPicPr>
+          <p:nvPr/>
+        </p:nvPicPr>
+        <p:blipFill>
+          <a:blip r:embed="rId6">
+            <a:extLst>
+              <a:ext uri="{28A0092B-C50C-407E-A947-70E740481C1C}">
+                <a14:useLocalDpi xmlns:a14="http://schemas.microsoft.com/office/drawing/2010/main" val="0"/>
+              </a:ext>
+            </a:extLst>
+          </a:blip>
+          <a:stretch>
+            <a:fillRect/>
+          </a:stretch>
+        </p:blipFill>
+        <p:spPr>
+          <a:xfrm>
+            <a:off x="0" y="3349709"/>
+            <a:ext cx="2993760" cy="2494800"/>
+          </a:xfrm>
+          <a:prstGeom prst="rect">
+            <a:avLst/>
+          </a:prstGeom>
+          <a:ln>
+            <a:noFill/>
+          </a:ln>
+        </p:spPr>
+      </p:pic>
+      <p:pic>
+        <p:nvPicPr>
+          <p:cNvPr id="40" name="Grafik 39" descr="Ein Bild, das Screenshot, Schwarz enthält.&#10;&#10;Automatisch generierte Beschreibung">
+            <a:extLst>
+              <a:ext uri="{FF2B5EF4-FFF2-40B4-BE49-F238E27FC236}">
+                <a16:creationId xmlns:a16="http://schemas.microsoft.com/office/drawing/2014/main" id="{E50DB893-79D3-CF83-6ADF-A95B1D0C0F6F}"/>
+              </a:ext>
+            </a:extLst>
+          </p:cNvPr>
+          <p:cNvPicPr>
+            <a:picLocks noChangeAspect="1"/>
+          </p:cNvPicPr>
+          <p:nvPr/>
+        </p:nvPicPr>
+        <p:blipFill>
+          <a:blip r:embed="rId7">
+            <a:extLst>
+              <a:ext uri="{28A0092B-C50C-407E-A947-70E740481C1C}">
+                <a14:useLocalDpi xmlns:a14="http://schemas.microsoft.com/office/drawing/2010/main" val="0"/>
+              </a:ext>
+            </a:extLst>
+          </a:blip>
+          <a:stretch>
+            <a:fillRect/>
+          </a:stretch>
+        </p:blipFill>
+        <p:spPr>
+          <a:xfrm>
+            <a:off x="0" y="19709"/>
+            <a:ext cx="3996000" cy="3330000"/>
+          </a:xfrm>
+          <a:prstGeom prst="rect">
+            <a:avLst/>
+          </a:prstGeom>
+          <a:ln>
+            <a:noFill/>
+          </a:ln>
+        </p:spPr>
+      </p:pic>
+      <p:pic>
+        <p:nvPicPr>
+          <p:cNvPr id="42" name="Grafik 41" descr="Ein Bild, das Screenshot enthält.&#10;&#10;Automatisch generierte Beschreibung">
+            <a:extLst>
+              <a:ext uri="{FF2B5EF4-FFF2-40B4-BE49-F238E27FC236}">
+                <a16:creationId xmlns:a16="http://schemas.microsoft.com/office/drawing/2014/main" id="{C69EE3EC-0302-81C9-057C-1D2BD306627A}"/>
+              </a:ext>
+            </a:extLst>
+          </p:cNvPr>
+          <p:cNvPicPr>
+            <a:picLocks noChangeAspect="1"/>
+          </p:cNvPicPr>
+          <p:nvPr/>
+        </p:nvPicPr>
+        <p:blipFill>
+          <a:blip r:embed="rId8">
+            <a:extLst>
+              <a:ext uri="{28A0092B-C50C-407E-A947-70E740481C1C}">
+                <a14:useLocalDpi xmlns:a14="http://schemas.microsoft.com/office/drawing/2010/main" val="0"/>
+              </a:ext>
+            </a:extLst>
+          </a:blip>
+          <a:stretch>
+            <a:fillRect/>
+          </a:stretch>
+        </p:blipFill>
+        <p:spPr>
+          <a:xfrm>
+            <a:off x="2993760" y="3349709"/>
+            <a:ext cx="2993760" cy="2494800"/>
+          </a:xfrm>
+          <a:prstGeom prst="rect">
+            <a:avLst/>
+          </a:prstGeom>
+          <a:ln>
+            <a:noFill/>
+          </a:ln>
+        </p:spPr>
+      </p:pic>
+    </p:spTree>
+    <p:extLst>
+      <p:ext uri="{BB962C8B-B14F-4D97-AF65-F5344CB8AC3E}">
+        <p14:creationId xmlns:p14="http://schemas.microsoft.com/office/powerpoint/2010/main" val="1974320077"/>
+      </p:ext>
+    </p:extLst>
+  </p:cSld>
+  <p:clrMapOvr>
+    <a:masterClrMapping/>
+  </p:clrMapOvr>
+</p:sld>
+</file>
+
 <file path=ppt/slides/slide3.xml><?xml version="1.0" encoding="utf-8"?>
 <p:sld xmlns:a="http://schemas.openxmlformats.org/drawingml/2006/main" xmlns:r="http://schemas.openxmlformats.org/officeDocument/2006/relationships" xmlns:p="http://schemas.openxmlformats.org/presentationml/2006/main">
   <p:cSld>
@@ -4102,10 +3957,10 @@
       </p:grpSpPr>
       <p:grpSp>
         <p:nvGrpSpPr>
-          <p:cNvPr id="2" name="Gruppieren 1">
-            <a:extLst>
-              <a:ext uri="{FF2B5EF4-FFF2-40B4-BE49-F238E27FC236}">
-                <a16:creationId xmlns:a16="http://schemas.microsoft.com/office/drawing/2014/main" id="{823AED26-48F5-B749-AF29-158CAD1D3C85}"/>
+          <p:cNvPr id="33" name="Gruppieren 32">
+            <a:extLst>
+              <a:ext uri="{FF2B5EF4-FFF2-40B4-BE49-F238E27FC236}">
+                <a16:creationId xmlns:a16="http://schemas.microsoft.com/office/drawing/2014/main" id="{6D999D97-61F9-F41D-64E6-646902FF8A05}"/>
               </a:ext>
             </a:extLst>
           </p:cNvPr>
@@ -4114,18 +3969,18 @@
         </p:nvGrpSpPr>
         <p:grpSpPr>
           <a:xfrm>
-            <a:off x="0" y="19709"/>
-            <a:ext cx="11988000" cy="5824800"/>
-            <a:chOff x="0" y="19709"/>
-            <a:chExt cx="11988000" cy="5824800"/>
+            <a:off x="0" y="0"/>
+            <a:ext cx="12312000" cy="6004801"/>
+            <a:chOff x="0" y="0"/>
+            <a:chExt cx="12312000" cy="6004801"/>
           </a:xfrm>
         </p:grpSpPr>
         <p:pic>
           <p:nvPicPr>
-            <p:cNvPr id="30" name="Grafik 29" descr="Ein Bild, das Text, Screenshot enthält.&#10;&#10;Automatisch generierte Beschreibung">
+            <p:cNvPr id="18" name="Grafik 17" descr="Ein Bild, das Screenshot, Text enthält.&#10;&#10;Automatisch generierte Beschreibung">
               <a:extLst>
                 <a:ext uri="{FF2B5EF4-FFF2-40B4-BE49-F238E27FC236}">
-                  <a16:creationId xmlns:a16="http://schemas.microsoft.com/office/drawing/2014/main" id="{5F6B8A58-FB9E-FD41-99F2-59D4E8DBDCB4}"/>
+                  <a16:creationId xmlns:a16="http://schemas.microsoft.com/office/drawing/2014/main" id="{45AF7323-11D7-1562-2156-73B1A4FFA452}"/>
                 </a:ext>
               </a:extLst>
             </p:cNvPr>
@@ -4148,8 +4003,8 @@
           </p:blipFill>
           <p:spPr>
             <a:xfrm>
-              <a:off x="5991840" y="3349709"/>
-              <a:ext cx="2993760" cy="2494800"/>
+              <a:off x="6160320" y="3438001"/>
+              <a:ext cx="3080160" cy="2566800"/>
             </a:xfrm>
             <a:prstGeom prst="rect">
               <a:avLst/>
@@ -4161,10 +4016,10 @@
         </p:pic>
         <p:pic>
           <p:nvPicPr>
-            <p:cNvPr id="32" name="Grafik 31" descr="Ein Bild, das Screenshot, Schwarz enthält.&#10;&#10;Automatisch generierte Beschreibung">
+            <p:cNvPr id="20" name="Grafik 19" descr="Ein Bild, das Screenshot, Schwarz enthält.&#10;&#10;Automatisch generierte Beschreibung">
               <a:extLst>
                 <a:ext uri="{FF2B5EF4-FFF2-40B4-BE49-F238E27FC236}">
-                  <a16:creationId xmlns:a16="http://schemas.microsoft.com/office/drawing/2014/main" id="{75E1C654-A437-F608-68E1-142B9B5176CE}"/>
+                  <a16:creationId xmlns:a16="http://schemas.microsoft.com/office/drawing/2014/main" id="{D8D5888E-8DB3-5F8F-D326-F9040D842CCB}"/>
                 </a:ext>
               </a:extLst>
             </p:cNvPr>
@@ -4187,8 +4042,8 @@
           </p:blipFill>
           <p:spPr>
             <a:xfrm>
-              <a:off x="8994240" y="3349709"/>
-              <a:ext cx="2993760" cy="2494800"/>
+              <a:off x="9231840" y="3429000"/>
+              <a:ext cx="3080160" cy="2566800"/>
             </a:xfrm>
             <a:prstGeom prst="rect">
               <a:avLst/>
@@ -4200,10 +4055,10 @@
         </p:pic>
         <p:pic>
           <p:nvPicPr>
-            <p:cNvPr id="34" name="Grafik 33" descr="Ein Bild, das Screenshot, Text, Schwarz enthält.&#10;&#10;Automatisch generierte Beschreibung">
+            <p:cNvPr id="22" name="Grafik 21" descr="Ein Bild, das Screenshot, Schwarz enthält.&#10;&#10;Automatisch generierte Beschreibung">
               <a:extLst>
                 <a:ext uri="{FF2B5EF4-FFF2-40B4-BE49-F238E27FC236}">
-                  <a16:creationId xmlns:a16="http://schemas.microsoft.com/office/drawing/2014/main" id="{9EE9BD76-B465-7EB1-5419-A6581394BAFE}"/>
+                  <a16:creationId xmlns:a16="http://schemas.microsoft.com/office/drawing/2014/main" id="{9DFB56AB-C13D-661F-6A92-DF3DEAAA1175}"/>
                 </a:ext>
               </a:extLst>
             </p:cNvPr>
@@ -4226,8 +4081,8 @@
           </p:blipFill>
           <p:spPr>
             <a:xfrm>
-              <a:off x="7992000" y="19709"/>
-              <a:ext cx="3996000" cy="3330000"/>
+              <a:off x="8208000" y="0"/>
+              <a:ext cx="4104000" cy="3420000"/>
             </a:xfrm>
             <a:prstGeom prst="rect">
               <a:avLst/>
@@ -4239,10 +4094,10 @@
         </p:pic>
         <p:pic>
           <p:nvPicPr>
-            <p:cNvPr id="36" name="Grafik 35" descr="Ein Bild, das Screenshot, Schwarz enthält.&#10;&#10;Automatisch generierte Beschreibung">
+            <p:cNvPr id="24" name="Grafik 23" descr="Ein Bild, das Screenshot, Reihe, Schwarz enthält.&#10;&#10;Automatisch generierte Beschreibung">
               <a:extLst>
                 <a:ext uri="{FF2B5EF4-FFF2-40B4-BE49-F238E27FC236}">
-                  <a16:creationId xmlns:a16="http://schemas.microsoft.com/office/drawing/2014/main" id="{888597FE-D995-8BD1-0E5F-131A1420BD0F}"/>
+                  <a16:creationId xmlns:a16="http://schemas.microsoft.com/office/drawing/2014/main" id="{2AC4EAA3-4EA3-86B5-E38B-4E999C9DF644}"/>
                 </a:ext>
               </a:extLst>
             </p:cNvPr>
@@ -4265,8 +4120,8 @@
           </p:blipFill>
           <p:spPr>
             <a:xfrm>
-              <a:off x="3996000" y="19709"/>
-              <a:ext cx="3996000" cy="3330000"/>
+              <a:off x="4104000" y="0"/>
+              <a:ext cx="4104000" cy="3420000"/>
             </a:xfrm>
             <a:prstGeom prst="rect">
               <a:avLst/>
@@ -4278,10 +4133,10 @@
         </p:pic>
         <p:pic>
           <p:nvPicPr>
-            <p:cNvPr id="38" name="Grafik 37" descr="Ein Bild, das Screenshot, Schwarz enthält.&#10;&#10;Automatisch generierte Beschreibung">
+            <p:cNvPr id="26" name="Grafik 25" descr="Ein Bild, das Screenshot enthält.&#10;&#10;Automatisch generierte Beschreibung">
               <a:extLst>
                 <a:ext uri="{FF2B5EF4-FFF2-40B4-BE49-F238E27FC236}">
-                  <a16:creationId xmlns:a16="http://schemas.microsoft.com/office/drawing/2014/main" id="{E133E7B7-126C-2C97-E408-7953AF69E1D7}"/>
+                  <a16:creationId xmlns:a16="http://schemas.microsoft.com/office/drawing/2014/main" id="{547BDF2C-F5A1-0EB7-53DC-E6B61FCAA2EC}"/>
                 </a:ext>
               </a:extLst>
             </p:cNvPr>
@@ -4304,8 +4159,8 @@
           </p:blipFill>
           <p:spPr>
             <a:xfrm>
-              <a:off x="0" y="3349709"/>
-              <a:ext cx="2993760" cy="2494800"/>
+              <a:off x="0" y="3438001"/>
+              <a:ext cx="3080160" cy="2566800"/>
             </a:xfrm>
             <a:prstGeom prst="rect">
               <a:avLst/>
@@ -4317,334 +4172,10 @@
         </p:pic>
         <p:pic>
           <p:nvPicPr>
-            <p:cNvPr id="40" name="Grafik 39" descr="Ein Bild, das Screenshot, Schwarz enthält.&#10;&#10;Automatisch generierte Beschreibung">
+            <p:cNvPr id="28" name="Grafik 27" descr="Ein Bild, das Screenshot, Schwarz, Diagramm enthält.&#10;&#10;Automatisch generierte Beschreibung">
               <a:extLst>
                 <a:ext uri="{FF2B5EF4-FFF2-40B4-BE49-F238E27FC236}">
-                  <a16:creationId xmlns:a16="http://schemas.microsoft.com/office/drawing/2014/main" id="{E50DB893-79D3-CF83-6ADF-A95B1D0C0F6F}"/>
-                </a:ext>
-              </a:extLst>
-            </p:cNvPr>
-            <p:cNvPicPr>
-              <a:picLocks noChangeAspect="1"/>
-            </p:cNvPicPr>
-            <p:nvPr/>
-          </p:nvPicPr>
-          <p:blipFill>
-            <a:blip r:embed="rId7">
-              <a:extLst>
-                <a:ext uri="{28A0092B-C50C-407E-A947-70E740481C1C}">
-                  <a14:useLocalDpi xmlns:a14="http://schemas.microsoft.com/office/drawing/2010/main" val="0"/>
-                </a:ext>
-              </a:extLst>
-            </a:blip>
-            <a:stretch>
-              <a:fillRect/>
-            </a:stretch>
-          </p:blipFill>
-          <p:spPr>
-            <a:xfrm>
-              <a:off x="0" y="19709"/>
-              <a:ext cx="3996000" cy="3330000"/>
-            </a:xfrm>
-            <a:prstGeom prst="rect">
-              <a:avLst/>
-            </a:prstGeom>
-            <a:ln>
-              <a:noFill/>
-            </a:ln>
-          </p:spPr>
-        </p:pic>
-        <p:pic>
-          <p:nvPicPr>
-            <p:cNvPr id="42" name="Grafik 41" descr="Ein Bild, das Screenshot enthält.&#10;&#10;Automatisch generierte Beschreibung">
-              <a:extLst>
-                <a:ext uri="{FF2B5EF4-FFF2-40B4-BE49-F238E27FC236}">
-                  <a16:creationId xmlns:a16="http://schemas.microsoft.com/office/drawing/2014/main" id="{C69EE3EC-0302-81C9-057C-1D2BD306627A}"/>
-                </a:ext>
-              </a:extLst>
-            </p:cNvPr>
-            <p:cNvPicPr>
-              <a:picLocks noChangeAspect="1"/>
-            </p:cNvPicPr>
-            <p:nvPr/>
-          </p:nvPicPr>
-          <p:blipFill>
-            <a:blip r:embed="rId8">
-              <a:extLst>
-                <a:ext uri="{28A0092B-C50C-407E-A947-70E740481C1C}">
-                  <a14:useLocalDpi xmlns:a14="http://schemas.microsoft.com/office/drawing/2010/main" val="0"/>
-                </a:ext>
-              </a:extLst>
-            </a:blip>
-            <a:stretch>
-              <a:fillRect/>
-            </a:stretch>
-          </p:blipFill>
-          <p:spPr>
-            <a:xfrm>
-              <a:off x="2993760" y="3349709"/>
-              <a:ext cx="2993760" cy="2494800"/>
-            </a:xfrm>
-            <a:prstGeom prst="rect">
-              <a:avLst/>
-            </a:prstGeom>
-            <a:ln>
-              <a:noFill/>
-            </a:ln>
-          </p:spPr>
-        </p:pic>
-      </p:grpSp>
-    </p:spTree>
-    <p:extLst>
-      <p:ext uri="{BB962C8B-B14F-4D97-AF65-F5344CB8AC3E}">
-        <p14:creationId xmlns:p14="http://schemas.microsoft.com/office/powerpoint/2010/main" val="1974320077"/>
-      </p:ext>
-    </p:extLst>
-  </p:cSld>
-  <p:clrMapOvr>
-    <a:masterClrMapping/>
-  </p:clrMapOvr>
-</p:sld>
-</file>
-
-<file path=ppt/slides/slide4.xml><?xml version="1.0" encoding="utf-8"?>
-<p:sld xmlns:a="http://schemas.openxmlformats.org/drawingml/2006/main" xmlns:r="http://schemas.openxmlformats.org/officeDocument/2006/relationships" xmlns:p="http://schemas.openxmlformats.org/presentationml/2006/main">
-  <p:cSld>
-    <p:spTree>
-      <p:nvGrpSpPr>
-        <p:cNvPr id="1" name=""/>
-        <p:cNvGrpSpPr/>
-        <p:nvPr/>
-      </p:nvGrpSpPr>
-      <p:grpSpPr>
-        <a:xfrm>
-          <a:off x="0" y="0"/>
-          <a:ext cx="0" cy="0"/>
-          <a:chOff x="0" y="0"/>
-          <a:chExt cx="0" cy="0"/>
-        </a:xfrm>
-      </p:grpSpPr>
-      <p:grpSp>
-        <p:nvGrpSpPr>
-          <p:cNvPr id="2" name="Gruppieren 1">
-            <a:extLst>
-              <a:ext uri="{FF2B5EF4-FFF2-40B4-BE49-F238E27FC236}">
-                <a16:creationId xmlns:a16="http://schemas.microsoft.com/office/drawing/2014/main" id="{A542EB6A-87E8-07E0-45EF-28E94FD91945}"/>
-              </a:ext>
-            </a:extLst>
-          </p:cNvPr>
-          <p:cNvGrpSpPr/>
-          <p:nvPr/>
-        </p:nvGrpSpPr>
-        <p:grpSpPr>
-          <a:xfrm>
-            <a:off x="0" y="0"/>
-            <a:ext cx="11664000" cy="5670000"/>
-            <a:chOff x="0" y="0"/>
-            <a:chExt cx="11664000" cy="5670000"/>
-          </a:xfrm>
-        </p:grpSpPr>
-        <p:pic>
-          <p:nvPicPr>
-            <p:cNvPr id="3" name="Grafik 2" descr="Ein Bild, das Screenshot, Diagramm, Reihe enthält.&#10;&#10;Automatisch generierte Beschreibung">
-              <a:extLst>
-                <a:ext uri="{FF2B5EF4-FFF2-40B4-BE49-F238E27FC236}">
-                  <a16:creationId xmlns:a16="http://schemas.microsoft.com/office/drawing/2014/main" id="{13035C7D-F5C9-5556-4BA3-9642B34576B0}"/>
-                </a:ext>
-              </a:extLst>
-            </p:cNvPr>
-            <p:cNvPicPr>
-              <a:picLocks noChangeAspect="1"/>
-            </p:cNvPicPr>
-            <p:nvPr/>
-          </p:nvPicPr>
-          <p:blipFill>
-            <a:blip r:embed="rId2">
-              <a:extLst>
-                <a:ext uri="{28A0092B-C50C-407E-A947-70E740481C1C}">
-                  <a14:useLocalDpi xmlns:a14="http://schemas.microsoft.com/office/drawing/2010/main" val="0"/>
-                </a:ext>
-              </a:extLst>
-            </a:blip>
-            <a:stretch>
-              <a:fillRect/>
-            </a:stretch>
-          </p:blipFill>
-          <p:spPr>
-            <a:xfrm>
-              <a:off x="5832000" y="3240000"/>
-              <a:ext cx="2916000" cy="2430000"/>
-            </a:xfrm>
-            <a:prstGeom prst="rect">
-              <a:avLst/>
-            </a:prstGeom>
-            <a:ln>
-              <a:noFill/>
-            </a:ln>
-          </p:spPr>
-        </p:pic>
-        <p:pic>
-          <p:nvPicPr>
-            <p:cNvPr id="6" name="Grafik 5" descr="Ein Bild, das Screenshot, Schwarz, Reihe enthält.&#10;&#10;Automatisch generierte Beschreibung">
-              <a:extLst>
-                <a:ext uri="{FF2B5EF4-FFF2-40B4-BE49-F238E27FC236}">
-                  <a16:creationId xmlns:a16="http://schemas.microsoft.com/office/drawing/2014/main" id="{FEF47793-028A-BAD9-0D64-B939E6525233}"/>
-                </a:ext>
-              </a:extLst>
-            </p:cNvPr>
-            <p:cNvPicPr>
-              <a:picLocks noChangeAspect="1"/>
-            </p:cNvPicPr>
-            <p:nvPr/>
-          </p:nvPicPr>
-          <p:blipFill>
-            <a:blip r:embed="rId3">
-              <a:extLst>
-                <a:ext uri="{28A0092B-C50C-407E-A947-70E740481C1C}">
-                  <a14:useLocalDpi xmlns:a14="http://schemas.microsoft.com/office/drawing/2010/main" val="0"/>
-                </a:ext>
-              </a:extLst>
-            </a:blip>
-            <a:stretch>
-              <a:fillRect/>
-            </a:stretch>
-          </p:blipFill>
-          <p:spPr>
-            <a:xfrm>
-              <a:off x="8748000" y="3240000"/>
-              <a:ext cx="2916000" cy="2430000"/>
-            </a:xfrm>
-            <a:prstGeom prst="rect">
-              <a:avLst/>
-            </a:prstGeom>
-            <a:ln>
-              <a:noFill/>
-            </a:ln>
-          </p:spPr>
-        </p:pic>
-        <p:pic>
-          <p:nvPicPr>
-            <p:cNvPr id="10" name="Grafik 9" descr="Ein Bild, das Screenshot enthält.&#10;&#10;Automatisch generierte Beschreibung">
-              <a:extLst>
-                <a:ext uri="{FF2B5EF4-FFF2-40B4-BE49-F238E27FC236}">
-                  <a16:creationId xmlns:a16="http://schemas.microsoft.com/office/drawing/2014/main" id="{D7C078A4-3586-BB4F-6120-07AD31EAC198}"/>
-                </a:ext>
-              </a:extLst>
-            </p:cNvPr>
-            <p:cNvPicPr>
-              <a:picLocks noChangeAspect="1"/>
-            </p:cNvPicPr>
-            <p:nvPr/>
-          </p:nvPicPr>
-          <p:blipFill>
-            <a:blip r:embed="rId4">
-              <a:extLst>
-                <a:ext uri="{28A0092B-C50C-407E-A947-70E740481C1C}">
-                  <a14:useLocalDpi xmlns:a14="http://schemas.microsoft.com/office/drawing/2010/main" val="0"/>
-                </a:ext>
-              </a:extLst>
-            </a:blip>
-            <a:stretch>
-              <a:fillRect/>
-            </a:stretch>
-          </p:blipFill>
-          <p:spPr>
-            <a:xfrm>
-              <a:off x="7776000" y="0"/>
-              <a:ext cx="3888000" cy="3240000"/>
-            </a:xfrm>
-            <a:prstGeom prst="rect">
-              <a:avLst/>
-            </a:prstGeom>
-            <a:ln>
-              <a:noFill/>
-            </a:ln>
-          </p:spPr>
-        </p:pic>
-        <p:pic>
-          <p:nvPicPr>
-            <p:cNvPr id="14" name="Grafik 13" descr="Ein Bild, das Screenshot, Schwarz enthält.&#10;&#10;Automatisch generierte Beschreibung">
-              <a:extLst>
-                <a:ext uri="{FF2B5EF4-FFF2-40B4-BE49-F238E27FC236}">
-                  <a16:creationId xmlns:a16="http://schemas.microsoft.com/office/drawing/2014/main" id="{5EC62D48-AE1E-FA22-B862-005C13EDDA81}"/>
-                </a:ext>
-              </a:extLst>
-            </p:cNvPr>
-            <p:cNvPicPr>
-              <a:picLocks noChangeAspect="1"/>
-            </p:cNvPicPr>
-            <p:nvPr/>
-          </p:nvPicPr>
-          <p:blipFill>
-            <a:blip r:embed="rId5">
-              <a:extLst>
-                <a:ext uri="{28A0092B-C50C-407E-A947-70E740481C1C}">
-                  <a14:useLocalDpi xmlns:a14="http://schemas.microsoft.com/office/drawing/2010/main" val="0"/>
-                </a:ext>
-              </a:extLst>
-            </a:blip>
-            <a:stretch>
-              <a:fillRect/>
-            </a:stretch>
-          </p:blipFill>
-          <p:spPr>
-            <a:xfrm>
-              <a:off x="3888000" y="0"/>
-              <a:ext cx="3888000" cy="3240000"/>
-            </a:xfrm>
-            <a:prstGeom prst="rect">
-              <a:avLst/>
-            </a:prstGeom>
-            <a:ln>
-              <a:noFill/>
-            </a:ln>
-          </p:spPr>
-        </p:pic>
-        <p:pic>
-          <p:nvPicPr>
-            <p:cNvPr id="18" name="Grafik 17" descr="Ein Bild, das Screenshot, Schwarz enthält.&#10;&#10;Automatisch generierte Beschreibung">
-              <a:extLst>
-                <a:ext uri="{FF2B5EF4-FFF2-40B4-BE49-F238E27FC236}">
-                  <a16:creationId xmlns:a16="http://schemas.microsoft.com/office/drawing/2014/main" id="{C52FAA33-60FB-E2B5-FC35-58E43F0E3CC5}"/>
-                </a:ext>
-              </a:extLst>
-            </p:cNvPr>
-            <p:cNvPicPr>
-              <a:picLocks noChangeAspect="1"/>
-            </p:cNvPicPr>
-            <p:nvPr/>
-          </p:nvPicPr>
-          <p:blipFill>
-            <a:blip r:embed="rId6">
-              <a:extLst>
-                <a:ext uri="{28A0092B-C50C-407E-A947-70E740481C1C}">
-                  <a14:useLocalDpi xmlns:a14="http://schemas.microsoft.com/office/drawing/2010/main" val="0"/>
-                </a:ext>
-              </a:extLst>
-            </a:blip>
-            <a:stretch>
-              <a:fillRect/>
-            </a:stretch>
-          </p:blipFill>
-          <p:spPr>
-            <a:xfrm>
-              <a:off x="0" y="3240000"/>
-              <a:ext cx="2916000" cy="2430000"/>
-            </a:xfrm>
-            <a:prstGeom prst="rect">
-              <a:avLst/>
-            </a:prstGeom>
-            <a:ln>
-              <a:noFill/>
-            </a:ln>
-          </p:spPr>
-        </p:pic>
-        <p:pic>
-          <p:nvPicPr>
-            <p:cNvPr id="22" name="Grafik 21" descr="Ein Bild, das Screenshot enthält.&#10;&#10;Automatisch generierte Beschreibung">
-              <a:extLst>
-                <a:ext uri="{FF2B5EF4-FFF2-40B4-BE49-F238E27FC236}">
-                  <a16:creationId xmlns:a16="http://schemas.microsoft.com/office/drawing/2014/main" id="{CF66FF73-A8FD-1703-CA59-7DF1D79D0DB6}"/>
+                  <a16:creationId xmlns:a16="http://schemas.microsoft.com/office/drawing/2014/main" id="{74D40FE6-2FEF-EB21-135A-A4E4BA157BCC}"/>
                 </a:ext>
               </a:extLst>
             </p:cNvPr>
@@ -4668,7 +4199,7 @@
           <p:spPr>
             <a:xfrm>
               <a:off x="0" y="0"/>
-              <a:ext cx="3888000" cy="3240000"/>
+              <a:ext cx="4104000" cy="3420000"/>
             </a:xfrm>
             <a:prstGeom prst="rect">
               <a:avLst/>
@@ -4680,10 +4211,10 @@
         </p:pic>
         <p:pic>
           <p:nvPicPr>
-            <p:cNvPr id="27" name="Grafik 26" descr="Ein Bild, das Screenshot enthält.&#10;&#10;Automatisch generierte Beschreibung">
+            <p:cNvPr id="31" name="Grafik 30" descr="Ein Bild, das Screenshot, Schwarz, Reihe enthält.&#10;&#10;Automatisch generierte Beschreibung">
               <a:extLst>
                 <a:ext uri="{FF2B5EF4-FFF2-40B4-BE49-F238E27FC236}">
-                  <a16:creationId xmlns:a16="http://schemas.microsoft.com/office/drawing/2014/main" id="{2B20C0FE-D1A8-7100-F302-DC20EF338201}"/>
+                  <a16:creationId xmlns:a16="http://schemas.microsoft.com/office/drawing/2014/main" id="{70E0FC2B-924F-8592-E8C3-19E6B64DE73B}"/>
                 </a:ext>
               </a:extLst>
             </p:cNvPr>
@@ -4706,8 +4237,8 @@
           </p:blipFill>
           <p:spPr>
             <a:xfrm>
-              <a:off x="2916000" y="3240000"/>
-              <a:ext cx="2916000" cy="2430000"/>
+              <a:off x="3080160" y="3438001"/>
+              <a:ext cx="3080160" cy="2566800"/>
             </a:xfrm>
             <a:prstGeom prst="rect">
               <a:avLst/>
@@ -4721,7 +4252,7 @@
     </p:spTree>
     <p:extLst>
       <p:ext uri="{BB962C8B-B14F-4D97-AF65-F5344CB8AC3E}">
-        <p14:creationId xmlns:p14="http://schemas.microsoft.com/office/powerpoint/2010/main" val="704586709"/>
+        <p14:creationId xmlns:p14="http://schemas.microsoft.com/office/powerpoint/2010/main" val="1484348789"/>
       </p:ext>
     </p:extLst>
   </p:cSld>

--- a/ML_model/plots/all.pptx
+++ b/ML_model/plots/all.pptx
@@ -263,7 +263,7 @@
           <a:p>
             <a:fld id="{50106A6C-E9D6-4563-82A6-B42DDFFCA66C}" type="datetimeFigureOut">
               <a:rPr lang="en-GB" smtClean="0"/>
-              <a:t>07/12/2023</a:t>
+              <a:t>17/12/2023</a:t>
             </a:fld>
             <a:endParaRPr lang="en-GB"/>
           </a:p>
@@ -463,7 +463,7 @@
           <a:p>
             <a:fld id="{50106A6C-E9D6-4563-82A6-B42DDFFCA66C}" type="datetimeFigureOut">
               <a:rPr lang="en-GB" smtClean="0"/>
-              <a:t>07/12/2023</a:t>
+              <a:t>17/12/2023</a:t>
             </a:fld>
             <a:endParaRPr lang="en-GB"/>
           </a:p>
@@ -673,7 +673,7 @@
           <a:p>
             <a:fld id="{50106A6C-E9D6-4563-82A6-B42DDFFCA66C}" type="datetimeFigureOut">
               <a:rPr lang="en-GB" smtClean="0"/>
-              <a:t>07/12/2023</a:t>
+              <a:t>17/12/2023</a:t>
             </a:fld>
             <a:endParaRPr lang="en-GB"/>
           </a:p>
@@ -873,7 +873,7 @@
           <a:p>
             <a:fld id="{50106A6C-E9D6-4563-82A6-B42DDFFCA66C}" type="datetimeFigureOut">
               <a:rPr lang="en-GB" smtClean="0"/>
-              <a:t>07/12/2023</a:t>
+              <a:t>17/12/2023</a:t>
             </a:fld>
             <a:endParaRPr lang="en-GB"/>
           </a:p>
@@ -1149,7 +1149,7 @@
           <a:p>
             <a:fld id="{50106A6C-E9D6-4563-82A6-B42DDFFCA66C}" type="datetimeFigureOut">
               <a:rPr lang="en-GB" smtClean="0"/>
-              <a:t>07/12/2023</a:t>
+              <a:t>17/12/2023</a:t>
             </a:fld>
             <a:endParaRPr lang="en-GB"/>
           </a:p>
@@ -1417,7 +1417,7 @@
           <a:p>
             <a:fld id="{50106A6C-E9D6-4563-82A6-B42DDFFCA66C}" type="datetimeFigureOut">
               <a:rPr lang="en-GB" smtClean="0"/>
-              <a:t>07/12/2023</a:t>
+              <a:t>17/12/2023</a:t>
             </a:fld>
             <a:endParaRPr lang="en-GB"/>
           </a:p>
@@ -1832,7 +1832,7 @@
           <a:p>
             <a:fld id="{50106A6C-E9D6-4563-82A6-B42DDFFCA66C}" type="datetimeFigureOut">
               <a:rPr lang="en-GB" smtClean="0"/>
-              <a:t>07/12/2023</a:t>
+              <a:t>17/12/2023</a:t>
             </a:fld>
             <a:endParaRPr lang="en-GB"/>
           </a:p>
@@ -1974,7 +1974,7 @@
           <a:p>
             <a:fld id="{50106A6C-E9D6-4563-82A6-B42DDFFCA66C}" type="datetimeFigureOut">
               <a:rPr lang="en-GB" smtClean="0"/>
-              <a:t>07/12/2023</a:t>
+              <a:t>17/12/2023</a:t>
             </a:fld>
             <a:endParaRPr lang="en-GB"/>
           </a:p>
@@ -2087,7 +2087,7 @@
           <a:p>
             <a:fld id="{50106A6C-E9D6-4563-82A6-B42DDFFCA66C}" type="datetimeFigureOut">
               <a:rPr lang="en-GB" smtClean="0"/>
-              <a:t>07/12/2023</a:t>
+              <a:t>17/12/2023</a:t>
             </a:fld>
             <a:endParaRPr lang="en-GB"/>
           </a:p>
@@ -2400,7 +2400,7 @@
           <a:p>
             <a:fld id="{50106A6C-E9D6-4563-82A6-B42DDFFCA66C}" type="datetimeFigureOut">
               <a:rPr lang="en-GB" smtClean="0"/>
-              <a:t>07/12/2023</a:t>
+              <a:t>17/12/2023</a:t>
             </a:fld>
             <a:endParaRPr lang="en-GB"/>
           </a:p>
@@ -2689,7 +2689,7 @@
           <a:p>
             <a:fld id="{50106A6C-E9D6-4563-82A6-B42DDFFCA66C}" type="datetimeFigureOut">
               <a:rPr lang="en-GB" smtClean="0"/>
-              <a:t>07/12/2023</a:t>
+              <a:t>17/12/2023</a:t>
             </a:fld>
             <a:endParaRPr lang="en-GB"/>
           </a:p>
@@ -2932,7 +2932,7 @@
           <a:p>
             <a:fld id="{50106A6C-E9D6-4563-82A6-B42DDFFCA66C}" type="datetimeFigureOut">
               <a:rPr lang="en-GB" smtClean="0"/>
-              <a:t>07/12/2023</a:t>
+              <a:t>17/12/2023</a:t>
             </a:fld>
             <a:endParaRPr lang="en-GB"/>
           </a:p>
@@ -3349,279 +3349,300 @@
           <a:chExt cx="0" cy="0"/>
         </a:xfrm>
       </p:grpSpPr>
-      <p:pic>
-        <p:nvPicPr>
-          <p:cNvPr id="30" name="Grafik 29" descr="Ein Bild, das Text, Screenshot enthält.&#10;&#10;Automatisch generierte Beschreibung">
-            <a:extLst>
-              <a:ext uri="{FF2B5EF4-FFF2-40B4-BE49-F238E27FC236}">
-                <a16:creationId xmlns:a16="http://schemas.microsoft.com/office/drawing/2014/main" id="{5F6B8A58-FB9E-FD41-99F2-59D4E8DBDCB4}"/>
-              </a:ext>
-            </a:extLst>
-          </p:cNvPr>
-          <p:cNvPicPr>
-            <a:picLocks noChangeAspect="1"/>
-          </p:cNvPicPr>
+      <p:grpSp>
+        <p:nvGrpSpPr>
+          <p:cNvPr id="2" name="Gruppieren 1">
+            <a:extLst>
+              <a:ext uri="{FF2B5EF4-FFF2-40B4-BE49-F238E27FC236}">
+                <a16:creationId xmlns:a16="http://schemas.microsoft.com/office/drawing/2014/main" id="{CA2E531A-B741-D6AE-E4CD-513902C7C1AF}"/>
+              </a:ext>
+            </a:extLst>
+          </p:cNvPr>
+          <p:cNvGrpSpPr/>
           <p:nvPr/>
-        </p:nvPicPr>
-        <p:blipFill>
-          <a:blip r:embed="rId2">
-            <a:extLst>
-              <a:ext uri="{28A0092B-C50C-407E-A947-70E740481C1C}">
-                <a14:useLocalDpi xmlns:a14="http://schemas.microsoft.com/office/drawing/2010/main" val="0"/>
-              </a:ext>
-            </a:extLst>
-          </a:blip>
-          <a:stretch>
-            <a:fillRect/>
-          </a:stretch>
-        </p:blipFill>
-        <p:spPr>
-          <a:xfrm>
-            <a:off x="7992000" y="3349709"/>
-            <a:ext cx="3996000" cy="3330000"/>
-          </a:xfrm>
-          <a:prstGeom prst="rect">
-            <a:avLst/>
-          </a:prstGeom>
-          <a:ln>
-            <a:noFill/>
-          </a:ln>
-        </p:spPr>
-      </p:pic>
-      <p:pic>
-        <p:nvPicPr>
-          <p:cNvPr id="32" name="Grafik 31" descr="Ein Bild, das Screenshot, Schwarz enthält.&#10;&#10;Automatisch generierte Beschreibung">
-            <a:extLst>
-              <a:ext uri="{FF2B5EF4-FFF2-40B4-BE49-F238E27FC236}">
-                <a16:creationId xmlns:a16="http://schemas.microsoft.com/office/drawing/2014/main" id="{75E1C654-A437-F608-68E1-142B9B5176CE}"/>
-              </a:ext>
-            </a:extLst>
-          </p:cNvPr>
-          <p:cNvPicPr>
-            <a:picLocks noChangeAspect="1"/>
-          </p:cNvPicPr>
-          <p:nvPr/>
-        </p:nvPicPr>
-        <p:blipFill>
-          <a:blip r:embed="rId3">
-            <a:extLst>
-              <a:ext uri="{28A0092B-C50C-407E-A947-70E740481C1C}">
-                <a14:useLocalDpi xmlns:a14="http://schemas.microsoft.com/office/drawing/2010/main" val="0"/>
-              </a:ext>
-            </a:extLst>
-          </a:blip>
-          <a:stretch>
-            <a:fillRect/>
-          </a:stretch>
-        </p:blipFill>
-        <p:spPr>
-          <a:xfrm>
-            <a:off x="0" y="6679709"/>
-            <a:ext cx="3996000" cy="3330000"/>
-          </a:xfrm>
-          <a:prstGeom prst="rect">
-            <a:avLst/>
-          </a:prstGeom>
-          <a:ln>
-            <a:noFill/>
-          </a:ln>
-        </p:spPr>
-      </p:pic>
-      <p:pic>
-        <p:nvPicPr>
-          <p:cNvPr id="34" name="Grafik 33" descr="Ein Bild, das Screenshot, Text, Schwarz enthält.&#10;&#10;Automatisch generierte Beschreibung">
-            <a:extLst>
-              <a:ext uri="{FF2B5EF4-FFF2-40B4-BE49-F238E27FC236}">
-                <a16:creationId xmlns:a16="http://schemas.microsoft.com/office/drawing/2014/main" id="{9EE9BD76-B465-7EB1-5419-A6581394BAFE}"/>
-              </a:ext>
-            </a:extLst>
-          </p:cNvPr>
-          <p:cNvPicPr>
-            <a:picLocks noChangeAspect="1"/>
-          </p:cNvPicPr>
-          <p:nvPr/>
-        </p:nvPicPr>
-        <p:blipFill>
-          <a:blip r:embed="rId4">
-            <a:extLst>
-              <a:ext uri="{28A0092B-C50C-407E-A947-70E740481C1C}">
-                <a14:useLocalDpi xmlns:a14="http://schemas.microsoft.com/office/drawing/2010/main" val="0"/>
-              </a:ext>
-            </a:extLst>
-          </a:blip>
-          <a:stretch>
-            <a:fillRect/>
-          </a:stretch>
-        </p:blipFill>
-        <p:spPr>
-          <a:xfrm>
-            <a:off x="7992000" y="19709"/>
-            <a:ext cx="3996000" cy="3330000"/>
-          </a:xfrm>
-          <a:prstGeom prst="rect">
-            <a:avLst/>
-          </a:prstGeom>
-          <a:ln>
-            <a:noFill/>
-          </a:ln>
-        </p:spPr>
-      </p:pic>
-      <p:pic>
-        <p:nvPicPr>
-          <p:cNvPr id="36" name="Grafik 35" descr="Ein Bild, das Screenshot, Schwarz enthält.&#10;&#10;Automatisch generierte Beschreibung">
-            <a:extLst>
-              <a:ext uri="{FF2B5EF4-FFF2-40B4-BE49-F238E27FC236}">
-                <a16:creationId xmlns:a16="http://schemas.microsoft.com/office/drawing/2014/main" id="{888597FE-D995-8BD1-0E5F-131A1420BD0F}"/>
-              </a:ext>
-            </a:extLst>
-          </p:cNvPr>
-          <p:cNvPicPr>
-            <a:picLocks noChangeAspect="1"/>
-          </p:cNvPicPr>
-          <p:nvPr/>
-        </p:nvPicPr>
-        <p:blipFill>
-          <a:blip r:embed="rId5">
-            <a:extLst>
-              <a:ext uri="{28A0092B-C50C-407E-A947-70E740481C1C}">
-                <a14:useLocalDpi xmlns:a14="http://schemas.microsoft.com/office/drawing/2010/main" val="0"/>
-              </a:ext>
-            </a:extLst>
-          </a:blip>
-          <a:stretch>
-            <a:fillRect/>
-          </a:stretch>
-        </p:blipFill>
-        <p:spPr>
-          <a:xfrm>
-            <a:off x="3996000" y="19709"/>
-            <a:ext cx="3996000" cy="3330000"/>
-          </a:xfrm>
-          <a:prstGeom prst="rect">
-            <a:avLst/>
-          </a:prstGeom>
-          <a:ln>
-            <a:noFill/>
-          </a:ln>
-        </p:spPr>
-      </p:pic>
-      <p:pic>
-        <p:nvPicPr>
-          <p:cNvPr id="38" name="Grafik 37" descr="Ein Bild, das Screenshot, Schwarz enthält.&#10;&#10;Automatisch generierte Beschreibung">
-            <a:extLst>
-              <a:ext uri="{FF2B5EF4-FFF2-40B4-BE49-F238E27FC236}">
-                <a16:creationId xmlns:a16="http://schemas.microsoft.com/office/drawing/2014/main" id="{E133E7B7-126C-2C97-E408-7953AF69E1D7}"/>
-              </a:ext>
-            </a:extLst>
-          </p:cNvPr>
-          <p:cNvPicPr>
-            <a:picLocks noChangeAspect="1"/>
-          </p:cNvPicPr>
-          <p:nvPr/>
-        </p:nvPicPr>
-        <p:blipFill>
-          <a:blip r:embed="rId6">
-            <a:extLst>
-              <a:ext uri="{28A0092B-C50C-407E-A947-70E740481C1C}">
-                <a14:useLocalDpi xmlns:a14="http://schemas.microsoft.com/office/drawing/2010/main" val="0"/>
-              </a:ext>
-            </a:extLst>
-          </a:blip>
-          <a:stretch>
-            <a:fillRect/>
-          </a:stretch>
-        </p:blipFill>
-        <p:spPr>
-          <a:xfrm>
-            <a:off x="0" y="3349709"/>
-            <a:ext cx="3996000" cy="3330000"/>
-          </a:xfrm>
-          <a:prstGeom prst="rect">
-            <a:avLst/>
-          </a:prstGeom>
-          <a:ln>
-            <a:noFill/>
-          </a:ln>
-        </p:spPr>
-      </p:pic>
-      <p:pic>
-        <p:nvPicPr>
-          <p:cNvPr id="40" name="Grafik 39" descr="Ein Bild, das Screenshot, Schwarz enthält.&#10;&#10;Automatisch generierte Beschreibung">
-            <a:extLst>
-              <a:ext uri="{FF2B5EF4-FFF2-40B4-BE49-F238E27FC236}">
-                <a16:creationId xmlns:a16="http://schemas.microsoft.com/office/drawing/2014/main" id="{E50DB893-79D3-CF83-6ADF-A95B1D0C0F6F}"/>
-              </a:ext>
-            </a:extLst>
-          </p:cNvPr>
-          <p:cNvPicPr>
-            <a:picLocks noChangeAspect="1"/>
-          </p:cNvPicPr>
-          <p:nvPr/>
-        </p:nvPicPr>
-        <p:blipFill>
-          <a:blip r:embed="rId7">
-            <a:extLst>
-              <a:ext uri="{28A0092B-C50C-407E-A947-70E740481C1C}">
-                <a14:useLocalDpi xmlns:a14="http://schemas.microsoft.com/office/drawing/2010/main" val="0"/>
-              </a:ext>
-            </a:extLst>
-          </a:blip>
-          <a:stretch>
-            <a:fillRect/>
-          </a:stretch>
-        </p:blipFill>
-        <p:spPr>
+        </p:nvGrpSpPr>
+        <p:grpSpPr>
           <a:xfrm>
             <a:off x="0" y="19709"/>
-            <a:ext cx="3996000" cy="3330000"/>
+            <a:ext cx="11988000" cy="9990000"/>
+            <a:chOff x="0" y="19709"/>
+            <a:chExt cx="11988000" cy="9990000"/>
           </a:xfrm>
-          <a:prstGeom prst="rect">
-            <a:avLst/>
-          </a:prstGeom>
-          <a:ln>
-            <a:noFill/>
-          </a:ln>
-        </p:spPr>
-      </p:pic>
-      <p:pic>
-        <p:nvPicPr>
-          <p:cNvPr id="42" name="Grafik 41" descr="Ein Bild, das Screenshot enthält.&#10;&#10;Automatisch generierte Beschreibung">
-            <a:extLst>
-              <a:ext uri="{FF2B5EF4-FFF2-40B4-BE49-F238E27FC236}">
-                <a16:creationId xmlns:a16="http://schemas.microsoft.com/office/drawing/2014/main" id="{C69EE3EC-0302-81C9-057C-1D2BD306627A}"/>
-              </a:ext>
-            </a:extLst>
-          </p:cNvPr>
-          <p:cNvPicPr>
-            <a:picLocks noChangeAspect="1"/>
-          </p:cNvPicPr>
-          <p:nvPr/>
-        </p:nvPicPr>
-        <p:blipFill>
-          <a:blip r:embed="rId8">
-            <a:extLst>
-              <a:ext uri="{28A0092B-C50C-407E-A947-70E740481C1C}">
-                <a14:useLocalDpi xmlns:a14="http://schemas.microsoft.com/office/drawing/2010/main" val="0"/>
-              </a:ext>
-            </a:extLst>
-          </a:blip>
-          <a:stretch>
-            <a:fillRect/>
-          </a:stretch>
-        </p:blipFill>
-        <p:spPr>
-          <a:xfrm>
-            <a:off x="3996000" y="3349709"/>
-            <a:ext cx="3996000" cy="3330000"/>
-          </a:xfrm>
-          <a:prstGeom prst="rect">
-            <a:avLst/>
-          </a:prstGeom>
-          <a:ln>
-            <a:noFill/>
-          </a:ln>
-        </p:spPr>
-      </p:pic>
+        </p:grpSpPr>
+        <p:pic>
+          <p:nvPicPr>
+            <p:cNvPr id="30" name="Grafik 29" descr="Ein Bild, das Text, Screenshot enthält.&#10;&#10;Automatisch generierte Beschreibung">
+              <a:extLst>
+                <a:ext uri="{FF2B5EF4-FFF2-40B4-BE49-F238E27FC236}">
+                  <a16:creationId xmlns:a16="http://schemas.microsoft.com/office/drawing/2014/main" id="{5F6B8A58-FB9E-FD41-99F2-59D4E8DBDCB4}"/>
+                </a:ext>
+              </a:extLst>
+            </p:cNvPr>
+            <p:cNvPicPr>
+              <a:picLocks noChangeAspect="1"/>
+            </p:cNvPicPr>
+            <p:nvPr/>
+          </p:nvPicPr>
+          <p:blipFill>
+            <a:blip r:embed="rId2">
+              <a:extLst>
+                <a:ext uri="{28A0092B-C50C-407E-A947-70E740481C1C}">
+                  <a14:useLocalDpi xmlns:a14="http://schemas.microsoft.com/office/drawing/2010/main" val="0"/>
+                </a:ext>
+              </a:extLst>
+            </a:blip>
+            <a:stretch>
+              <a:fillRect/>
+            </a:stretch>
+          </p:blipFill>
+          <p:spPr>
+            <a:xfrm>
+              <a:off x="7992000" y="3349709"/>
+              <a:ext cx="3996000" cy="3330000"/>
+            </a:xfrm>
+            <a:prstGeom prst="rect">
+              <a:avLst/>
+            </a:prstGeom>
+            <a:ln>
+              <a:noFill/>
+            </a:ln>
+          </p:spPr>
+        </p:pic>
+        <p:pic>
+          <p:nvPicPr>
+            <p:cNvPr id="32" name="Grafik 31" descr="Ein Bild, das Screenshot, Schwarz enthält.&#10;&#10;Automatisch generierte Beschreibung">
+              <a:extLst>
+                <a:ext uri="{FF2B5EF4-FFF2-40B4-BE49-F238E27FC236}">
+                  <a16:creationId xmlns:a16="http://schemas.microsoft.com/office/drawing/2014/main" id="{75E1C654-A437-F608-68E1-142B9B5176CE}"/>
+                </a:ext>
+              </a:extLst>
+            </p:cNvPr>
+            <p:cNvPicPr>
+              <a:picLocks noChangeAspect="1"/>
+            </p:cNvPicPr>
+            <p:nvPr/>
+          </p:nvPicPr>
+          <p:blipFill>
+            <a:blip r:embed="rId3">
+              <a:extLst>
+                <a:ext uri="{28A0092B-C50C-407E-A947-70E740481C1C}">
+                  <a14:useLocalDpi xmlns:a14="http://schemas.microsoft.com/office/drawing/2010/main" val="0"/>
+                </a:ext>
+              </a:extLst>
+            </a:blip>
+            <a:stretch>
+              <a:fillRect/>
+            </a:stretch>
+          </p:blipFill>
+          <p:spPr>
+            <a:xfrm>
+              <a:off x="0" y="6679709"/>
+              <a:ext cx="3996000" cy="3330000"/>
+            </a:xfrm>
+            <a:prstGeom prst="rect">
+              <a:avLst/>
+            </a:prstGeom>
+            <a:ln>
+              <a:noFill/>
+            </a:ln>
+          </p:spPr>
+        </p:pic>
+        <p:pic>
+          <p:nvPicPr>
+            <p:cNvPr id="34" name="Grafik 33" descr="Ein Bild, das Screenshot, Text, Schwarz enthält.&#10;&#10;Automatisch generierte Beschreibung">
+              <a:extLst>
+                <a:ext uri="{FF2B5EF4-FFF2-40B4-BE49-F238E27FC236}">
+                  <a16:creationId xmlns:a16="http://schemas.microsoft.com/office/drawing/2014/main" id="{9EE9BD76-B465-7EB1-5419-A6581394BAFE}"/>
+                </a:ext>
+              </a:extLst>
+            </p:cNvPr>
+            <p:cNvPicPr>
+              <a:picLocks noChangeAspect="1"/>
+            </p:cNvPicPr>
+            <p:nvPr/>
+          </p:nvPicPr>
+          <p:blipFill>
+            <a:blip r:embed="rId4">
+              <a:extLst>
+                <a:ext uri="{28A0092B-C50C-407E-A947-70E740481C1C}">
+                  <a14:useLocalDpi xmlns:a14="http://schemas.microsoft.com/office/drawing/2010/main" val="0"/>
+                </a:ext>
+              </a:extLst>
+            </a:blip>
+            <a:stretch>
+              <a:fillRect/>
+            </a:stretch>
+          </p:blipFill>
+          <p:spPr>
+            <a:xfrm>
+              <a:off x="7992000" y="19709"/>
+              <a:ext cx="3996000" cy="3330000"/>
+            </a:xfrm>
+            <a:prstGeom prst="rect">
+              <a:avLst/>
+            </a:prstGeom>
+            <a:ln>
+              <a:noFill/>
+            </a:ln>
+          </p:spPr>
+        </p:pic>
+        <p:pic>
+          <p:nvPicPr>
+            <p:cNvPr id="36" name="Grafik 35" descr="Ein Bild, das Screenshot, Schwarz enthält.&#10;&#10;Automatisch generierte Beschreibung">
+              <a:extLst>
+                <a:ext uri="{FF2B5EF4-FFF2-40B4-BE49-F238E27FC236}">
+                  <a16:creationId xmlns:a16="http://schemas.microsoft.com/office/drawing/2014/main" id="{888597FE-D995-8BD1-0E5F-131A1420BD0F}"/>
+                </a:ext>
+              </a:extLst>
+            </p:cNvPr>
+            <p:cNvPicPr>
+              <a:picLocks noChangeAspect="1"/>
+            </p:cNvPicPr>
+            <p:nvPr/>
+          </p:nvPicPr>
+          <p:blipFill>
+            <a:blip r:embed="rId5">
+              <a:extLst>
+                <a:ext uri="{28A0092B-C50C-407E-A947-70E740481C1C}">
+                  <a14:useLocalDpi xmlns:a14="http://schemas.microsoft.com/office/drawing/2010/main" val="0"/>
+                </a:ext>
+              </a:extLst>
+            </a:blip>
+            <a:stretch>
+              <a:fillRect/>
+            </a:stretch>
+          </p:blipFill>
+          <p:spPr>
+            <a:xfrm>
+              <a:off x="3996000" y="19709"/>
+              <a:ext cx="3996000" cy="3330000"/>
+            </a:xfrm>
+            <a:prstGeom prst="rect">
+              <a:avLst/>
+            </a:prstGeom>
+            <a:ln>
+              <a:noFill/>
+            </a:ln>
+          </p:spPr>
+        </p:pic>
+        <p:pic>
+          <p:nvPicPr>
+            <p:cNvPr id="38" name="Grafik 37" descr="Ein Bild, das Screenshot, Schwarz enthält.&#10;&#10;Automatisch generierte Beschreibung">
+              <a:extLst>
+                <a:ext uri="{FF2B5EF4-FFF2-40B4-BE49-F238E27FC236}">
+                  <a16:creationId xmlns:a16="http://schemas.microsoft.com/office/drawing/2014/main" id="{E133E7B7-126C-2C97-E408-7953AF69E1D7}"/>
+                </a:ext>
+              </a:extLst>
+            </p:cNvPr>
+            <p:cNvPicPr>
+              <a:picLocks noChangeAspect="1"/>
+            </p:cNvPicPr>
+            <p:nvPr/>
+          </p:nvPicPr>
+          <p:blipFill>
+            <a:blip r:embed="rId6">
+              <a:extLst>
+                <a:ext uri="{28A0092B-C50C-407E-A947-70E740481C1C}">
+                  <a14:useLocalDpi xmlns:a14="http://schemas.microsoft.com/office/drawing/2010/main" val="0"/>
+                </a:ext>
+              </a:extLst>
+            </a:blip>
+            <a:stretch>
+              <a:fillRect/>
+            </a:stretch>
+          </p:blipFill>
+          <p:spPr>
+            <a:xfrm>
+              <a:off x="0" y="3349709"/>
+              <a:ext cx="3996000" cy="3330000"/>
+            </a:xfrm>
+            <a:prstGeom prst="rect">
+              <a:avLst/>
+            </a:prstGeom>
+            <a:ln>
+              <a:noFill/>
+            </a:ln>
+          </p:spPr>
+        </p:pic>
+        <p:pic>
+          <p:nvPicPr>
+            <p:cNvPr id="40" name="Grafik 39" descr="Ein Bild, das Screenshot, Schwarz enthält.&#10;&#10;Automatisch generierte Beschreibung">
+              <a:extLst>
+                <a:ext uri="{FF2B5EF4-FFF2-40B4-BE49-F238E27FC236}">
+                  <a16:creationId xmlns:a16="http://schemas.microsoft.com/office/drawing/2014/main" id="{E50DB893-79D3-CF83-6ADF-A95B1D0C0F6F}"/>
+                </a:ext>
+              </a:extLst>
+            </p:cNvPr>
+            <p:cNvPicPr>
+              <a:picLocks noChangeAspect="1"/>
+            </p:cNvPicPr>
+            <p:nvPr/>
+          </p:nvPicPr>
+          <p:blipFill>
+            <a:blip r:embed="rId7">
+              <a:extLst>
+                <a:ext uri="{28A0092B-C50C-407E-A947-70E740481C1C}">
+                  <a14:useLocalDpi xmlns:a14="http://schemas.microsoft.com/office/drawing/2010/main" val="0"/>
+                </a:ext>
+              </a:extLst>
+            </a:blip>
+            <a:stretch>
+              <a:fillRect/>
+            </a:stretch>
+          </p:blipFill>
+          <p:spPr>
+            <a:xfrm>
+              <a:off x="0" y="19709"/>
+              <a:ext cx="3996000" cy="3330000"/>
+            </a:xfrm>
+            <a:prstGeom prst="rect">
+              <a:avLst/>
+            </a:prstGeom>
+            <a:ln>
+              <a:noFill/>
+            </a:ln>
+          </p:spPr>
+        </p:pic>
+        <p:pic>
+          <p:nvPicPr>
+            <p:cNvPr id="42" name="Grafik 41" descr="Ein Bild, das Screenshot enthält.&#10;&#10;Automatisch generierte Beschreibung">
+              <a:extLst>
+                <a:ext uri="{FF2B5EF4-FFF2-40B4-BE49-F238E27FC236}">
+                  <a16:creationId xmlns:a16="http://schemas.microsoft.com/office/drawing/2014/main" id="{C69EE3EC-0302-81C9-057C-1D2BD306627A}"/>
+                </a:ext>
+              </a:extLst>
+            </p:cNvPr>
+            <p:cNvPicPr>
+              <a:picLocks noChangeAspect="1"/>
+            </p:cNvPicPr>
+            <p:nvPr/>
+          </p:nvPicPr>
+          <p:blipFill>
+            <a:blip r:embed="rId8">
+              <a:extLst>
+                <a:ext uri="{28A0092B-C50C-407E-A947-70E740481C1C}">
+                  <a14:useLocalDpi xmlns:a14="http://schemas.microsoft.com/office/drawing/2010/main" val="0"/>
+                </a:ext>
+              </a:extLst>
+            </a:blip>
+            <a:stretch>
+              <a:fillRect/>
+            </a:stretch>
+          </p:blipFill>
+          <p:spPr>
+            <a:xfrm>
+              <a:off x="3996000" y="3349709"/>
+              <a:ext cx="3996000" cy="3330000"/>
+            </a:xfrm>
+            <a:prstGeom prst="rect">
+              <a:avLst/>
+            </a:prstGeom>
+            <a:ln>
+              <a:noFill/>
+            </a:ln>
+          </p:spPr>
+        </p:pic>
+      </p:grpSp>
     </p:spTree>
     <p:extLst>
       <p:ext uri="{BB962C8B-B14F-4D97-AF65-F5344CB8AC3E}">

--- a/ML_model/plots/all.pptx
+++ b/ML_model/plots/all.pptx
@@ -2,20 +2,18 @@
 <file path=ppt/presentation.xml><?xml version="1.0" encoding="utf-8"?>
 <p:presentation xmlns:a="http://schemas.openxmlformats.org/drawingml/2006/main" xmlns:r="http://schemas.openxmlformats.org/officeDocument/2006/relationships" xmlns:p="http://schemas.openxmlformats.org/presentationml/2006/main" saveSubsetFonts="1">
   <p:sldMasterIdLst>
-    <p:sldMasterId id="2147483648" r:id="rId1"/>
+    <p:sldMasterId id="2147483660" r:id="rId1"/>
   </p:sldMasterIdLst>
   <p:sldIdLst>
-    <p:sldId id="259" r:id="rId2"/>
-    <p:sldId id="261" r:id="rId3"/>
-    <p:sldId id="262" r:id="rId4"/>
+    <p:sldId id="262" r:id="rId2"/>
   </p:sldIdLst>
-  <p:sldSz cx="12192000" cy="6858000"/>
+  <p:sldSz cx="6858000" cy="12192000"/>
   <p:notesSz cx="6858000" cy="9144000"/>
   <p:defaultTextStyle>
     <a:defPPr>
       <a:defRPr lang="en-US"/>
     </a:defPPr>
-    <a:lvl1pPr marL="0" algn="l" defTabSz="914400" rtl="0" eaLnBrk="1" latinLnBrk="0" hangingPunct="1">
+    <a:lvl1pPr marL="0" algn="l" defTabSz="457200" rtl="0" eaLnBrk="1" latinLnBrk="0" hangingPunct="1">
       <a:defRPr sz="1800" kern="1200">
         <a:solidFill>
           <a:schemeClr val="tx1"/>
@@ -25,7 +23,7 @@
         <a:cs typeface="+mn-cs"/>
       </a:defRPr>
     </a:lvl1pPr>
-    <a:lvl2pPr marL="457200" algn="l" defTabSz="914400" rtl="0" eaLnBrk="1" latinLnBrk="0" hangingPunct="1">
+    <a:lvl2pPr marL="457200" algn="l" defTabSz="457200" rtl="0" eaLnBrk="1" latinLnBrk="0" hangingPunct="1">
       <a:defRPr sz="1800" kern="1200">
         <a:solidFill>
           <a:schemeClr val="tx1"/>
@@ -35,7 +33,7 @@
         <a:cs typeface="+mn-cs"/>
       </a:defRPr>
     </a:lvl2pPr>
-    <a:lvl3pPr marL="914400" algn="l" defTabSz="914400" rtl="0" eaLnBrk="1" latinLnBrk="0" hangingPunct="1">
+    <a:lvl3pPr marL="914400" algn="l" defTabSz="457200" rtl="0" eaLnBrk="1" latinLnBrk="0" hangingPunct="1">
       <a:defRPr sz="1800" kern="1200">
         <a:solidFill>
           <a:schemeClr val="tx1"/>
@@ -45,7 +43,7 @@
         <a:cs typeface="+mn-cs"/>
       </a:defRPr>
     </a:lvl3pPr>
-    <a:lvl4pPr marL="1371600" algn="l" defTabSz="914400" rtl="0" eaLnBrk="1" latinLnBrk="0" hangingPunct="1">
+    <a:lvl4pPr marL="1371600" algn="l" defTabSz="457200" rtl="0" eaLnBrk="1" latinLnBrk="0" hangingPunct="1">
       <a:defRPr sz="1800" kern="1200">
         <a:solidFill>
           <a:schemeClr val="tx1"/>
@@ -55,7 +53,7 @@
         <a:cs typeface="+mn-cs"/>
       </a:defRPr>
     </a:lvl4pPr>
-    <a:lvl5pPr marL="1828800" algn="l" defTabSz="914400" rtl="0" eaLnBrk="1" latinLnBrk="0" hangingPunct="1">
+    <a:lvl5pPr marL="1828800" algn="l" defTabSz="457200" rtl="0" eaLnBrk="1" latinLnBrk="0" hangingPunct="1">
       <a:defRPr sz="1800" kern="1200">
         <a:solidFill>
           <a:schemeClr val="tx1"/>
@@ -65,7 +63,7 @@
         <a:cs typeface="+mn-cs"/>
       </a:defRPr>
     </a:lvl5pPr>
-    <a:lvl6pPr marL="2286000" algn="l" defTabSz="914400" rtl="0" eaLnBrk="1" latinLnBrk="0" hangingPunct="1">
+    <a:lvl6pPr marL="2286000" algn="l" defTabSz="457200" rtl="0" eaLnBrk="1" latinLnBrk="0" hangingPunct="1">
       <a:defRPr sz="1800" kern="1200">
         <a:solidFill>
           <a:schemeClr val="tx1"/>
@@ -75,7 +73,7 @@
         <a:cs typeface="+mn-cs"/>
       </a:defRPr>
     </a:lvl6pPr>
-    <a:lvl7pPr marL="2743200" algn="l" defTabSz="914400" rtl="0" eaLnBrk="1" latinLnBrk="0" hangingPunct="1">
+    <a:lvl7pPr marL="2743200" algn="l" defTabSz="457200" rtl="0" eaLnBrk="1" latinLnBrk="0" hangingPunct="1">
       <a:defRPr sz="1800" kern="1200">
         <a:solidFill>
           <a:schemeClr val="tx1"/>
@@ -85,7 +83,7 @@
         <a:cs typeface="+mn-cs"/>
       </a:defRPr>
     </a:lvl7pPr>
-    <a:lvl8pPr marL="3200400" algn="l" defTabSz="914400" rtl="0" eaLnBrk="1" latinLnBrk="0" hangingPunct="1">
+    <a:lvl8pPr marL="3200400" algn="l" defTabSz="457200" rtl="0" eaLnBrk="1" latinLnBrk="0" hangingPunct="1">
       <a:defRPr sz="1800" kern="1200">
         <a:solidFill>
           <a:schemeClr val="tx1"/>
@@ -95,7 +93,7 @@
         <a:cs typeface="+mn-cs"/>
       </a:defRPr>
     </a:lvl8pPr>
-    <a:lvl9pPr marL="3657600" algn="l" defTabSz="914400" rtl="0" eaLnBrk="1" latinLnBrk="0" hangingPunct="1">
+    <a:lvl9pPr marL="3657600" algn="l" defTabSz="457200" rtl="0" eaLnBrk="1" latinLnBrk="0" hangingPunct="1">
       <a:defRPr sz="1800" kern="1200">
         <a:solidFill>
           <a:schemeClr val="tx1"/>
@@ -133,13 +131,7 @@
       </p:grpSpPr>
       <p:sp>
         <p:nvSpPr>
-          <p:cNvPr id="2" name="Titel 1">
-            <a:extLst>
-              <a:ext uri="{FF2B5EF4-FFF2-40B4-BE49-F238E27FC236}">
-                <a16:creationId xmlns:a16="http://schemas.microsoft.com/office/drawing/2014/main" id="{AB299CB5-5608-2D2A-6730-30A44BCEF5B7}"/>
-              </a:ext>
-            </a:extLst>
-          </p:cNvPr>
+          <p:cNvPr id="2" name="Title 1"/>
           <p:cNvSpPr>
             <a:spLocks noGrp="1"/>
           </p:cNvSpPr>
@@ -149,15 +141,15 @@
         </p:nvSpPr>
         <p:spPr>
           <a:xfrm>
-            <a:off x="1524000" y="1122363"/>
-            <a:ext cx="9144000" cy="2387600"/>
+            <a:off x="514350" y="1995312"/>
+            <a:ext cx="5829300" cy="4244622"/>
           </a:xfrm>
         </p:spPr>
         <p:txBody>
           <a:bodyPr anchor="b"/>
           <a:lstStyle>
             <a:lvl1pPr algn="ctr">
-              <a:defRPr sz="6000"/>
+              <a:defRPr sz="4500"/>
             </a:lvl1pPr>
           </a:lstStyle>
           <a:p>
@@ -165,19 +157,13 @@
               <a:rPr lang="de-DE"/>
               <a:t>Mastertitelformat bearbeiten</a:t>
             </a:r>
-            <a:endParaRPr lang="en-GB"/>
-          </a:p>
-        </p:txBody>
-      </p:sp>
-      <p:sp>
-        <p:nvSpPr>
-          <p:cNvPr id="3" name="Untertitel 2">
-            <a:extLst>
-              <a:ext uri="{FF2B5EF4-FFF2-40B4-BE49-F238E27FC236}">
-                <a16:creationId xmlns:a16="http://schemas.microsoft.com/office/drawing/2014/main" id="{F55713FE-3C93-F9C2-AB6C-D9499510E3C6}"/>
-              </a:ext>
-            </a:extLst>
-          </p:cNvPr>
+            <a:endParaRPr lang="en-US" dirty="0"/>
+          </a:p>
+        </p:txBody>
+      </p:sp>
+      <p:sp>
+        <p:nvSpPr>
+          <p:cNvPr id="3" name="Subtitle 2"/>
           <p:cNvSpPr>
             <a:spLocks noGrp="1"/>
           </p:cNvSpPr>
@@ -187,8 +173,8 @@
         </p:nvSpPr>
         <p:spPr>
           <a:xfrm>
-            <a:off x="1524000" y="3602038"/>
-            <a:ext cx="9144000" cy="1655762"/>
+            <a:off x="857250" y="6403623"/>
+            <a:ext cx="5143500" cy="2943577"/>
           </a:xfrm>
         </p:spPr>
         <p:txBody>
@@ -196,39 +182,39 @@
           <a:lstStyle>
             <a:lvl1pPr marL="0" indent="0" algn="ctr">
               <a:buNone/>
-              <a:defRPr sz="2400"/>
+              <a:defRPr sz="1800"/>
             </a:lvl1pPr>
-            <a:lvl2pPr marL="457200" indent="0" algn="ctr">
-              <a:buNone/>
-              <a:defRPr sz="2000"/>
+            <a:lvl2pPr marL="342900" indent="0" algn="ctr">
+              <a:buNone/>
+              <a:defRPr sz="1500"/>
             </a:lvl2pPr>
-            <a:lvl3pPr marL="914400" indent="0" algn="ctr">
-              <a:buNone/>
-              <a:defRPr sz="1800"/>
+            <a:lvl3pPr marL="685800" indent="0" algn="ctr">
+              <a:buNone/>
+              <a:defRPr sz="1350"/>
             </a:lvl3pPr>
-            <a:lvl4pPr marL="1371600" indent="0" algn="ctr">
-              <a:buNone/>
-              <a:defRPr sz="1600"/>
+            <a:lvl4pPr marL="1028700" indent="0" algn="ctr">
+              <a:buNone/>
+              <a:defRPr sz="1200"/>
             </a:lvl4pPr>
-            <a:lvl5pPr marL="1828800" indent="0" algn="ctr">
-              <a:buNone/>
-              <a:defRPr sz="1600"/>
+            <a:lvl5pPr marL="1371600" indent="0" algn="ctr">
+              <a:buNone/>
+              <a:defRPr sz="1200"/>
             </a:lvl5pPr>
-            <a:lvl6pPr marL="2286000" indent="0" algn="ctr">
-              <a:buNone/>
-              <a:defRPr sz="1600"/>
+            <a:lvl6pPr marL="1714500" indent="0" algn="ctr">
+              <a:buNone/>
+              <a:defRPr sz="1200"/>
             </a:lvl6pPr>
-            <a:lvl7pPr marL="2743200" indent="0" algn="ctr">
-              <a:buNone/>
-              <a:defRPr sz="1600"/>
+            <a:lvl7pPr marL="2057400" indent="0" algn="ctr">
+              <a:buNone/>
+              <a:defRPr sz="1200"/>
             </a:lvl7pPr>
-            <a:lvl8pPr marL="3200400" indent="0" algn="ctr">
-              <a:buNone/>
-              <a:defRPr sz="1600"/>
+            <a:lvl8pPr marL="2400300" indent="0" algn="ctr">
+              <a:buNone/>
+              <a:defRPr sz="1200"/>
             </a:lvl8pPr>
-            <a:lvl9pPr marL="3657600" indent="0" algn="ctr">
-              <a:buNone/>
-              <a:defRPr sz="1600"/>
+            <a:lvl9pPr marL="2743200" indent="0" algn="ctr">
+              <a:buNone/>
+              <a:defRPr sz="1200"/>
             </a:lvl9pPr>
           </a:lstStyle>
           <a:p>
@@ -236,19 +222,13 @@
               <a:rPr lang="de-DE"/>
               <a:t>Master-Untertitelformat bearbeiten</a:t>
             </a:r>
-            <a:endParaRPr lang="en-GB"/>
-          </a:p>
-        </p:txBody>
-      </p:sp>
-      <p:sp>
-        <p:nvSpPr>
-          <p:cNvPr id="4" name="Datumsplatzhalter 3">
-            <a:extLst>
-              <a:ext uri="{FF2B5EF4-FFF2-40B4-BE49-F238E27FC236}">
-                <a16:creationId xmlns:a16="http://schemas.microsoft.com/office/drawing/2014/main" id="{5CF30CE2-CEA1-6D56-13D3-FD91506FB773}"/>
-              </a:ext>
-            </a:extLst>
-          </p:cNvPr>
+            <a:endParaRPr lang="en-US" dirty="0"/>
+          </a:p>
+        </p:txBody>
+      </p:sp>
+      <p:sp>
+        <p:nvSpPr>
+          <p:cNvPr id="4" name="Date Placeholder 3"/>
           <p:cNvSpPr>
             <a:spLocks noGrp="1"/>
           </p:cNvSpPr>
@@ -263,7 +243,7 @@
           <a:p>
             <a:fld id="{50106A6C-E9D6-4563-82A6-B42DDFFCA66C}" type="datetimeFigureOut">
               <a:rPr lang="en-GB" smtClean="0"/>
-              <a:t>17/12/2023</a:t>
+              <a:t>20/12/2023</a:t>
             </a:fld>
             <a:endParaRPr lang="en-GB"/>
           </a:p>
@@ -271,13 +251,7 @@
       </p:sp>
       <p:sp>
         <p:nvSpPr>
-          <p:cNvPr id="5" name="Fußzeilenplatzhalter 4">
-            <a:extLst>
-              <a:ext uri="{FF2B5EF4-FFF2-40B4-BE49-F238E27FC236}">
-                <a16:creationId xmlns:a16="http://schemas.microsoft.com/office/drawing/2014/main" id="{5DF52660-441C-9B42-F115-08CCBAB539DF}"/>
-              </a:ext>
-            </a:extLst>
-          </p:cNvPr>
+          <p:cNvPr id="5" name="Footer Placeholder 4"/>
           <p:cNvSpPr>
             <a:spLocks noGrp="1"/>
           </p:cNvSpPr>
@@ -296,13 +270,7 @@
       </p:sp>
       <p:sp>
         <p:nvSpPr>
-          <p:cNvPr id="6" name="Foliennummernplatzhalter 5">
-            <a:extLst>
-              <a:ext uri="{FF2B5EF4-FFF2-40B4-BE49-F238E27FC236}">
-                <a16:creationId xmlns:a16="http://schemas.microsoft.com/office/drawing/2014/main" id="{06FB2A0C-4321-A517-7389-F7A4FEAB821C}"/>
-              </a:ext>
-            </a:extLst>
-          </p:cNvPr>
+          <p:cNvPr id="6" name="Slide Number Placeholder 5"/>
           <p:cNvSpPr>
             <a:spLocks noGrp="1"/>
           </p:cNvSpPr>
@@ -326,7 +294,7 @@
     </p:spTree>
     <p:extLst>
       <p:ext uri="{BB962C8B-B14F-4D97-AF65-F5344CB8AC3E}">
-        <p14:creationId xmlns:p14="http://schemas.microsoft.com/office/powerpoint/2010/main" val="3113082045"/>
+        <p14:creationId xmlns:p14="http://schemas.microsoft.com/office/powerpoint/2010/main" val="2947405858"/>
       </p:ext>
     </p:extLst>
   </p:cSld>
@@ -355,13 +323,7 @@
       </p:grpSpPr>
       <p:sp>
         <p:nvSpPr>
-          <p:cNvPr id="2" name="Titel 1">
-            <a:extLst>
-              <a:ext uri="{FF2B5EF4-FFF2-40B4-BE49-F238E27FC236}">
-                <a16:creationId xmlns:a16="http://schemas.microsoft.com/office/drawing/2014/main" id="{48E70B96-37CD-05C6-F2EC-BFC85C1B7E13}"/>
-              </a:ext>
-            </a:extLst>
-          </p:cNvPr>
+          <p:cNvPr id="2" name="Title 1"/>
           <p:cNvSpPr>
             <a:spLocks noGrp="1"/>
           </p:cNvSpPr>
@@ -378,19 +340,13 @@
               <a:rPr lang="de-DE"/>
               <a:t>Mastertitelformat bearbeiten</a:t>
             </a:r>
-            <a:endParaRPr lang="en-GB"/>
-          </a:p>
-        </p:txBody>
-      </p:sp>
-      <p:sp>
-        <p:nvSpPr>
-          <p:cNvPr id="3" name="Vertikaler Textplatzhalter 2">
-            <a:extLst>
-              <a:ext uri="{FF2B5EF4-FFF2-40B4-BE49-F238E27FC236}">
-                <a16:creationId xmlns:a16="http://schemas.microsoft.com/office/drawing/2014/main" id="{0B83B34C-1F23-7758-2195-5EDA0CBD41D6}"/>
-              </a:ext>
-            </a:extLst>
-          </p:cNvPr>
+            <a:endParaRPr lang="en-US" dirty="0"/>
+          </a:p>
+        </p:txBody>
+      </p:sp>
+      <p:sp>
+        <p:nvSpPr>
+          <p:cNvPr id="3" name="Vertical Text Placeholder 2"/>
           <p:cNvSpPr>
             <a:spLocks noGrp="1"/>
           </p:cNvSpPr>
@@ -436,19 +392,13 @@
               <a:rPr lang="de-DE"/>
               <a:t>Fünfte Ebene</a:t>
             </a:r>
-            <a:endParaRPr lang="en-GB"/>
-          </a:p>
-        </p:txBody>
-      </p:sp>
-      <p:sp>
-        <p:nvSpPr>
-          <p:cNvPr id="4" name="Datumsplatzhalter 3">
-            <a:extLst>
-              <a:ext uri="{FF2B5EF4-FFF2-40B4-BE49-F238E27FC236}">
-                <a16:creationId xmlns:a16="http://schemas.microsoft.com/office/drawing/2014/main" id="{6B23E25A-3B02-4398-D51E-D1F571BA2D08}"/>
-              </a:ext>
-            </a:extLst>
-          </p:cNvPr>
+            <a:endParaRPr lang="en-US" dirty="0"/>
+          </a:p>
+        </p:txBody>
+      </p:sp>
+      <p:sp>
+        <p:nvSpPr>
+          <p:cNvPr id="4" name="Date Placeholder 3"/>
           <p:cNvSpPr>
             <a:spLocks noGrp="1"/>
           </p:cNvSpPr>
@@ -463,7 +413,7 @@
           <a:p>
             <a:fld id="{50106A6C-E9D6-4563-82A6-B42DDFFCA66C}" type="datetimeFigureOut">
               <a:rPr lang="en-GB" smtClean="0"/>
-              <a:t>17/12/2023</a:t>
+              <a:t>20/12/2023</a:t>
             </a:fld>
             <a:endParaRPr lang="en-GB"/>
           </a:p>
@@ -471,13 +421,7 @@
       </p:sp>
       <p:sp>
         <p:nvSpPr>
-          <p:cNvPr id="5" name="Fußzeilenplatzhalter 4">
-            <a:extLst>
-              <a:ext uri="{FF2B5EF4-FFF2-40B4-BE49-F238E27FC236}">
-                <a16:creationId xmlns:a16="http://schemas.microsoft.com/office/drawing/2014/main" id="{18ACE442-FA64-F07C-E5EE-72A67F2590B5}"/>
-              </a:ext>
-            </a:extLst>
-          </p:cNvPr>
+          <p:cNvPr id="5" name="Footer Placeholder 4"/>
           <p:cNvSpPr>
             <a:spLocks noGrp="1"/>
           </p:cNvSpPr>
@@ -496,13 +440,7 @@
       </p:sp>
       <p:sp>
         <p:nvSpPr>
-          <p:cNvPr id="6" name="Foliennummernplatzhalter 5">
-            <a:extLst>
-              <a:ext uri="{FF2B5EF4-FFF2-40B4-BE49-F238E27FC236}">
-                <a16:creationId xmlns:a16="http://schemas.microsoft.com/office/drawing/2014/main" id="{58E3A0E0-1FEB-39ED-1131-C8720DF57C52}"/>
-              </a:ext>
-            </a:extLst>
-          </p:cNvPr>
+          <p:cNvPr id="6" name="Slide Number Placeholder 5"/>
           <p:cNvSpPr>
             <a:spLocks noGrp="1"/>
           </p:cNvSpPr>
@@ -526,7 +464,7 @@
     </p:spTree>
     <p:extLst>
       <p:ext uri="{BB962C8B-B14F-4D97-AF65-F5344CB8AC3E}">
-        <p14:creationId xmlns:p14="http://schemas.microsoft.com/office/powerpoint/2010/main" val="379279724"/>
+        <p14:creationId xmlns:p14="http://schemas.microsoft.com/office/powerpoint/2010/main" val="594071717"/>
       </p:ext>
     </p:extLst>
   </p:cSld>
@@ -555,13 +493,7 @@
       </p:grpSpPr>
       <p:sp>
         <p:nvSpPr>
-          <p:cNvPr id="2" name="Vertikaler Titel 1">
-            <a:extLst>
-              <a:ext uri="{FF2B5EF4-FFF2-40B4-BE49-F238E27FC236}">
-                <a16:creationId xmlns:a16="http://schemas.microsoft.com/office/drawing/2014/main" id="{D2495E7E-63D5-16AA-E49A-92009CC63456}"/>
-              </a:ext>
-            </a:extLst>
-          </p:cNvPr>
+          <p:cNvPr id="2" name="Vertical Title 1"/>
           <p:cNvSpPr>
             <a:spLocks noGrp="1"/>
           </p:cNvSpPr>
@@ -571,8 +503,8 @@
         </p:nvSpPr>
         <p:spPr>
           <a:xfrm>
-            <a:off x="8724900" y="365125"/>
-            <a:ext cx="2628900" cy="5811838"/>
+            <a:off x="4907757" y="649111"/>
+            <a:ext cx="1478756" cy="10332156"/>
           </a:xfrm>
         </p:spPr>
         <p:txBody>
@@ -583,19 +515,13 @@
               <a:rPr lang="de-DE"/>
               <a:t>Mastertitelformat bearbeiten</a:t>
             </a:r>
-            <a:endParaRPr lang="en-GB"/>
-          </a:p>
-        </p:txBody>
-      </p:sp>
-      <p:sp>
-        <p:nvSpPr>
-          <p:cNvPr id="3" name="Vertikaler Textplatzhalter 2">
-            <a:extLst>
-              <a:ext uri="{FF2B5EF4-FFF2-40B4-BE49-F238E27FC236}">
-                <a16:creationId xmlns:a16="http://schemas.microsoft.com/office/drawing/2014/main" id="{0C02A9DF-5A4F-46BB-812E-35C98BA8808B}"/>
-              </a:ext>
-            </a:extLst>
-          </p:cNvPr>
+            <a:endParaRPr lang="en-US" dirty="0"/>
+          </a:p>
+        </p:txBody>
+      </p:sp>
+      <p:sp>
+        <p:nvSpPr>
+          <p:cNvPr id="3" name="Vertical Text Placeholder 2"/>
           <p:cNvSpPr>
             <a:spLocks noGrp="1"/>
           </p:cNvSpPr>
@@ -605,8 +531,8 @@
         </p:nvSpPr>
         <p:spPr>
           <a:xfrm>
-            <a:off x="838200" y="365125"/>
-            <a:ext cx="7734300" cy="5811838"/>
+            <a:off x="471488" y="649111"/>
+            <a:ext cx="4350544" cy="10332156"/>
           </a:xfrm>
         </p:spPr>
         <p:txBody>
@@ -646,19 +572,13 @@
               <a:rPr lang="de-DE"/>
               <a:t>Fünfte Ebene</a:t>
             </a:r>
-            <a:endParaRPr lang="en-GB"/>
-          </a:p>
-        </p:txBody>
-      </p:sp>
-      <p:sp>
-        <p:nvSpPr>
-          <p:cNvPr id="4" name="Datumsplatzhalter 3">
-            <a:extLst>
-              <a:ext uri="{FF2B5EF4-FFF2-40B4-BE49-F238E27FC236}">
-                <a16:creationId xmlns:a16="http://schemas.microsoft.com/office/drawing/2014/main" id="{0998A87D-24A2-22DC-9045-D4774C484A18}"/>
-              </a:ext>
-            </a:extLst>
-          </p:cNvPr>
+            <a:endParaRPr lang="en-US" dirty="0"/>
+          </a:p>
+        </p:txBody>
+      </p:sp>
+      <p:sp>
+        <p:nvSpPr>
+          <p:cNvPr id="4" name="Date Placeholder 3"/>
           <p:cNvSpPr>
             <a:spLocks noGrp="1"/>
           </p:cNvSpPr>
@@ -673,7 +593,7 @@
           <a:p>
             <a:fld id="{50106A6C-E9D6-4563-82A6-B42DDFFCA66C}" type="datetimeFigureOut">
               <a:rPr lang="en-GB" smtClean="0"/>
-              <a:t>17/12/2023</a:t>
+              <a:t>20/12/2023</a:t>
             </a:fld>
             <a:endParaRPr lang="en-GB"/>
           </a:p>
@@ -681,13 +601,7 @@
       </p:sp>
       <p:sp>
         <p:nvSpPr>
-          <p:cNvPr id="5" name="Fußzeilenplatzhalter 4">
-            <a:extLst>
-              <a:ext uri="{FF2B5EF4-FFF2-40B4-BE49-F238E27FC236}">
-                <a16:creationId xmlns:a16="http://schemas.microsoft.com/office/drawing/2014/main" id="{11BC4408-4B5B-02BC-0CD4-789E7F04DC36}"/>
-              </a:ext>
-            </a:extLst>
-          </p:cNvPr>
+          <p:cNvPr id="5" name="Footer Placeholder 4"/>
           <p:cNvSpPr>
             <a:spLocks noGrp="1"/>
           </p:cNvSpPr>
@@ -706,13 +620,7 @@
       </p:sp>
       <p:sp>
         <p:nvSpPr>
-          <p:cNvPr id="6" name="Foliennummernplatzhalter 5">
-            <a:extLst>
-              <a:ext uri="{FF2B5EF4-FFF2-40B4-BE49-F238E27FC236}">
-                <a16:creationId xmlns:a16="http://schemas.microsoft.com/office/drawing/2014/main" id="{75F3BB2E-15C9-8574-A6B5-558F580C47C8}"/>
-              </a:ext>
-            </a:extLst>
-          </p:cNvPr>
+          <p:cNvPr id="6" name="Slide Number Placeholder 5"/>
           <p:cNvSpPr>
             <a:spLocks noGrp="1"/>
           </p:cNvSpPr>
@@ -736,7 +644,7 @@
     </p:spTree>
     <p:extLst>
       <p:ext uri="{BB962C8B-B14F-4D97-AF65-F5344CB8AC3E}">
-        <p14:creationId xmlns:p14="http://schemas.microsoft.com/office/powerpoint/2010/main" val="1215743148"/>
+        <p14:creationId xmlns:p14="http://schemas.microsoft.com/office/powerpoint/2010/main" val="4036219532"/>
       </p:ext>
     </p:extLst>
   </p:cSld>
@@ -765,13 +673,7 @@
       </p:grpSpPr>
       <p:sp>
         <p:nvSpPr>
-          <p:cNvPr id="2" name="Titel 1">
-            <a:extLst>
-              <a:ext uri="{FF2B5EF4-FFF2-40B4-BE49-F238E27FC236}">
-                <a16:creationId xmlns:a16="http://schemas.microsoft.com/office/drawing/2014/main" id="{C2681856-90DF-03E4-54EA-2BFBB591A773}"/>
-              </a:ext>
-            </a:extLst>
-          </p:cNvPr>
+          <p:cNvPr id="2" name="Title 1"/>
           <p:cNvSpPr>
             <a:spLocks noGrp="1"/>
           </p:cNvSpPr>
@@ -788,19 +690,13 @@
               <a:rPr lang="de-DE"/>
               <a:t>Mastertitelformat bearbeiten</a:t>
             </a:r>
-            <a:endParaRPr lang="en-GB"/>
-          </a:p>
-        </p:txBody>
-      </p:sp>
-      <p:sp>
-        <p:nvSpPr>
-          <p:cNvPr id="3" name="Inhaltsplatzhalter 2">
-            <a:extLst>
-              <a:ext uri="{FF2B5EF4-FFF2-40B4-BE49-F238E27FC236}">
-                <a16:creationId xmlns:a16="http://schemas.microsoft.com/office/drawing/2014/main" id="{3A9BF8EA-FD3A-0B15-3D55-F3C2CA496A97}"/>
-              </a:ext>
-            </a:extLst>
-          </p:cNvPr>
+            <a:endParaRPr lang="en-US" dirty="0"/>
+          </a:p>
+        </p:txBody>
+      </p:sp>
+      <p:sp>
+        <p:nvSpPr>
+          <p:cNvPr id="3" name="Content Placeholder 2"/>
           <p:cNvSpPr>
             <a:spLocks noGrp="1"/>
           </p:cNvSpPr>
@@ -846,19 +742,13 @@
               <a:rPr lang="de-DE"/>
               <a:t>Fünfte Ebene</a:t>
             </a:r>
-            <a:endParaRPr lang="en-GB"/>
-          </a:p>
-        </p:txBody>
-      </p:sp>
-      <p:sp>
-        <p:nvSpPr>
-          <p:cNvPr id="4" name="Datumsplatzhalter 3">
-            <a:extLst>
-              <a:ext uri="{FF2B5EF4-FFF2-40B4-BE49-F238E27FC236}">
-                <a16:creationId xmlns:a16="http://schemas.microsoft.com/office/drawing/2014/main" id="{0956BB6C-9AFF-B6E2-3840-489665FBE254}"/>
-              </a:ext>
-            </a:extLst>
-          </p:cNvPr>
+            <a:endParaRPr lang="en-US" dirty="0"/>
+          </a:p>
+        </p:txBody>
+      </p:sp>
+      <p:sp>
+        <p:nvSpPr>
+          <p:cNvPr id="4" name="Date Placeholder 3"/>
           <p:cNvSpPr>
             <a:spLocks noGrp="1"/>
           </p:cNvSpPr>
@@ -873,7 +763,7 @@
           <a:p>
             <a:fld id="{50106A6C-E9D6-4563-82A6-B42DDFFCA66C}" type="datetimeFigureOut">
               <a:rPr lang="en-GB" smtClean="0"/>
-              <a:t>17/12/2023</a:t>
+              <a:t>20/12/2023</a:t>
             </a:fld>
             <a:endParaRPr lang="en-GB"/>
           </a:p>
@@ -881,13 +771,7 @@
       </p:sp>
       <p:sp>
         <p:nvSpPr>
-          <p:cNvPr id="5" name="Fußzeilenplatzhalter 4">
-            <a:extLst>
-              <a:ext uri="{FF2B5EF4-FFF2-40B4-BE49-F238E27FC236}">
-                <a16:creationId xmlns:a16="http://schemas.microsoft.com/office/drawing/2014/main" id="{A48563B4-63F8-D799-9D3B-E972D17BAAD7}"/>
-              </a:ext>
-            </a:extLst>
-          </p:cNvPr>
+          <p:cNvPr id="5" name="Footer Placeholder 4"/>
           <p:cNvSpPr>
             <a:spLocks noGrp="1"/>
           </p:cNvSpPr>
@@ -906,13 +790,7 @@
       </p:sp>
       <p:sp>
         <p:nvSpPr>
-          <p:cNvPr id="6" name="Foliennummernplatzhalter 5">
-            <a:extLst>
-              <a:ext uri="{FF2B5EF4-FFF2-40B4-BE49-F238E27FC236}">
-                <a16:creationId xmlns:a16="http://schemas.microsoft.com/office/drawing/2014/main" id="{C9C5B4D5-E22B-FAA4-FCD1-A6702389B8CB}"/>
-              </a:ext>
-            </a:extLst>
-          </p:cNvPr>
+          <p:cNvPr id="6" name="Slide Number Placeholder 5"/>
           <p:cNvSpPr>
             <a:spLocks noGrp="1"/>
           </p:cNvSpPr>
@@ -936,7 +814,7 @@
     </p:spTree>
     <p:extLst>
       <p:ext uri="{BB962C8B-B14F-4D97-AF65-F5344CB8AC3E}">
-        <p14:creationId xmlns:p14="http://schemas.microsoft.com/office/powerpoint/2010/main" val="4087650884"/>
+        <p14:creationId xmlns:p14="http://schemas.microsoft.com/office/powerpoint/2010/main" val="1920316612"/>
       </p:ext>
     </p:extLst>
   </p:cSld>
@@ -965,13 +843,7 @@
       </p:grpSpPr>
       <p:sp>
         <p:nvSpPr>
-          <p:cNvPr id="2" name="Titel 1">
-            <a:extLst>
-              <a:ext uri="{FF2B5EF4-FFF2-40B4-BE49-F238E27FC236}">
-                <a16:creationId xmlns:a16="http://schemas.microsoft.com/office/drawing/2014/main" id="{7C1104A6-9A94-B78E-BE80-C91ED22D5FFA}"/>
-              </a:ext>
-            </a:extLst>
-          </p:cNvPr>
+          <p:cNvPr id="2" name="Title 1"/>
           <p:cNvSpPr>
             <a:spLocks noGrp="1"/>
           </p:cNvSpPr>
@@ -981,15 +853,15 @@
         </p:nvSpPr>
         <p:spPr>
           <a:xfrm>
-            <a:off x="831850" y="1709738"/>
-            <a:ext cx="10515600" cy="2852737"/>
+            <a:off x="467916" y="3039537"/>
+            <a:ext cx="5915025" cy="5071532"/>
           </a:xfrm>
         </p:spPr>
         <p:txBody>
           <a:bodyPr anchor="b"/>
           <a:lstStyle>
             <a:lvl1pPr>
-              <a:defRPr sz="6000"/>
+              <a:defRPr sz="4500"/>
             </a:lvl1pPr>
           </a:lstStyle>
           <a:p>
@@ -997,19 +869,13 @@
               <a:rPr lang="de-DE"/>
               <a:t>Mastertitelformat bearbeiten</a:t>
             </a:r>
-            <a:endParaRPr lang="en-GB"/>
-          </a:p>
-        </p:txBody>
-      </p:sp>
-      <p:sp>
-        <p:nvSpPr>
-          <p:cNvPr id="3" name="Textplatzhalter 2">
-            <a:extLst>
-              <a:ext uri="{FF2B5EF4-FFF2-40B4-BE49-F238E27FC236}">
-                <a16:creationId xmlns:a16="http://schemas.microsoft.com/office/drawing/2014/main" id="{0E5C4EA5-B3E6-9649-5448-E3E1B7A7BDA7}"/>
-              </a:ext>
-            </a:extLst>
-          </p:cNvPr>
+            <a:endParaRPr lang="en-US" dirty="0"/>
+          </a:p>
+        </p:txBody>
+      </p:sp>
+      <p:sp>
+        <p:nvSpPr>
+          <p:cNvPr id="3" name="Text Placeholder 2"/>
           <p:cNvSpPr>
             <a:spLocks noGrp="1"/>
           </p:cNvSpPr>
@@ -1019,8 +885,8 @@
         </p:nvSpPr>
         <p:spPr>
           <a:xfrm>
-            <a:off x="831850" y="4589463"/>
-            <a:ext cx="10515600" cy="1500187"/>
+            <a:off x="467916" y="8159048"/>
+            <a:ext cx="5915025" cy="2666999"/>
           </a:xfrm>
         </p:spPr>
         <p:txBody>
@@ -1028,17 +894,15 @@
           <a:lstStyle>
             <a:lvl1pPr marL="0" indent="0">
               <a:buNone/>
-              <a:defRPr sz="2400">
+              <a:defRPr sz="1800">
                 <a:solidFill>
-                  <a:schemeClr val="tx1">
-                    <a:tint val="75000"/>
-                  </a:schemeClr>
+                  <a:schemeClr val="tx1"/>
                 </a:solidFill>
               </a:defRPr>
             </a:lvl1pPr>
-            <a:lvl2pPr marL="457200" indent="0">
-              <a:buNone/>
-              <a:defRPr sz="2000">
+            <a:lvl2pPr marL="342900" indent="0">
+              <a:buNone/>
+              <a:defRPr sz="1500">
                 <a:solidFill>
                   <a:schemeClr val="tx1">
                     <a:tint val="75000"/>
@@ -1046,9 +910,9 @@
                 </a:solidFill>
               </a:defRPr>
             </a:lvl2pPr>
-            <a:lvl3pPr marL="914400" indent="0">
-              <a:buNone/>
-              <a:defRPr sz="1800">
+            <a:lvl3pPr marL="685800" indent="0">
+              <a:buNone/>
+              <a:defRPr sz="1350">
                 <a:solidFill>
                   <a:schemeClr val="tx1">
                     <a:tint val="75000"/>
@@ -1056,9 +920,9 @@
                 </a:solidFill>
               </a:defRPr>
             </a:lvl3pPr>
-            <a:lvl4pPr marL="1371600" indent="0">
-              <a:buNone/>
-              <a:defRPr sz="1600">
+            <a:lvl4pPr marL="1028700" indent="0">
+              <a:buNone/>
+              <a:defRPr sz="1200">
                 <a:solidFill>
                   <a:schemeClr val="tx1">
                     <a:tint val="75000"/>
@@ -1066,9 +930,9 @@
                 </a:solidFill>
               </a:defRPr>
             </a:lvl4pPr>
-            <a:lvl5pPr marL="1828800" indent="0">
-              <a:buNone/>
-              <a:defRPr sz="1600">
+            <a:lvl5pPr marL="1371600" indent="0">
+              <a:buNone/>
+              <a:defRPr sz="1200">
                 <a:solidFill>
                   <a:schemeClr val="tx1">
                     <a:tint val="75000"/>
@@ -1076,9 +940,9 @@
                 </a:solidFill>
               </a:defRPr>
             </a:lvl5pPr>
-            <a:lvl6pPr marL="2286000" indent="0">
-              <a:buNone/>
-              <a:defRPr sz="1600">
+            <a:lvl6pPr marL="1714500" indent="0">
+              <a:buNone/>
+              <a:defRPr sz="1200">
                 <a:solidFill>
                   <a:schemeClr val="tx1">
                     <a:tint val="75000"/>
@@ -1086,9 +950,9 @@
                 </a:solidFill>
               </a:defRPr>
             </a:lvl6pPr>
-            <a:lvl7pPr marL="2743200" indent="0">
-              <a:buNone/>
-              <a:defRPr sz="1600">
+            <a:lvl7pPr marL="2057400" indent="0">
+              <a:buNone/>
+              <a:defRPr sz="1200">
                 <a:solidFill>
                   <a:schemeClr val="tx1">
                     <a:tint val="75000"/>
@@ -1096,9 +960,9 @@
                 </a:solidFill>
               </a:defRPr>
             </a:lvl7pPr>
-            <a:lvl8pPr marL="3200400" indent="0">
-              <a:buNone/>
-              <a:defRPr sz="1600">
+            <a:lvl8pPr marL="2400300" indent="0">
+              <a:buNone/>
+              <a:defRPr sz="1200">
                 <a:solidFill>
                   <a:schemeClr val="tx1">
                     <a:tint val="75000"/>
@@ -1106,9 +970,9 @@
                 </a:solidFill>
               </a:defRPr>
             </a:lvl8pPr>
-            <a:lvl9pPr marL="3657600" indent="0">
-              <a:buNone/>
-              <a:defRPr sz="1600">
+            <a:lvl9pPr marL="2743200" indent="0">
+              <a:buNone/>
+              <a:defRPr sz="1200">
                 <a:solidFill>
                   <a:schemeClr val="tx1">
                     <a:tint val="75000"/>
@@ -1128,13 +992,7 @@
       </p:sp>
       <p:sp>
         <p:nvSpPr>
-          <p:cNvPr id="4" name="Datumsplatzhalter 3">
-            <a:extLst>
-              <a:ext uri="{FF2B5EF4-FFF2-40B4-BE49-F238E27FC236}">
-                <a16:creationId xmlns:a16="http://schemas.microsoft.com/office/drawing/2014/main" id="{809E39FE-50CE-ECD5-1782-F0C6A98351CB}"/>
-              </a:ext>
-            </a:extLst>
-          </p:cNvPr>
+          <p:cNvPr id="4" name="Date Placeholder 3"/>
           <p:cNvSpPr>
             <a:spLocks noGrp="1"/>
           </p:cNvSpPr>
@@ -1149,7 +1007,7 @@
           <a:p>
             <a:fld id="{50106A6C-E9D6-4563-82A6-B42DDFFCA66C}" type="datetimeFigureOut">
               <a:rPr lang="en-GB" smtClean="0"/>
-              <a:t>17/12/2023</a:t>
+              <a:t>20/12/2023</a:t>
             </a:fld>
             <a:endParaRPr lang="en-GB"/>
           </a:p>
@@ -1157,13 +1015,7 @@
       </p:sp>
       <p:sp>
         <p:nvSpPr>
-          <p:cNvPr id="5" name="Fußzeilenplatzhalter 4">
-            <a:extLst>
-              <a:ext uri="{FF2B5EF4-FFF2-40B4-BE49-F238E27FC236}">
-                <a16:creationId xmlns:a16="http://schemas.microsoft.com/office/drawing/2014/main" id="{161FD573-AF65-0E42-692B-F6E33ED8AF87}"/>
-              </a:ext>
-            </a:extLst>
-          </p:cNvPr>
+          <p:cNvPr id="5" name="Footer Placeholder 4"/>
           <p:cNvSpPr>
             <a:spLocks noGrp="1"/>
           </p:cNvSpPr>
@@ -1182,13 +1034,7 @@
       </p:sp>
       <p:sp>
         <p:nvSpPr>
-          <p:cNvPr id="6" name="Foliennummernplatzhalter 5">
-            <a:extLst>
-              <a:ext uri="{FF2B5EF4-FFF2-40B4-BE49-F238E27FC236}">
-                <a16:creationId xmlns:a16="http://schemas.microsoft.com/office/drawing/2014/main" id="{013C88D2-60F0-F998-AB8C-0DF20339AA91}"/>
-              </a:ext>
-            </a:extLst>
-          </p:cNvPr>
+          <p:cNvPr id="6" name="Slide Number Placeholder 5"/>
           <p:cNvSpPr>
             <a:spLocks noGrp="1"/>
           </p:cNvSpPr>
@@ -1212,7 +1058,7 @@
     </p:spTree>
     <p:extLst>
       <p:ext uri="{BB962C8B-B14F-4D97-AF65-F5344CB8AC3E}">
-        <p14:creationId xmlns:p14="http://schemas.microsoft.com/office/powerpoint/2010/main" val="270986700"/>
+        <p14:creationId xmlns:p14="http://schemas.microsoft.com/office/powerpoint/2010/main" val="2867631179"/>
       </p:ext>
     </p:extLst>
   </p:cSld>
@@ -1241,13 +1087,7 @@
       </p:grpSpPr>
       <p:sp>
         <p:nvSpPr>
-          <p:cNvPr id="2" name="Titel 1">
-            <a:extLst>
-              <a:ext uri="{FF2B5EF4-FFF2-40B4-BE49-F238E27FC236}">
-                <a16:creationId xmlns:a16="http://schemas.microsoft.com/office/drawing/2014/main" id="{5B82C2FC-89E8-FBCA-F9B3-5030DAA68A9C}"/>
-              </a:ext>
-            </a:extLst>
-          </p:cNvPr>
+          <p:cNvPr id="2" name="Title 1"/>
           <p:cNvSpPr>
             <a:spLocks noGrp="1"/>
           </p:cNvSpPr>
@@ -1264,19 +1104,13 @@
               <a:rPr lang="de-DE"/>
               <a:t>Mastertitelformat bearbeiten</a:t>
             </a:r>
-            <a:endParaRPr lang="en-GB"/>
-          </a:p>
-        </p:txBody>
-      </p:sp>
-      <p:sp>
-        <p:nvSpPr>
-          <p:cNvPr id="3" name="Inhaltsplatzhalter 2">
-            <a:extLst>
-              <a:ext uri="{FF2B5EF4-FFF2-40B4-BE49-F238E27FC236}">
-                <a16:creationId xmlns:a16="http://schemas.microsoft.com/office/drawing/2014/main" id="{BE1D1B43-3882-4B22-AD5C-3BE4A9AE5583}"/>
-              </a:ext>
-            </a:extLst>
-          </p:cNvPr>
+            <a:endParaRPr lang="en-US" dirty="0"/>
+          </a:p>
+        </p:txBody>
+      </p:sp>
+      <p:sp>
+        <p:nvSpPr>
+          <p:cNvPr id="3" name="Content Placeholder 2"/>
           <p:cNvSpPr>
             <a:spLocks noGrp="1"/>
           </p:cNvSpPr>
@@ -1286,8 +1120,8 @@
         </p:nvSpPr>
         <p:spPr>
           <a:xfrm>
-            <a:off x="838200" y="1825625"/>
-            <a:ext cx="5181600" cy="4351338"/>
+            <a:off x="471488" y="3245556"/>
+            <a:ext cx="2914650" cy="7735712"/>
           </a:xfrm>
         </p:spPr>
         <p:txBody>
@@ -1327,19 +1161,13 @@
               <a:rPr lang="de-DE"/>
               <a:t>Fünfte Ebene</a:t>
             </a:r>
-            <a:endParaRPr lang="en-GB"/>
-          </a:p>
-        </p:txBody>
-      </p:sp>
-      <p:sp>
-        <p:nvSpPr>
-          <p:cNvPr id="4" name="Inhaltsplatzhalter 3">
-            <a:extLst>
-              <a:ext uri="{FF2B5EF4-FFF2-40B4-BE49-F238E27FC236}">
-                <a16:creationId xmlns:a16="http://schemas.microsoft.com/office/drawing/2014/main" id="{1A299401-8E64-0C07-A155-D2C00C93AFF9}"/>
-              </a:ext>
-            </a:extLst>
-          </p:cNvPr>
+            <a:endParaRPr lang="en-US" dirty="0"/>
+          </a:p>
+        </p:txBody>
+      </p:sp>
+      <p:sp>
+        <p:nvSpPr>
+          <p:cNvPr id="4" name="Content Placeholder 3"/>
           <p:cNvSpPr>
             <a:spLocks noGrp="1"/>
           </p:cNvSpPr>
@@ -1349,8 +1177,8 @@
         </p:nvSpPr>
         <p:spPr>
           <a:xfrm>
-            <a:off x="6172200" y="1825625"/>
-            <a:ext cx="5181600" cy="4351338"/>
+            <a:off x="3471863" y="3245556"/>
+            <a:ext cx="2914650" cy="7735712"/>
           </a:xfrm>
         </p:spPr>
         <p:txBody>
@@ -1390,19 +1218,13 @@
               <a:rPr lang="de-DE"/>
               <a:t>Fünfte Ebene</a:t>
             </a:r>
-            <a:endParaRPr lang="en-GB"/>
-          </a:p>
-        </p:txBody>
-      </p:sp>
-      <p:sp>
-        <p:nvSpPr>
-          <p:cNvPr id="5" name="Datumsplatzhalter 4">
-            <a:extLst>
-              <a:ext uri="{FF2B5EF4-FFF2-40B4-BE49-F238E27FC236}">
-                <a16:creationId xmlns:a16="http://schemas.microsoft.com/office/drawing/2014/main" id="{AF2557C5-EB10-EE62-97F5-1C64C6E89119}"/>
-              </a:ext>
-            </a:extLst>
-          </p:cNvPr>
+            <a:endParaRPr lang="en-US" dirty="0"/>
+          </a:p>
+        </p:txBody>
+      </p:sp>
+      <p:sp>
+        <p:nvSpPr>
+          <p:cNvPr id="5" name="Date Placeholder 4"/>
           <p:cNvSpPr>
             <a:spLocks noGrp="1"/>
           </p:cNvSpPr>
@@ -1417,7 +1239,7 @@
           <a:p>
             <a:fld id="{50106A6C-E9D6-4563-82A6-B42DDFFCA66C}" type="datetimeFigureOut">
               <a:rPr lang="en-GB" smtClean="0"/>
-              <a:t>17/12/2023</a:t>
+              <a:t>20/12/2023</a:t>
             </a:fld>
             <a:endParaRPr lang="en-GB"/>
           </a:p>
@@ -1425,13 +1247,7 @@
       </p:sp>
       <p:sp>
         <p:nvSpPr>
-          <p:cNvPr id="6" name="Fußzeilenplatzhalter 5">
-            <a:extLst>
-              <a:ext uri="{FF2B5EF4-FFF2-40B4-BE49-F238E27FC236}">
-                <a16:creationId xmlns:a16="http://schemas.microsoft.com/office/drawing/2014/main" id="{34DBAA56-DEBC-ABDA-A1FD-1CE73E41653B}"/>
-              </a:ext>
-            </a:extLst>
-          </p:cNvPr>
+          <p:cNvPr id="6" name="Footer Placeholder 5"/>
           <p:cNvSpPr>
             <a:spLocks noGrp="1"/>
           </p:cNvSpPr>
@@ -1450,13 +1266,7 @@
       </p:sp>
       <p:sp>
         <p:nvSpPr>
-          <p:cNvPr id="7" name="Foliennummernplatzhalter 6">
-            <a:extLst>
-              <a:ext uri="{FF2B5EF4-FFF2-40B4-BE49-F238E27FC236}">
-                <a16:creationId xmlns:a16="http://schemas.microsoft.com/office/drawing/2014/main" id="{69CD9411-B09B-8080-A326-66036445E112}"/>
-              </a:ext>
-            </a:extLst>
-          </p:cNvPr>
+          <p:cNvPr id="7" name="Slide Number Placeholder 6"/>
           <p:cNvSpPr>
             <a:spLocks noGrp="1"/>
           </p:cNvSpPr>
@@ -1480,7 +1290,7 @@
     </p:spTree>
     <p:extLst>
       <p:ext uri="{BB962C8B-B14F-4D97-AF65-F5344CB8AC3E}">
-        <p14:creationId xmlns:p14="http://schemas.microsoft.com/office/powerpoint/2010/main" val="16578108"/>
+        <p14:creationId xmlns:p14="http://schemas.microsoft.com/office/powerpoint/2010/main" val="2527205268"/>
       </p:ext>
     </p:extLst>
   </p:cSld>
@@ -1509,13 +1319,7 @@
       </p:grpSpPr>
       <p:sp>
         <p:nvSpPr>
-          <p:cNvPr id="2" name="Titel 1">
-            <a:extLst>
-              <a:ext uri="{FF2B5EF4-FFF2-40B4-BE49-F238E27FC236}">
-                <a16:creationId xmlns:a16="http://schemas.microsoft.com/office/drawing/2014/main" id="{275DEB0C-E9B2-B84C-9357-C834A51C8BDE}"/>
-              </a:ext>
-            </a:extLst>
-          </p:cNvPr>
+          <p:cNvPr id="2" name="Title 1"/>
           <p:cNvSpPr>
             <a:spLocks noGrp="1"/>
           </p:cNvSpPr>
@@ -1525,8 +1329,8 @@
         </p:nvSpPr>
         <p:spPr>
           <a:xfrm>
-            <a:off x="839788" y="365125"/>
-            <a:ext cx="10515600" cy="1325563"/>
+            <a:off x="472381" y="649114"/>
+            <a:ext cx="5915025" cy="2356556"/>
           </a:xfrm>
         </p:spPr>
         <p:txBody>
@@ -1537,19 +1341,13 @@
               <a:rPr lang="de-DE"/>
               <a:t>Mastertitelformat bearbeiten</a:t>
             </a:r>
-            <a:endParaRPr lang="en-GB"/>
-          </a:p>
-        </p:txBody>
-      </p:sp>
-      <p:sp>
-        <p:nvSpPr>
-          <p:cNvPr id="3" name="Textplatzhalter 2">
-            <a:extLst>
-              <a:ext uri="{FF2B5EF4-FFF2-40B4-BE49-F238E27FC236}">
-                <a16:creationId xmlns:a16="http://schemas.microsoft.com/office/drawing/2014/main" id="{F8007199-9E38-D74A-96F7-3B188550AE4C}"/>
-              </a:ext>
-            </a:extLst>
-          </p:cNvPr>
+            <a:endParaRPr lang="en-US" dirty="0"/>
+          </a:p>
+        </p:txBody>
+      </p:sp>
+      <p:sp>
+        <p:nvSpPr>
+          <p:cNvPr id="3" name="Text Placeholder 2"/>
           <p:cNvSpPr>
             <a:spLocks noGrp="1"/>
           </p:cNvSpPr>
@@ -1559,8 +1357,8 @@
         </p:nvSpPr>
         <p:spPr>
           <a:xfrm>
-            <a:off x="839788" y="1681163"/>
-            <a:ext cx="5157787" cy="823912"/>
+            <a:off x="472381" y="2988734"/>
+            <a:ext cx="2901255" cy="1464732"/>
           </a:xfrm>
         </p:spPr>
         <p:txBody>
@@ -1568,39 +1366,39 @@
           <a:lstStyle>
             <a:lvl1pPr marL="0" indent="0">
               <a:buNone/>
-              <a:defRPr sz="2400" b="1"/>
+              <a:defRPr sz="1800" b="1"/>
             </a:lvl1pPr>
-            <a:lvl2pPr marL="457200" indent="0">
-              <a:buNone/>
-              <a:defRPr sz="2000" b="1"/>
+            <a:lvl2pPr marL="342900" indent="0">
+              <a:buNone/>
+              <a:defRPr sz="1500" b="1"/>
             </a:lvl2pPr>
-            <a:lvl3pPr marL="914400" indent="0">
-              <a:buNone/>
-              <a:defRPr sz="1800" b="1"/>
+            <a:lvl3pPr marL="685800" indent="0">
+              <a:buNone/>
+              <a:defRPr sz="1350" b="1"/>
             </a:lvl3pPr>
-            <a:lvl4pPr marL="1371600" indent="0">
-              <a:buNone/>
-              <a:defRPr sz="1600" b="1"/>
+            <a:lvl4pPr marL="1028700" indent="0">
+              <a:buNone/>
+              <a:defRPr sz="1200" b="1"/>
             </a:lvl4pPr>
-            <a:lvl5pPr marL="1828800" indent="0">
-              <a:buNone/>
-              <a:defRPr sz="1600" b="1"/>
+            <a:lvl5pPr marL="1371600" indent="0">
+              <a:buNone/>
+              <a:defRPr sz="1200" b="1"/>
             </a:lvl5pPr>
-            <a:lvl6pPr marL="2286000" indent="0">
-              <a:buNone/>
-              <a:defRPr sz="1600" b="1"/>
+            <a:lvl6pPr marL="1714500" indent="0">
+              <a:buNone/>
+              <a:defRPr sz="1200" b="1"/>
             </a:lvl6pPr>
-            <a:lvl7pPr marL="2743200" indent="0">
-              <a:buNone/>
-              <a:defRPr sz="1600" b="1"/>
+            <a:lvl7pPr marL="2057400" indent="0">
+              <a:buNone/>
+              <a:defRPr sz="1200" b="1"/>
             </a:lvl7pPr>
-            <a:lvl8pPr marL="3200400" indent="0">
-              <a:buNone/>
-              <a:defRPr sz="1600" b="1"/>
+            <a:lvl8pPr marL="2400300" indent="0">
+              <a:buNone/>
+              <a:defRPr sz="1200" b="1"/>
             </a:lvl8pPr>
-            <a:lvl9pPr marL="3657600" indent="0">
-              <a:buNone/>
-              <a:defRPr sz="1600" b="1"/>
+            <a:lvl9pPr marL="2743200" indent="0">
+              <a:buNone/>
+              <a:defRPr sz="1200" b="1"/>
             </a:lvl9pPr>
           </a:lstStyle>
           <a:p>
@@ -1614,13 +1412,7 @@
       </p:sp>
       <p:sp>
         <p:nvSpPr>
-          <p:cNvPr id="4" name="Inhaltsplatzhalter 3">
-            <a:extLst>
-              <a:ext uri="{FF2B5EF4-FFF2-40B4-BE49-F238E27FC236}">
-                <a16:creationId xmlns:a16="http://schemas.microsoft.com/office/drawing/2014/main" id="{0F76D21B-522A-A4DF-E4E1-EA8B84B5D026}"/>
-              </a:ext>
-            </a:extLst>
-          </p:cNvPr>
+          <p:cNvPr id="4" name="Content Placeholder 3"/>
           <p:cNvSpPr>
             <a:spLocks noGrp="1"/>
           </p:cNvSpPr>
@@ -1630,8 +1422,8 @@
         </p:nvSpPr>
         <p:spPr>
           <a:xfrm>
-            <a:off x="839788" y="2505075"/>
-            <a:ext cx="5157787" cy="3684588"/>
+            <a:off x="472381" y="4453467"/>
+            <a:ext cx="2901255" cy="6550379"/>
           </a:xfrm>
         </p:spPr>
         <p:txBody>
@@ -1671,19 +1463,13 @@
               <a:rPr lang="de-DE"/>
               <a:t>Fünfte Ebene</a:t>
             </a:r>
-            <a:endParaRPr lang="en-GB"/>
-          </a:p>
-        </p:txBody>
-      </p:sp>
-      <p:sp>
-        <p:nvSpPr>
-          <p:cNvPr id="5" name="Textplatzhalter 4">
-            <a:extLst>
-              <a:ext uri="{FF2B5EF4-FFF2-40B4-BE49-F238E27FC236}">
-                <a16:creationId xmlns:a16="http://schemas.microsoft.com/office/drawing/2014/main" id="{44262994-B63B-4ACD-21D7-22A8F2FC5D40}"/>
-              </a:ext>
-            </a:extLst>
-          </p:cNvPr>
+            <a:endParaRPr lang="en-US" dirty="0"/>
+          </a:p>
+        </p:txBody>
+      </p:sp>
+      <p:sp>
+        <p:nvSpPr>
+          <p:cNvPr id="5" name="Text Placeholder 4"/>
           <p:cNvSpPr>
             <a:spLocks noGrp="1"/>
           </p:cNvSpPr>
@@ -1693,8 +1479,8 @@
         </p:nvSpPr>
         <p:spPr>
           <a:xfrm>
-            <a:off x="6172200" y="1681163"/>
-            <a:ext cx="5183188" cy="823912"/>
+            <a:off x="3471863" y="2988734"/>
+            <a:ext cx="2915543" cy="1464732"/>
           </a:xfrm>
         </p:spPr>
         <p:txBody>
@@ -1702,39 +1488,39 @@
           <a:lstStyle>
             <a:lvl1pPr marL="0" indent="0">
               <a:buNone/>
-              <a:defRPr sz="2400" b="1"/>
+              <a:defRPr sz="1800" b="1"/>
             </a:lvl1pPr>
-            <a:lvl2pPr marL="457200" indent="0">
-              <a:buNone/>
-              <a:defRPr sz="2000" b="1"/>
+            <a:lvl2pPr marL="342900" indent="0">
+              <a:buNone/>
+              <a:defRPr sz="1500" b="1"/>
             </a:lvl2pPr>
-            <a:lvl3pPr marL="914400" indent="0">
-              <a:buNone/>
-              <a:defRPr sz="1800" b="1"/>
+            <a:lvl3pPr marL="685800" indent="0">
+              <a:buNone/>
+              <a:defRPr sz="1350" b="1"/>
             </a:lvl3pPr>
-            <a:lvl4pPr marL="1371600" indent="0">
-              <a:buNone/>
-              <a:defRPr sz="1600" b="1"/>
+            <a:lvl4pPr marL="1028700" indent="0">
+              <a:buNone/>
+              <a:defRPr sz="1200" b="1"/>
             </a:lvl4pPr>
-            <a:lvl5pPr marL="1828800" indent="0">
-              <a:buNone/>
-              <a:defRPr sz="1600" b="1"/>
+            <a:lvl5pPr marL="1371600" indent="0">
+              <a:buNone/>
+              <a:defRPr sz="1200" b="1"/>
             </a:lvl5pPr>
-            <a:lvl6pPr marL="2286000" indent="0">
-              <a:buNone/>
-              <a:defRPr sz="1600" b="1"/>
+            <a:lvl6pPr marL="1714500" indent="0">
+              <a:buNone/>
+              <a:defRPr sz="1200" b="1"/>
             </a:lvl6pPr>
-            <a:lvl7pPr marL="2743200" indent="0">
-              <a:buNone/>
-              <a:defRPr sz="1600" b="1"/>
+            <a:lvl7pPr marL="2057400" indent="0">
+              <a:buNone/>
+              <a:defRPr sz="1200" b="1"/>
             </a:lvl7pPr>
-            <a:lvl8pPr marL="3200400" indent="0">
-              <a:buNone/>
-              <a:defRPr sz="1600" b="1"/>
+            <a:lvl8pPr marL="2400300" indent="0">
+              <a:buNone/>
+              <a:defRPr sz="1200" b="1"/>
             </a:lvl8pPr>
-            <a:lvl9pPr marL="3657600" indent="0">
-              <a:buNone/>
-              <a:defRPr sz="1600" b="1"/>
+            <a:lvl9pPr marL="2743200" indent="0">
+              <a:buNone/>
+              <a:defRPr sz="1200" b="1"/>
             </a:lvl9pPr>
           </a:lstStyle>
           <a:p>
@@ -1748,13 +1534,7 @@
       </p:sp>
       <p:sp>
         <p:nvSpPr>
-          <p:cNvPr id="6" name="Inhaltsplatzhalter 5">
-            <a:extLst>
-              <a:ext uri="{FF2B5EF4-FFF2-40B4-BE49-F238E27FC236}">
-                <a16:creationId xmlns:a16="http://schemas.microsoft.com/office/drawing/2014/main" id="{14EA7AA7-C203-90B0-9F68-445FF5025807}"/>
-              </a:ext>
-            </a:extLst>
-          </p:cNvPr>
+          <p:cNvPr id="6" name="Content Placeholder 5"/>
           <p:cNvSpPr>
             <a:spLocks noGrp="1"/>
           </p:cNvSpPr>
@@ -1764,8 +1544,8 @@
         </p:nvSpPr>
         <p:spPr>
           <a:xfrm>
-            <a:off x="6172200" y="2505075"/>
-            <a:ext cx="5183188" cy="3684588"/>
+            <a:off x="3471863" y="4453467"/>
+            <a:ext cx="2915543" cy="6550379"/>
           </a:xfrm>
         </p:spPr>
         <p:txBody>
@@ -1805,19 +1585,13 @@
               <a:rPr lang="de-DE"/>
               <a:t>Fünfte Ebene</a:t>
             </a:r>
-            <a:endParaRPr lang="en-GB"/>
-          </a:p>
-        </p:txBody>
-      </p:sp>
-      <p:sp>
-        <p:nvSpPr>
-          <p:cNvPr id="7" name="Datumsplatzhalter 6">
-            <a:extLst>
-              <a:ext uri="{FF2B5EF4-FFF2-40B4-BE49-F238E27FC236}">
-                <a16:creationId xmlns:a16="http://schemas.microsoft.com/office/drawing/2014/main" id="{CFD83EF1-54FD-269A-2B36-F014C497A6C7}"/>
-              </a:ext>
-            </a:extLst>
-          </p:cNvPr>
+            <a:endParaRPr lang="en-US" dirty="0"/>
+          </a:p>
+        </p:txBody>
+      </p:sp>
+      <p:sp>
+        <p:nvSpPr>
+          <p:cNvPr id="7" name="Date Placeholder 6"/>
           <p:cNvSpPr>
             <a:spLocks noGrp="1"/>
           </p:cNvSpPr>
@@ -1832,7 +1606,7 @@
           <a:p>
             <a:fld id="{50106A6C-E9D6-4563-82A6-B42DDFFCA66C}" type="datetimeFigureOut">
               <a:rPr lang="en-GB" smtClean="0"/>
-              <a:t>17/12/2023</a:t>
+              <a:t>20/12/2023</a:t>
             </a:fld>
             <a:endParaRPr lang="en-GB"/>
           </a:p>
@@ -1840,13 +1614,7 @@
       </p:sp>
       <p:sp>
         <p:nvSpPr>
-          <p:cNvPr id="8" name="Fußzeilenplatzhalter 7">
-            <a:extLst>
-              <a:ext uri="{FF2B5EF4-FFF2-40B4-BE49-F238E27FC236}">
-                <a16:creationId xmlns:a16="http://schemas.microsoft.com/office/drawing/2014/main" id="{D4FBC520-FBCE-074B-718A-7B3967BA8656}"/>
-              </a:ext>
-            </a:extLst>
-          </p:cNvPr>
+          <p:cNvPr id="8" name="Footer Placeholder 7"/>
           <p:cNvSpPr>
             <a:spLocks noGrp="1"/>
           </p:cNvSpPr>
@@ -1865,13 +1633,7 @@
       </p:sp>
       <p:sp>
         <p:nvSpPr>
-          <p:cNvPr id="9" name="Foliennummernplatzhalter 8">
-            <a:extLst>
-              <a:ext uri="{FF2B5EF4-FFF2-40B4-BE49-F238E27FC236}">
-                <a16:creationId xmlns:a16="http://schemas.microsoft.com/office/drawing/2014/main" id="{24CBC8B1-7EEB-FE92-098E-611BB963F36F}"/>
-              </a:ext>
-            </a:extLst>
-          </p:cNvPr>
+          <p:cNvPr id="9" name="Slide Number Placeholder 8"/>
           <p:cNvSpPr>
             <a:spLocks noGrp="1"/>
           </p:cNvSpPr>
@@ -1895,7 +1657,7 @@
     </p:spTree>
     <p:extLst>
       <p:ext uri="{BB962C8B-B14F-4D97-AF65-F5344CB8AC3E}">
-        <p14:creationId xmlns:p14="http://schemas.microsoft.com/office/powerpoint/2010/main" val="1351282795"/>
+        <p14:creationId xmlns:p14="http://schemas.microsoft.com/office/powerpoint/2010/main" val="3626945252"/>
       </p:ext>
     </p:extLst>
   </p:cSld>
@@ -1924,13 +1686,7 @@
       </p:grpSpPr>
       <p:sp>
         <p:nvSpPr>
-          <p:cNvPr id="2" name="Titel 1">
-            <a:extLst>
-              <a:ext uri="{FF2B5EF4-FFF2-40B4-BE49-F238E27FC236}">
-                <a16:creationId xmlns:a16="http://schemas.microsoft.com/office/drawing/2014/main" id="{A2316569-4FB0-CEFD-C45B-300036E3562E}"/>
-              </a:ext>
-            </a:extLst>
-          </p:cNvPr>
+          <p:cNvPr id="2" name="Title 1"/>
           <p:cNvSpPr>
             <a:spLocks noGrp="1"/>
           </p:cNvSpPr>
@@ -1947,19 +1703,13 @@
               <a:rPr lang="de-DE"/>
               <a:t>Mastertitelformat bearbeiten</a:t>
             </a:r>
-            <a:endParaRPr lang="en-GB"/>
-          </a:p>
-        </p:txBody>
-      </p:sp>
-      <p:sp>
-        <p:nvSpPr>
-          <p:cNvPr id="3" name="Datumsplatzhalter 2">
-            <a:extLst>
-              <a:ext uri="{FF2B5EF4-FFF2-40B4-BE49-F238E27FC236}">
-                <a16:creationId xmlns:a16="http://schemas.microsoft.com/office/drawing/2014/main" id="{08E16AA6-F297-2733-89D3-77D7EC0EC3FD}"/>
-              </a:ext>
-            </a:extLst>
-          </p:cNvPr>
+            <a:endParaRPr lang="en-US" dirty="0"/>
+          </a:p>
+        </p:txBody>
+      </p:sp>
+      <p:sp>
+        <p:nvSpPr>
+          <p:cNvPr id="3" name="Date Placeholder 2"/>
           <p:cNvSpPr>
             <a:spLocks noGrp="1"/>
           </p:cNvSpPr>
@@ -1974,7 +1724,7 @@
           <a:p>
             <a:fld id="{50106A6C-E9D6-4563-82A6-B42DDFFCA66C}" type="datetimeFigureOut">
               <a:rPr lang="en-GB" smtClean="0"/>
-              <a:t>17/12/2023</a:t>
+              <a:t>20/12/2023</a:t>
             </a:fld>
             <a:endParaRPr lang="en-GB"/>
           </a:p>
@@ -1982,13 +1732,7 @@
       </p:sp>
       <p:sp>
         <p:nvSpPr>
-          <p:cNvPr id="4" name="Fußzeilenplatzhalter 3">
-            <a:extLst>
-              <a:ext uri="{FF2B5EF4-FFF2-40B4-BE49-F238E27FC236}">
-                <a16:creationId xmlns:a16="http://schemas.microsoft.com/office/drawing/2014/main" id="{2AFC6C52-BC49-5A8C-312F-3BF1283DAAA6}"/>
-              </a:ext>
-            </a:extLst>
-          </p:cNvPr>
+          <p:cNvPr id="4" name="Footer Placeholder 3"/>
           <p:cNvSpPr>
             <a:spLocks noGrp="1"/>
           </p:cNvSpPr>
@@ -2007,13 +1751,7 @@
       </p:sp>
       <p:sp>
         <p:nvSpPr>
-          <p:cNvPr id="5" name="Foliennummernplatzhalter 4">
-            <a:extLst>
-              <a:ext uri="{FF2B5EF4-FFF2-40B4-BE49-F238E27FC236}">
-                <a16:creationId xmlns:a16="http://schemas.microsoft.com/office/drawing/2014/main" id="{02ED4224-9DB8-09F4-2652-46713115F011}"/>
-              </a:ext>
-            </a:extLst>
-          </p:cNvPr>
+          <p:cNvPr id="5" name="Slide Number Placeholder 4"/>
           <p:cNvSpPr>
             <a:spLocks noGrp="1"/>
           </p:cNvSpPr>
@@ -2037,7 +1775,7 @@
     </p:spTree>
     <p:extLst>
       <p:ext uri="{BB962C8B-B14F-4D97-AF65-F5344CB8AC3E}">
-        <p14:creationId xmlns:p14="http://schemas.microsoft.com/office/powerpoint/2010/main" val="2158297519"/>
+        <p14:creationId xmlns:p14="http://schemas.microsoft.com/office/powerpoint/2010/main" val="3204848854"/>
       </p:ext>
     </p:extLst>
   </p:cSld>
@@ -2066,13 +1804,7 @@
       </p:grpSpPr>
       <p:sp>
         <p:nvSpPr>
-          <p:cNvPr id="2" name="Datumsplatzhalter 1">
-            <a:extLst>
-              <a:ext uri="{FF2B5EF4-FFF2-40B4-BE49-F238E27FC236}">
-                <a16:creationId xmlns:a16="http://schemas.microsoft.com/office/drawing/2014/main" id="{A3A01C29-0AFA-AAC9-41AE-34BAA4E7B48A}"/>
-              </a:ext>
-            </a:extLst>
-          </p:cNvPr>
+          <p:cNvPr id="2" name="Date Placeholder 1"/>
           <p:cNvSpPr>
             <a:spLocks noGrp="1"/>
           </p:cNvSpPr>
@@ -2087,7 +1819,7 @@
           <a:p>
             <a:fld id="{50106A6C-E9D6-4563-82A6-B42DDFFCA66C}" type="datetimeFigureOut">
               <a:rPr lang="en-GB" smtClean="0"/>
-              <a:t>17/12/2023</a:t>
+              <a:t>20/12/2023</a:t>
             </a:fld>
             <a:endParaRPr lang="en-GB"/>
           </a:p>
@@ -2095,13 +1827,7 @@
       </p:sp>
       <p:sp>
         <p:nvSpPr>
-          <p:cNvPr id="3" name="Fußzeilenplatzhalter 2">
-            <a:extLst>
-              <a:ext uri="{FF2B5EF4-FFF2-40B4-BE49-F238E27FC236}">
-                <a16:creationId xmlns:a16="http://schemas.microsoft.com/office/drawing/2014/main" id="{41C7B82A-F484-F29D-9A00-2B78F2BAD80A}"/>
-              </a:ext>
-            </a:extLst>
-          </p:cNvPr>
+          <p:cNvPr id="3" name="Footer Placeholder 2"/>
           <p:cNvSpPr>
             <a:spLocks noGrp="1"/>
           </p:cNvSpPr>
@@ -2120,13 +1846,7 @@
       </p:sp>
       <p:sp>
         <p:nvSpPr>
-          <p:cNvPr id="4" name="Foliennummernplatzhalter 3">
-            <a:extLst>
-              <a:ext uri="{FF2B5EF4-FFF2-40B4-BE49-F238E27FC236}">
-                <a16:creationId xmlns:a16="http://schemas.microsoft.com/office/drawing/2014/main" id="{55B3C40F-50A3-857C-7B56-F2EA45C2E964}"/>
-              </a:ext>
-            </a:extLst>
-          </p:cNvPr>
+          <p:cNvPr id="4" name="Slide Number Placeholder 3"/>
           <p:cNvSpPr>
             <a:spLocks noGrp="1"/>
           </p:cNvSpPr>
@@ -2150,7 +1870,7 @@
     </p:spTree>
     <p:extLst>
       <p:ext uri="{BB962C8B-B14F-4D97-AF65-F5344CB8AC3E}">
-        <p14:creationId xmlns:p14="http://schemas.microsoft.com/office/powerpoint/2010/main" val="1625925044"/>
+        <p14:creationId xmlns:p14="http://schemas.microsoft.com/office/powerpoint/2010/main" val="309893350"/>
       </p:ext>
     </p:extLst>
   </p:cSld>
@@ -2179,13 +1899,7 @@
       </p:grpSpPr>
       <p:sp>
         <p:nvSpPr>
-          <p:cNvPr id="2" name="Titel 1">
-            <a:extLst>
-              <a:ext uri="{FF2B5EF4-FFF2-40B4-BE49-F238E27FC236}">
-                <a16:creationId xmlns:a16="http://schemas.microsoft.com/office/drawing/2014/main" id="{1140D705-0275-3F59-27F2-B4FAEDB18F39}"/>
-              </a:ext>
-            </a:extLst>
-          </p:cNvPr>
+          <p:cNvPr id="2" name="Title 1"/>
           <p:cNvSpPr>
             <a:spLocks noGrp="1"/>
           </p:cNvSpPr>
@@ -2195,15 +1909,15 @@
         </p:nvSpPr>
         <p:spPr>
           <a:xfrm>
-            <a:off x="839788" y="457200"/>
-            <a:ext cx="3932237" cy="1600200"/>
+            <a:off x="472381" y="812800"/>
+            <a:ext cx="2211884" cy="2844800"/>
           </a:xfrm>
         </p:spPr>
         <p:txBody>
           <a:bodyPr anchor="b"/>
           <a:lstStyle>
             <a:lvl1pPr>
-              <a:defRPr sz="3200"/>
+              <a:defRPr sz="2400"/>
             </a:lvl1pPr>
           </a:lstStyle>
           <a:p>
@@ -2211,19 +1925,13 @@
               <a:rPr lang="de-DE"/>
               <a:t>Mastertitelformat bearbeiten</a:t>
             </a:r>
-            <a:endParaRPr lang="en-GB"/>
-          </a:p>
-        </p:txBody>
-      </p:sp>
-      <p:sp>
-        <p:nvSpPr>
-          <p:cNvPr id="3" name="Inhaltsplatzhalter 2">
-            <a:extLst>
-              <a:ext uri="{FF2B5EF4-FFF2-40B4-BE49-F238E27FC236}">
-                <a16:creationId xmlns:a16="http://schemas.microsoft.com/office/drawing/2014/main" id="{459C60DF-E760-0CB9-2E51-CBAEB5D65FBB}"/>
-              </a:ext>
-            </a:extLst>
-          </p:cNvPr>
+            <a:endParaRPr lang="en-US" dirty="0"/>
+          </a:p>
+        </p:txBody>
+      </p:sp>
+      <p:sp>
+        <p:nvSpPr>
+          <p:cNvPr id="3" name="Content Placeholder 2"/>
           <p:cNvSpPr>
             <a:spLocks noGrp="1"/>
           </p:cNvSpPr>
@@ -2233,39 +1941,39 @@
         </p:nvSpPr>
         <p:spPr>
           <a:xfrm>
-            <a:off x="5183188" y="987425"/>
-            <a:ext cx="6172200" cy="4873625"/>
+            <a:off x="2915543" y="1755425"/>
+            <a:ext cx="3471863" cy="8664222"/>
           </a:xfrm>
         </p:spPr>
         <p:txBody>
           <a:bodyPr/>
           <a:lstStyle>
             <a:lvl1pPr>
-              <a:defRPr sz="3200"/>
+              <a:defRPr sz="2400"/>
             </a:lvl1pPr>
             <a:lvl2pPr>
-              <a:defRPr sz="2800"/>
+              <a:defRPr sz="2100"/>
             </a:lvl2pPr>
             <a:lvl3pPr>
-              <a:defRPr sz="2400"/>
+              <a:defRPr sz="1800"/>
             </a:lvl3pPr>
             <a:lvl4pPr>
-              <a:defRPr sz="2000"/>
+              <a:defRPr sz="1500"/>
             </a:lvl4pPr>
             <a:lvl5pPr>
-              <a:defRPr sz="2000"/>
+              <a:defRPr sz="1500"/>
             </a:lvl5pPr>
             <a:lvl6pPr>
-              <a:defRPr sz="2000"/>
+              <a:defRPr sz="1500"/>
             </a:lvl6pPr>
             <a:lvl7pPr>
-              <a:defRPr sz="2000"/>
+              <a:defRPr sz="1500"/>
             </a:lvl7pPr>
             <a:lvl8pPr>
-              <a:defRPr sz="2000"/>
+              <a:defRPr sz="1500"/>
             </a:lvl8pPr>
             <a:lvl9pPr>
-              <a:defRPr sz="2000"/>
+              <a:defRPr sz="1500"/>
             </a:lvl9pPr>
           </a:lstStyle>
           <a:p>
@@ -2302,19 +2010,13 @@
               <a:rPr lang="de-DE"/>
               <a:t>Fünfte Ebene</a:t>
             </a:r>
-            <a:endParaRPr lang="en-GB"/>
-          </a:p>
-        </p:txBody>
-      </p:sp>
-      <p:sp>
-        <p:nvSpPr>
-          <p:cNvPr id="4" name="Textplatzhalter 3">
-            <a:extLst>
-              <a:ext uri="{FF2B5EF4-FFF2-40B4-BE49-F238E27FC236}">
-                <a16:creationId xmlns:a16="http://schemas.microsoft.com/office/drawing/2014/main" id="{4D8F4FC1-A683-3378-087A-7208853158F0}"/>
-              </a:ext>
-            </a:extLst>
-          </p:cNvPr>
+            <a:endParaRPr lang="en-US" dirty="0"/>
+          </a:p>
+        </p:txBody>
+      </p:sp>
+      <p:sp>
+        <p:nvSpPr>
+          <p:cNvPr id="4" name="Text Placeholder 3"/>
           <p:cNvSpPr>
             <a:spLocks noGrp="1"/>
           </p:cNvSpPr>
@@ -2324,8 +2026,8 @@
         </p:nvSpPr>
         <p:spPr>
           <a:xfrm>
-            <a:off x="839788" y="2057400"/>
-            <a:ext cx="3932237" cy="3811588"/>
+            <a:off x="472381" y="3657600"/>
+            <a:ext cx="2211884" cy="6776156"/>
           </a:xfrm>
         </p:spPr>
         <p:txBody>
@@ -2333,39 +2035,39 @@
           <a:lstStyle>
             <a:lvl1pPr marL="0" indent="0">
               <a:buNone/>
-              <a:defRPr sz="1600"/>
+              <a:defRPr sz="1200"/>
             </a:lvl1pPr>
-            <a:lvl2pPr marL="457200" indent="0">
-              <a:buNone/>
-              <a:defRPr sz="1400"/>
+            <a:lvl2pPr marL="342900" indent="0">
+              <a:buNone/>
+              <a:defRPr sz="1050"/>
             </a:lvl2pPr>
-            <a:lvl3pPr marL="914400" indent="0">
-              <a:buNone/>
-              <a:defRPr sz="1200"/>
+            <a:lvl3pPr marL="685800" indent="0">
+              <a:buNone/>
+              <a:defRPr sz="900"/>
             </a:lvl3pPr>
-            <a:lvl4pPr marL="1371600" indent="0">
-              <a:buNone/>
-              <a:defRPr sz="1000"/>
+            <a:lvl4pPr marL="1028700" indent="0">
+              <a:buNone/>
+              <a:defRPr sz="750"/>
             </a:lvl4pPr>
-            <a:lvl5pPr marL="1828800" indent="0">
-              <a:buNone/>
-              <a:defRPr sz="1000"/>
+            <a:lvl5pPr marL="1371600" indent="0">
+              <a:buNone/>
+              <a:defRPr sz="750"/>
             </a:lvl5pPr>
-            <a:lvl6pPr marL="2286000" indent="0">
-              <a:buNone/>
-              <a:defRPr sz="1000"/>
+            <a:lvl6pPr marL="1714500" indent="0">
+              <a:buNone/>
+              <a:defRPr sz="750"/>
             </a:lvl6pPr>
-            <a:lvl7pPr marL="2743200" indent="0">
-              <a:buNone/>
-              <a:defRPr sz="1000"/>
+            <a:lvl7pPr marL="2057400" indent="0">
+              <a:buNone/>
+              <a:defRPr sz="750"/>
             </a:lvl7pPr>
-            <a:lvl8pPr marL="3200400" indent="0">
-              <a:buNone/>
-              <a:defRPr sz="1000"/>
+            <a:lvl8pPr marL="2400300" indent="0">
+              <a:buNone/>
+              <a:defRPr sz="750"/>
             </a:lvl8pPr>
-            <a:lvl9pPr marL="3657600" indent="0">
-              <a:buNone/>
-              <a:defRPr sz="1000"/>
+            <a:lvl9pPr marL="2743200" indent="0">
+              <a:buNone/>
+              <a:defRPr sz="750"/>
             </a:lvl9pPr>
           </a:lstStyle>
           <a:p>
@@ -2379,13 +2081,7 @@
       </p:sp>
       <p:sp>
         <p:nvSpPr>
-          <p:cNvPr id="5" name="Datumsplatzhalter 4">
-            <a:extLst>
-              <a:ext uri="{FF2B5EF4-FFF2-40B4-BE49-F238E27FC236}">
-                <a16:creationId xmlns:a16="http://schemas.microsoft.com/office/drawing/2014/main" id="{E4B155FA-BE1C-ED14-FB76-6AA169DC981A}"/>
-              </a:ext>
-            </a:extLst>
-          </p:cNvPr>
+          <p:cNvPr id="5" name="Date Placeholder 4"/>
           <p:cNvSpPr>
             <a:spLocks noGrp="1"/>
           </p:cNvSpPr>
@@ -2400,7 +2096,7 @@
           <a:p>
             <a:fld id="{50106A6C-E9D6-4563-82A6-B42DDFFCA66C}" type="datetimeFigureOut">
               <a:rPr lang="en-GB" smtClean="0"/>
-              <a:t>17/12/2023</a:t>
+              <a:t>20/12/2023</a:t>
             </a:fld>
             <a:endParaRPr lang="en-GB"/>
           </a:p>
@@ -2408,13 +2104,7 @@
       </p:sp>
       <p:sp>
         <p:nvSpPr>
-          <p:cNvPr id="6" name="Fußzeilenplatzhalter 5">
-            <a:extLst>
-              <a:ext uri="{FF2B5EF4-FFF2-40B4-BE49-F238E27FC236}">
-                <a16:creationId xmlns:a16="http://schemas.microsoft.com/office/drawing/2014/main" id="{72E051EE-7ED8-6092-9682-9BFCE74DC78E}"/>
-              </a:ext>
-            </a:extLst>
-          </p:cNvPr>
+          <p:cNvPr id="6" name="Footer Placeholder 5"/>
           <p:cNvSpPr>
             <a:spLocks noGrp="1"/>
           </p:cNvSpPr>
@@ -2433,13 +2123,7 @@
       </p:sp>
       <p:sp>
         <p:nvSpPr>
-          <p:cNvPr id="7" name="Foliennummernplatzhalter 6">
-            <a:extLst>
-              <a:ext uri="{FF2B5EF4-FFF2-40B4-BE49-F238E27FC236}">
-                <a16:creationId xmlns:a16="http://schemas.microsoft.com/office/drawing/2014/main" id="{0C974AF1-A337-BD31-DA70-80BEAC2E8F9C}"/>
-              </a:ext>
-            </a:extLst>
-          </p:cNvPr>
+          <p:cNvPr id="7" name="Slide Number Placeholder 6"/>
           <p:cNvSpPr>
             <a:spLocks noGrp="1"/>
           </p:cNvSpPr>
@@ -2463,7 +2147,7 @@
     </p:spTree>
     <p:extLst>
       <p:ext uri="{BB962C8B-B14F-4D97-AF65-F5344CB8AC3E}">
-        <p14:creationId xmlns:p14="http://schemas.microsoft.com/office/powerpoint/2010/main" val="3477770103"/>
+        <p14:creationId xmlns:p14="http://schemas.microsoft.com/office/powerpoint/2010/main" val="3467142278"/>
       </p:ext>
     </p:extLst>
   </p:cSld>
@@ -2492,13 +2176,7 @@
       </p:grpSpPr>
       <p:sp>
         <p:nvSpPr>
-          <p:cNvPr id="2" name="Titel 1">
-            <a:extLst>
-              <a:ext uri="{FF2B5EF4-FFF2-40B4-BE49-F238E27FC236}">
-                <a16:creationId xmlns:a16="http://schemas.microsoft.com/office/drawing/2014/main" id="{575434AC-3F60-20A0-8E18-7B0BB3DC792C}"/>
-              </a:ext>
-            </a:extLst>
-          </p:cNvPr>
+          <p:cNvPr id="2" name="Title 1"/>
           <p:cNvSpPr>
             <a:spLocks noGrp="1"/>
           </p:cNvSpPr>
@@ -2508,15 +2186,15 @@
         </p:nvSpPr>
         <p:spPr>
           <a:xfrm>
-            <a:off x="839788" y="457200"/>
-            <a:ext cx="3932237" cy="1600200"/>
+            <a:off x="472381" y="812800"/>
+            <a:ext cx="2211884" cy="2844800"/>
           </a:xfrm>
         </p:spPr>
         <p:txBody>
           <a:bodyPr anchor="b"/>
           <a:lstStyle>
             <a:lvl1pPr>
-              <a:defRPr sz="3200"/>
+              <a:defRPr sz="2400"/>
             </a:lvl1pPr>
           </a:lstStyle>
           <a:p>
@@ -2524,21 +2202,15 @@
               <a:rPr lang="de-DE"/>
               <a:t>Mastertitelformat bearbeiten</a:t>
             </a:r>
-            <a:endParaRPr lang="en-GB"/>
-          </a:p>
-        </p:txBody>
-      </p:sp>
-      <p:sp>
-        <p:nvSpPr>
-          <p:cNvPr id="3" name="Bildplatzhalter 2">
-            <a:extLst>
-              <a:ext uri="{FF2B5EF4-FFF2-40B4-BE49-F238E27FC236}">
-                <a16:creationId xmlns:a16="http://schemas.microsoft.com/office/drawing/2014/main" id="{1EB7933A-4E30-90CD-9F32-1493781C450A}"/>
-              </a:ext>
-            </a:extLst>
-          </p:cNvPr>
-          <p:cNvSpPr>
-            <a:spLocks noGrp="1"/>
+            <a:endParaRPr lang="en-US" dirty="0"/>
+          </a:p>
+        </p:txBody>
+      </p:sp>
+      <p:sp>
+        <p:nvSpPr>
+          <p:cNvPr id="3" name="Picture Placeholder 2"/>
+          <p:cNvSpPr>
+            <a:spLocks noGrp="1" noChangeAspect="1"/>
           </p:cNvSpPr>
           <p:nvPr>
             <p:ph type="pic" idx="1"/>
@@ -2546,64 +2218,62 @@
         </p:nvSpPr>
         <p:spPr>
           <a:xfrm>
-            <a:off x="5183188" y="987425"/>
-            <a:ext cx="6172200" cy="4873625"/>
+            <a:off x="2915543" y="1755425"/>
+            <a:ext cx="3471863" cy="8664222"/>
           </a:xfrm>
         </p:spPr>
         <p:txBody>
-          <a:bodyPr/>
+          <a:bodyPr anchor="t"/>
           <a:lstStyle>
             <a:lvl1pPr marL="0" indent="0">
               <a:buNone/>
-              <a:defRPr sz="3200"/>
+              <a:defRPr sz="2400"/>
             </a:lvl1pPr>
-            <a:lvl2pPr marL="457200" indent="0">
-              <a:buNone/>
-              <a:defRPr sz="2800"/>
+            <a:lvl2pPr marL="342900" indent="0">
+              <a:buNone/>
+              <a:defRPr sz="2100"/>
             </a:lvl2pPr>
-            <a:lvl3pPr marL="914400" indent="0">
-              <a:buNone/>
-              <a:defRPr sz="2400"/>
+            <a:lvl3pPr marL="685800" indent="0">
+              <a:buNone/>
+              <a:defRPr sz="1800"/>
             </a:lvl3pPr>
-            <a:lvl4pPr marL="1371600" indent="0">
-              <a:buNone/>
-              <a:defRPr sz="2000"/>
+            <a:lvl4pPr marL="1028700" indent="0">
+              <a:buNone/>
+              <a:defRPr sz="1500"/>
             </a:lvl4pPr>
-            <a:lvl5pPr marL="1828800" indent="0">
-              <a:buNone/>
-              <a:defRPr sz="2000"/>
+            <a:lvl5pPr marL="1371600" indent="0">
+              <a:buNone/>
+              <a:defRPr sz="1500"/>
             </a:lvl5pPr>
-            <a:lvl6pPr marL="2286000" indent="0">
-              <a:buNone/>
-              <a:defRPr sz="2000"/>
+            <a:lvl6pPr marL="1714500" indent="0">
+              <a:buNone/>
+              <a:defRPr sz="1500"/>
             </a:lvl6pPr>
-            <a:lvl7pPr marL="2743200" indent="0">
-              <a:buNone/>
-              <a:defRPr sz="2000"/>
+            <a:lvl7pPr marL="2057400" indent="0">
+              <a:buNone/>
+              <a:defRPr sz="1500"/>
             </a:lvl7pPr>
-            <a:lvl8pPr marL="3200400" indent="0">
-              <a:buNone/>
-              <a:defRPr sz="2000"/>
+            <a:lvl8pPr marL="2400300" indent="0">
+              <a:buNone/>
+              <a:defRPr sz="1500"/>
             </a:lvl8pPr>
-            <a:lvl9pPr marL="3657600" indent="0">
-              <a:buNone/>
-              <a:defRPr sz="2000"/>
+            <a:lvl9pPr marL="2743200" indent="0">
+              <a:buNone/>
+              <a:defRPr sz="1500"/>
             </a:lvl9pPr>
           </a:lstStyle>
           <a:p>
-            <a:endParaRPr lang="en-GB"/>
-          </a:p>
-        </p:txBody>
-      </p:sp>
-      <p:sp>
-        <p:nvSpPr>
-          <p:cNvPr id="4" name="Textplatzhalter 3">
-            <a:extLst>
-              <a:ext uri="{FF2B5EF4-FFF2-40B4-BE49-F238E27FC236}">
-                <a16:creationId xmlns:a16="http://schemas.microsoft.com/office/drawing/2014/main" id="{DDB41755-CAC7-005F-AA23-5F0773873F3E}"/>
-              </a:ext>
-            </a:extLst>
-          </p:cNvPr>
+            <a:r>
+              <a:rPr lang="de-DE"/>
+              <a:t>Bild durch Klicken auf Symbol hinzufügen</a:t>
+            </a:r>
+            <a:endParaRPr lang="en-US" dirty="0"/>
+          </a:p>
+        </p:txBody>
+      </p:sp>
+      <p:sp>
+        <p:nvSpPr>
+          <p:cNvPr id="4" name="Text Placeholder 3"/>
           <p:cNvSpPr>
             <a:spLocks noGrp="1"/>
           </p:cNvSpPr>
@@ -2613,8 +2283,8 @@
         </p:nvSpPr>
         <p:spPr>
           <a:xfrm>
-            <a:off x="839788" y="2057400"/>
-            <a:ext cx="3932237" cy="3811588"/>
+            <a:off x="472381" y="3657600"/>
+            <a:ext cx="2211884" cy="6776156"/>
           </a:xfrm>
         </p:spPr>
         <p:txBody>
@@ -2622,39 +2292,39 @@
           <a:lstStyle>
             <a:lvl1pPr marL="0" indent="0">
               <a:buNone/>
-              <a:defRPr sz="1600"/>
+              <a:defRPr sz="1200"/>
             </a:lvl1pPr>
-            <a:lvl2pPr marL="457200" indent="0">
-              <a:buNone/>
-              <a:defRPr sz="1400"/>
+            <a:lvl2pPr marL="342900" indent="0">
+              <a:buNone/>
+              <a:defRPr sz="1050"/>
             </a:lvl2pPr>
-            <a:lvl3pPr marL="914400" indent="0">
-              <a:buNone/>
-              <a:defRPr sz="1200"/>
+            <a:lvl3pPr marL="685800" indent="0">
+              <a:buNone/>
+              <a:defRPr sz="900"/>
             </a:lvl3pPr>
-            <a:lvl4pPr marL="1371600" indent="0">
-              <a:buNone/>
-              <a:defRPr sz="1000"/>
+            <a:lvl4pPr marL="1028700" indent="0">
+              <a:buNone/>
+              <a:defRPr sz="750"/>
             </a:lvl4pPr>
-            <a:lvl5pPr marL="1828800" indent="0">
-              <a:buNone/>
-              <a:defRPr sz="1000"/>
+            <a:lvl5pPr marL="1371600" indent="0">
+              <a:buNone/>
+              <a:defRPr sz="750"/>
             </a:lvl5pPr>
-            <a:lvl6pPr marL="2286000" indent="0">
-              <a:buNone/>
-              <a:defRPr sz="1000"/>
+            <a:lvl6pPr marL="1714500" indent="0">
+              <a:buNone/>
+              <a:defRPr sz="750"/>
             </a:lvl6pPr>
-            <a:lvl7pPr marL="2743200" indent="0">
-              <a:buNone/>
-              <a:defRPr sz="1000"/>
+            <a:lvl7pPr marL="2057400" indent="0">
+              <a:buNone/>
+              <a:defRPr sz="750"/>
             </a:lvl7pPr>
-            <a:lvl8pPr marL="3200400" indent="0">
-              <a:buNone/>
-              <a:defRPr sz="1000"/>
+            <a:lvl8pPr marL="2400300" indent="0">
+              <a:buNone/>
+              <a:defRPr sz="750"/>
             </a:lvl8pPr>
-            <a:lvl9pPr marL="3657600" indent="0">
-              <a:buNone/>
-              <a:defRPr sz="1000"/>
+            <a:lvl9pPr marL="2743200" indent="0">
+              <a:buNone/>
+              <a:defRPr sz="750"/>
             </a:lvl9pPr>
           </a:lstStyle>
           <a:p>
@@ -2668,13 +2338,7 @@
       </p:sp>
       <p:sp>
         <p:nvSpPr>
-          <p:cNvPr id="5" name="Datumsplatzhalter 4">
-            <a:extLst>
-              <a:ext uri="{FF2B5EF4-FFF2-40B4-BE49-F238E27FC236}">
-                <a16:creationId xmlns:a16="http://schemas.microsoft.com/office/drawing/2014/main" id="{35D9ECB6-BAF3-ECE1-2CE9-8FCEB229933D}"/>
-              </a:ext>
-            </a:extLst>
-          </p:cNvPr>
+          <p:cNvPr id="5" name="Date Placeholder 4"/>
           <p:cNvSpPr>
             <a:spLocks noGrp="1"/>
           </p:cNvSpPr>
@@ -2689,7 +2353,7 @@
           <a:p>
             <a:fld id="{50106A6C-E9D6-4563-82A6-B42DDFFCA66C}" type="datetimeFigureOut">
               <a:rPr lang="en-GB" smtClean="0"/>
-              <a:t>17/12/2023</a:t>
+              <a:t>20/12/2023</a:t>
             </a:fld>
             <a:endParaRPr lang="en-GB"/>
           </a:p>
@@ -2697,13 +2361,7 @@
       </p:sp>
       <p:sp>
         <p:nvSpPr>
-          <p:cNvPr id="6" name="Fußzeilenplatzhalter 5">
-            <a:extLst>
-              <a:ext uri="{FF2B5EF4-FFF2-40B4-BE49-F238E27FC236}">
-                <a16:creationId xmlns:a16="http://schemas.microsoft.com/office/drawing/2014/main" id="{2D073153-F3B6-368F-8B46-0B217F74E619}"/>
-              </a:ext>
-            </a:extLst>
-          </p:cNvPr>
+          <p:cNvPr id="6" name="Footer Placeholder 5"/>
           <p:cNvSpPr>
             <a:spLocks noGrp="1"/>
           </p:cNvSpPr>
@@ -2722,13 +2380,7 @@
       </p:sp>
       <p:sp>
         <p:nvSpPr>
-          <p:cNvPr id="7" name="Foliennummernplatzhalter 6">
-            <a:extLst>
-              <a:ext uri="{FF2B5EF4-FFF2-40B4-BE49-F238E27FC236}">
-                <a16:creationId xmlns:a16="http://schemas.microsoft.com/office/drawing/2014/main" id="{FF3B78A2-D9B1-6A88-24C6-8CA97599EAE6}"/>
-              </a:ext>
-            </a:extLst>
-          </p:cNvPr>
+          <p:cNvPr id="7" name="Slide Number Placeholder 6"/>
           <p:cNvSpPr>
             <a:spLocks noGrp="1"/>
           </p:cNvSpPr>
@@ -2752,7 +2404,7 @@
     </p:spTree>
     <p:extLst>
       <p:ext uri="{BB962C8B-B14F-4D97-AF65-F5344CB8AC3E}">
-        <p14:creationId xmlns:p14="http://schemas.microsoft.com/office/powerpoint/2010/main" val="155377274"/>
+        <p14:creationId xmlns:p14="http://schemas.microsoft.com/office/powerpoint/2010/main" val="2954009524"/>
       </p:ext>
     </p:extLst>
   </p:cSld>
@@ -2786,13 +2438,7 @@
       </p:grpSpPr>
       <p:sp>
         <p:nvSpPr>
-          <p:cNvPr id="2" name="Titelplatzhalter 1">
-            <a:extLst>
-              <a:ext uri="{FF2B5EF4-FFF2-40B4-BE49-F238E27FC236}">
-                <a16:creationId xmlns:a16="http://schemas.microsoft.com/office/drawing/2014/main" id="{E44A75AE-3B3D-49E2-1CAE-9966AE3349F7}"/>
-              </a:ext>
-            </a:extLst>
-          </p:cNvPr>
+          <p:cNvPr id="2" name="Title Placeholder 1"/>
           <p:cNvSpPr>
             <a:spLocks noGrp="1"/>
           </p:cNvSpPr>
@@ -2802,8 +2448,8 @@
         </p:nvSpPr>
         <p:spPr>
           <a:xfrm>
-            <a:off x="838200" y="365125"/>
-            <a:ext cx="10515600" cy="1325563"/>
+            <a:off x="471488" y="649114"/>
+            <a:ext cx="5915025" cy="2356556"/>
           </a:xfrm>
           <a:prstGeom prst="rect">
             <a:avLst/>
@@ -2819,19 +2465,13 @@
               <a:rPr lang="de-DE"/>
               <a:t>Mastertitelformat bearbeiten</a:t>
             </a:r>
-            <a:endParaRPr lang="en-GB"/>
-          </a:p>
-        </p:txBody>
-      </p:sp>
-      <p:sp>
-        <p:nvSpPr>
-          <p:cNvPr id="3" name="Textplatzhalter 2">
-            <a:extLst>
-              <a:ext uri="{FF2B5EF4-FFF2-40B4-BE49-F238E27FC236}">
-                <a16:creationId xmlns:a16="http://schemas.microsoft.com/office/drawing/2014/main" id="{720C4778-9D3A-7324-1712-58871A5570CC}"/>
-              </a:ext>
-            </a:extLst>
-          </p:cNvPr>
+            <a:endParaRPr lang="en-US" dirty="0"/>
+          </a:p>
+        </p:txBody>
+      </p:sp>
+      <p:sp>
+        <p:nvSpPr>
+          <p:cNvPr id="3" name="Text Placeholder 2"/>
           <p:cNvSpPr>
             <a:spLocks noGrp="1"/>
           </p:cNvSpPr>
@@ -2841,8 +2481,8 @@
         </p:nvSpPr>
         <p:spPr>
           <a:xfrm>
-            <a:off x="838200" y="1825625"/>
-            <a:ext cx="10515600" cy="4351338"/>
+            <a:off x="471488" y="3245556"/>
+            <a:ext cx="5915025" cy="7735712"/>
           </a:xfrm>
           <a:prstGeom prst="rect">
             <a:avLst/>
@@ -2887,19 +2527,13 @@
               <a:rPr lang="de-DE"/>
               <a:t>Fünfte Ebene</a:t>
             </a:r>
-            <a:endParaRPr lang="en-GB"/>
-          </a:p>
-        </p:txBody>
-      </p:sp>
-      <p:sp>
-        <p:nvSpPr>
-          <p:cNvPr id="4" name="Datumsplatzhalter 3">
-            <a:extLst>
-              <a:ext uri="{FF2B5EF4-FFF2-40B4-BE49-F238E27FC236}">
-                <a16:creationId xmlns:a16="http://schemas.microsoft.com/office/drawing/2014/main" id="{28801504-74B0-BFFD-FE2D-26E958E8D3B2}"/>
-              </a:ext>
-            </a:extLst>
-          </p:cNvPr>
+            <a:endParaRPr lang="en-US" dirty="0"/>
+          </a:p>
+        </p:txBody>
+      </p:sp>
+      <p:sp>
+        <p:nvSpPr>
+          <p:cNvPr id="4" name="Date Placeholder 3"/>
           <p:cNvSpPr>
             <a:spLocks noGrp="1"/>
           </p:cNvSpPr>
@@ -2909,8 +2543,8 @@
         </p:nvSpPr>
         <p:spPr>
           <a:xfrm>
-            <a:off x="838200" y="6356350"/>
-            <a:ext cx="2743200" cy="365125"/>
+            <a:off x="471488" y="11300181"/>
+            <a:ext cx="1543050" cy="649111"/>
           </a:xfrm>
           <a:prstGeom prst="rect">
             <a:avLst/>
@@ -2920,7 +2554,7 @@
           <a:bodyPr vert="horz" lIns="91440" tIns="45720" rIns="91440" bIns="45720" rtlCol="0" anchor="ctr"/>
           <a:lstStyle>
             <a:lvl1pPr algn="l">
-              <a:defRPr sz="1200">
+              <a:defRPr sz="900">
                 <a:solidFill>
                   <a:schemeClr val="tx1">
                     <a:tint val="75000"/>
@@ -2932,7 +2566,7 @@
           <a:p>
             <a:fld id="{50106A6C-E9D6-4563-82A6-B42DDFFCA66C}" type="datetimeFigureOut">
               <a:rPr lang="en-GB" smtClean="0"/>
-              <a:t>17/12/2023</a:t>
+              <a:t>20/12/2023</a:t>
             </a:fld>
             <a:endParaRPr lang="en-GB"/>
           </a:p>
@@ -2940,13 +2574,7 @@
       </p:sp>
       <p:sp>
         <p:nvSpPr>
-          <p:cNvPr id="5" name="Fußzeilenplatzhalter 4">
-            <a:extLst>
-              <a:ext uri="{FF2B5EF4-FFF2-40B4-BE49-F238E27FC236}">
-                <a16:creationId xmlns:a16="http://schemas.microsoft.com/office/drawing/2014/main" id="{F88E43A1-5DF5-E381-CFDE-BC280481E596}"/>
-              </a:ext>
-            </a:extLst>
-          </p:cNvPr>
+          <p:cNvPr id="5" name="Footer Placeholder 4"/>
           <p:cNvSpPr>
             <a:spLocks noGrp="1"/>
           </p:cNvSpPr>
@@ -2956,8 +2584,8 @@
         </p:nvSpPr>
         <p:spPr>
           <a:xfrm>
-            <a:off x="4038600" y="6356350"/>
-            <a:ext cx="4114800" cy="365125"/>
+            <a:off x="2271713" y="11300181"/>
+            <a:ext cx="2314575" cy="649111"/>
           </a:xfrm>
           <a:prstGeom prst="rect">
             <a:avLst/>
@@ -2967,7 +2595,7 @@
           <a:bodyPr vert="horz" lIns="91440" tIns="45720" rIns="91440" bIns="45720" rtlCol="0" anchor="ctr"/>
           <a:lstStyle>
             <a:lvl1pPr algn="ctr">
-              <a:defRPr sz="1200">
+              <a:defRPr sz="900">
                 <a:solidFill>
                   <a:schemeClr val="tx1">
                     <a:tint val="75000"/>
@@ -2983,13 +2611,7 @@
       </p:sp>
       <p:sp>
         <p:nvSpPr>
-          <p:cNvPr id="6" name="Foliennummernplatzhalter 5">
-            <a:extLst>
-              <a:ext uri="{FF2B5EF4-FFF2-40B4-BE49-F238E27FC236}">
-                <a16:creationId xmlns:a16="http://schemas.microsoft.com/office/drawing/2014/main" id="{DD881A76-1259-9F33-D9FA-52F3FFAC9C43}"/>
-              </a:ext>
-            </a:extLst>
-          </p:cNvPr>
+          <p:cNvPr id="6" name="Slide Number Placeholder 5"/>
           <p:cNvSpPr>
             <a:spLocks noGrp="1"/>
           </p:cNvSpPr>
@@ -2999,8 +2621,8 @@
         </p:nvSpPr>
         <p:spPr>
           <a:xfrm>
-            <a:off x="8610600" y="6356350"/>
-            <a:ext cx="2743200" cy="365125"/>
+            <a:off x="4843463" y="11300181"/>
+            <a:ext cx="1543050" cy="649111"/>
           </a:xfrm>
           <a:prstGeom prst="rect">
             <a:avLst/>
@@ -3010,7 +2632,7 @@
           <a:bodyPr vert="horz" lIns="91440" tIns="45720" rIns="91440" bIns="45720" rtlCol="0" anchor="ctr"/>
           <a:lstStyle>
             <a:lvl1pPr algn="r">
-              <a:defRPr sz="1200">
+              <a:defRPr sz="900">
                 <a:solidFill>
                   <a:schemeClr val="tx1">
                     <a:tint val="75000"/>
@@ -3031,27 +2653,27 @@
     </p:spTree>
     <p:extLst>
       <p:ext uri="{BB962C8B-B14F-4D97-AF65-F5344CB8AC3E}">
-        <p14:creationId xmlns:p14="http://schemas.microsoft.com/office/powerpoint/2010/main" val="805140577"/>
+        <p14:creationId xmlns:p14="http://schemas.microsoft.com/office/powerpoint/2010/main" val="586933234"/>
       </p:ext>
     </p:extLst>
   </p:cSld>
   <p:clrMap bg1="lt1" tx1="dk1" bg2="lt2" tx2="dk2" accent1="accent1" accent2="accent2" accent3="accent3" accent4="accent4" accent5="accent5" accent6="accent6" hlink="hlink" folHlink="folHlink"/>
   <p:sldLayoutIdLst>
-    <p:sldLayoutId id="2147483649" r:id="rId1"/>
-    <p:sldLayoutId id="2147483650" r:id="rId2"/>
-    <p:sldLayoutId id="2147483651" r:id="rId3"/>
-    <p:sldLayoutId id="2147483652" r:id="rId4"/>
-    <p:sldLayoutId id="2147483653" r:id="rId5"/>
-    <p:sldLayoutId id="2147483654" r:id="rId6"/>
-    <p:sldLayoutId id="2147483655" r:id="rId7"/>
-    <p:sldLayoutId id="2147483656" r:id="rId8"/>
-    <p:sldLayoutId id="2147483657" r:id="rId9"/>
-    <p:sldLayoutId id="2147483658" r:id="rId10"/>
-    <p:sldLayoutId id="2147483659" r:id="rId11"/>
+    <p:sldLayoutId id="2147483661" r:id="rId1"/>
+    <p:sldLayoutId id="2147483662" r:id="rId2"/>
+    <p:sldLayoutId id="2147483663" r:id="rId3"/>
+    <p:sldLayoutId id="2147483664" r:id="rId4"/>
+    <p:sldLayoutId id="2147483665" r:id="rId5"/>
+    <p:sldLayoutId id="2147483666" r:id="rId6"/>
+    <p:sldLayoutId id="2147483667" r:id="rId7"/>
+    <p:sldLayoutId id="2147483668" r:id="rId8"/>
+    <p:sldLayoutId id="2147483669" r:id="rId9"/>
+    <p:sldLayoutId id="2147483670" r:id="rId10"/>
+    <p:sldLayoutId id="2147483671" r:id="rId11"/>
   </p:sldLayoutIdLst>
   <p:txStyles>
     <p:titleStyle>
-      <a:lvl1pPr algn="l" defTabSz="914400" rtl="0" eaLnBrk="1" latinLnBrk="0" hangingPunct="1">
+      <a:lvl1pPr algn="l" defTabSz="685800" rtl="0" eaLnBrk="1" latinLnBrk="0" hangingPunct="1">
         <a:lnSpc>
           <a:spcPct val="90000"/>
         </a:lnSpc>
@@ -3059,7 +2681,7 @@
           <a:spcPct val="0"/>
         </a:spcBef>
         <a:buNone/>
-        <a:defRPr sz="4400" kern="1200">
+        <a:defRPr sz="3300" kern="1200">
           <a:solidFill>
             <a:schemeClr val="tx1"/>
           </a:solidFill>
@@ -3070,16 +2692,16 @@
       </a:lvl1pPr>
     </p:titleStyle>
     <p:bodyStyle>
-      <a:lvl1pPr marL="228600" indent="-228600" algn="l" defTabSz="914400" rtl="0" eaLnBrk="1" latinLnBrk="0" hangingPunct="1">
+      <a:lvl1pPr marL="171450" indent="-171450" algn="l" defTabSz="685800" rtl="0" eaLnBrk="1" latinLnBrk="0" hangingPunct="1">
         <a:lnSpc>
           <a:spcPct val="90000"/>
         </a:lnSpc>
         <a:spcBef>
-          <a:spcPts val="1000"/>
+          <a:spcPts val="750"/>
         </a:spcBef>
         <a:buFont typeface="Arial" panose="020B0604020202020204" pitchFamily="34" charset="0"/>
         <a:buChar char="•"/>
-        <a:defRPr sz="2800" kern="1200">
+        <a:defRPr sz="2100" kern="1200">
           <a:solidFill>
             <a:schemeClr val="tx1"/>
           </a:solidFill>
@@ -3088,48 +2710,12 @@
           <a:cs typeface="+mn-cs"/>
         </a:defRPr>
       </a:lvl1pPr>
-      <a:lvl2pPr marL="685800" indent="-228600" algn="l" defTabSz="914400" rtl="0" eaLnBrk="1" latinLnBrk="0" hangingPunct="1">
+      <a:lvl2pPr marL="514350" indent="-171450" algn="l" defTabSz="685800" rtl="0" eaLnBrk="1" latinLnBrk="0" hangingPunct="1">
         <a:lnSpc>
           <a:spcPct val="90000"/>
         </a:lnSpc>
         <a:spcBef>
-          <a:spcPts val="500"/>
-        </a:spcBef>
-        <a:buFont typeface="Arial" panose="020B0604020202020204" pitchFamily="34" charset="0"/>
-        <a:buChar char="•"/>
-        <a:defRPr sz="2400" kern="1200">
-          <a:solidFill>
-            <a:schemeClr val="tx1"/>
-          </a:solidFill>
-          <a:latin typeface="+mn-lt"/>
-          <a:ea typeface="+mn-ea"/>
-          <a:cs typeface="+mn-cs"/>
-        </a:defRPr>
-      </a:lvl2pPr>
-      <a:lvl3pPr marL="1143000" indent="-228600" algn="l" defTabSz="914400" rtl="0" eaLnBrk="1" latinLnBrk="0" hangingPunct="1">
-        <a:lnSpc>
-          <a:spcPct val="90000"/>
-        </a:lnSpc>
-        <a:spcBef>
-          <a:spcPts val="500"/>
-        </a:spcBef>
-        <a:buFont typeface="Arial" panose="020B0604020202020204" pitchFamily="34" charset="0"/>
-        <a:buChar char="•"/>
-        <a:defRPr sz="2000" kern="1200">
-          <a:solidFill>
-            <a:schemeClr val="tx1"/>
-          </a:solidFill>
-          <a:latin typeface="+mn-lt"/>
-          <a:ea typeface="+mn-ea"/>
-          <a:cs typeface="+mn-cs"/>
-        </a:defRPr>
-      </a:lvl3pPr>
-      <a:lvl4pPr marL="1600200" indent="-228600" algn="l" defTabSz="914400" rtl="0" eaLnBrk="1" latinLnBrk="0" hangingPunct="1">
-        <a:lnSpc>
-          <a:spcPct val="90000"/>
-        </a:lnSpc>
-        <a:spcBef>
-          <a:spcPts val="500"/>
+          <a:spcPts val="375"/>
         </a:spcBef>
         <a:buFont typeface="Arial" panose="020B0604020202020204" pitchFamily="34" charset="0"/>
         <a:buChar char="•"/>
@@ -3141,17 +2727,53 @@
           <a:ea typeface="+mn-ea"/>
           <a:cs typeface="+mn-cs"/>
         </a:defRPr>
-      </a:lvl4pPr>
-      <a:lvl5pPr marL="2057400" indent="-228600" algn="l" defTabSz="914400" rtl="0" eaLnBrk="1" latinLnBrk="0" hangingPunct="1">
+      </a:lvl2pPr>
+      <a:lvl3pPr marL="857250" indent="-171450" algn="l" defTabSz="685800" rtl="0" eaLnBrk="1" latinLnBrk="0" hangingPunct="1">
         <a:lnSpc>
           <a:spcPct val="90000"/>
         </a:lnSpc>
         <a:spcBef>
-          <a:spcPts val="500"/>
+          <a:spcPts val="375"/>
         </a:spcBef>
         <a:buFont typeface="Arial" panose="020B0604020202020204" pitchFamily="34" charset="0"/>
         <a:buChar char="•"/>
-        <a:defRPr sz="1800" kern="1200">
+        <a:defRPr sz="1500" kern="1200">
+          <a:solidFill>
+            <a:schemeClr val="tx1"/>
+          </a:solidFill>
+          <a:latin typeface="+mn-lt"/>
+          <a:ea typeface="+mn-ea"/>
+          <a:cs typeface="+mn-cs"/>
+        </a:defRPr>
+      </a:lvl3pPr>
+      <a:lvl4pPr marL="1200150" indent="-171450" algn="l" defTabSz="685800" rtl="0" eaLnBrk="1" latinLnBrk="0" hangingPunct="1">
+        <a:lnSpc>
+          <a:spcPct val="90000"/>
+        </a:lnSpc>
+        <a:spcBef>
+          <a:spcPts val="375"/>
+        </a:spcBef>
+        <a:buFont typeface="Arial" panose="020B0604020202020204" pitchFamily="34" charset="0"/>
+        <a:buChar char="•"/>
+        <a:defRPr sz="1350" kern="1200">
+          <a:solidFill>
+            <a:schemeClr val="tx1"/>
+          </a:solidFill>
+          <a:latin typeface="+mn-lt"/>
+          <a:ea typeface="+mn-ea"/>
+          <a:cs typeface="+mn-cs"/>
+        </a:defRPr>
+      </a:lvl4pPr>
+      <a:lvl5pPr marL="1543050" indent="-171450" algn="l" defTabSz="685800" rtl="0" eaLnBrk="1" latinLnBrk="0" hangingPunct="1">
+        <a:lnSpc>
+          <a:spcPct val="90000"/>
+        </a:lnSpc>
+        <a:spcBef>
+          <a:spcPts val="375"/>
+        </a:spcBef>
+        <a:buFont typeface="Arial" panose="020B0604020202020204" pitchFamily="34" charset="0"/>
+        <a:buChar char="•"/>
+        <a:defRPr sz="1350" kern="1200">
           <a:solidFill>
             <a:schemeClr val="tx1"/>
           </a:solidFill>
@@ -3160,16 +2782,16 @@
           <a:cs typeface="+mn-cs"/>
         </a:defRPr>
       </a:lvl5pPr>
-      <a:lvl6pPr marL="2514600" indent="-228600" algn="l" defTabSz="914400" rtl="0" eaLnBrk="1" latinLnBrk="0" hangingPunct="1">
+      <a:lvl6pPr marL="1885950" indent="-171450" algn="l" defTabSz="685800" rtl="0" eaLnBrk="1" latinLnBrk="0" hangingPunct="1">
         <a:lnSpc>
           <a:spcPct val="90000"/>
         </a:lnSpc>
         <a:spcBef>
-          <a:spcPts val="500"/>
+          <a:spcPts val="375"/>
         </a:spcBef>
         <a:buFont typeface="Arial" panose="020B0604020202020204" pitchFamily="34" charset="0"/>
         <a:buChar char="•"/>
-        <a:defRPr sz="1800" kern="1200">
+        <a:defRPr sz="1350" kern="1200">
           <a:solidFill>
             <a:schemeClr val="tx1"/>
           </a:solidFill>
@@ -3178,16 +2800,16 @@
           <a:cs typeface="+mn-cs"/>
         </a:defRPr>
       </a:lvl6pPr>
-      <a:lvl7pPr marL="2971800" indent="-228600" algn="l" defTabSz="914400" rtl="0" eaLnBrk="1" latinLnBrk="0" hangingPunct="1">
+      <a:lvl7pPr marL="2228850" indent="-171450" algn="l" defTabSz="685800" rtl="0" eaLnBrk="1" latinLnBrk="0" hangingPunct="1">
         <a:lnSpc>
           <a:spcPct val="90000"/>
         </a:lnSpc>
         <a:spcBef>
-          <a:spcPts val="500"/>
+          <a:spcPts val="375"/>
         </a:spcBef>
         <a:buFont typeface="Arial" panose="020B0604020202020204" pitchFamily="34" charset="0"/>
         <a:buChar char="•"/>
-        <a:defRPr sz="1800" kern="1200">
+        <a:defRPr sz="1350" kern="1200">
           <a:solidFill>
             <a:schemeClr val="tx1"/>
           </a:solidFill>
@@ -3196,16 +2818,16 @@
           <a:cs typeface="+mn-cs"/>
         </a:defRPr>
       </a:lvl7pPr>
-      <a:lvl8pPr marL="3429000" indent="-228600" algn="l" defTabSz="914400" rtl="0" eaLnBrk="1" latinLnBrk="0" hangingPunct="1">
+      <a:lvl8pPr marL="2571750" indent="-171450" algn="l" defTabSz="685800" rtl="0" eaLnBrk="1" latinLnBrk="0" hangingPunct="1">
         <a:lnSpc>
           <a:spcPct val="90000"/>
         </a:lnSpc>
         <a:spcBef>
-          <a:spcPts val="500"/>
+          <a:spcPts val="375"/>
         </a:spcBef>
         <a:buFont typeface="Arial" panose="020B0604020202020204" pitchFamily="34" charset="0"/>
         <a:buChar char="•"/>
-        <a:defRPr sz="1800" kern="1200">
+        <a:defRPr sz="1350" kern="1200">
           <a:solidFill>
             <a:schemeClr val="tx1"/>
           </a:solidFill>
@@ -3214,16 +2836,16 @@
           <a:cs typeface="+mn-cs"/>
         </a:defRPr>
       </a:lvl8pPr>
-      <a:lvl9pPr marL="3886200" indent="-228600" algn="l" defTabSz="914400" rtl="0" eaLnBrk="1" latinLnBrk="0" hangingPunct="1">
+      <a:lvl9pPr marL="2914650" indent="-171450" algn="l" defTabSz="685800" rtl="0" eaLnBrk="1" latinLnBrk="0" hangingPunct="1">
         <a:lnSpc>
           <a:spcPct val="90000"/>
         </a:lnSpc>
         <a:spcBef>
-          <a:spcPts val="500"/>
+          <a:spcPts val="375"/>
         </a:spcBef>
         <a:buFont typeface="Arial" panose="020B0604020202020204" pitchFamily="34" charset="0"/>
         <a:buChar char="•"/>
-        <a:defRPr sz="1800" kern="1200">
+        <a:defRPr sz="1350" kern="1200">
           <a:solidFill>
             <a:schemeClr val="tx1"/>
           </a:solidFill>
@@ -3237,8 +2859,8 @@
       <a:defPPr>
         <a:defRPr lang="en-US"/>
       </a:defPPr>
-      <a:lvl1pPr marL="0" algn="l" defTabSz="914400" rtl="0" eaLnBrk="1" latinLnBrk="0" hangingPunct="1">
-        <a:defRPr sz="1800" kern="1200">
+      <a:lvl1pPr marL="0" algn="l" defTabSz="685800" rtl="0" eaLnBrk="1" latinLnBrk="0" hangingPunct="1">
+        <a:defRPr sz="1350" kern="1200">
           <a:solidFill>
             <a:schemeClr val="tx1"/>
           </a:solidFill>
@@ -3247,8 +2869,8 @@
           <a:cs typeface="+mn-cs"/>
         </a:defRPr>
       </a:lvl1pPr>
-      <a:lvl2pPr marL="457200" algn="l" defTabSz="914400" rtl="0" eaLnBrk="1" latinLnBrk="0" hangingPunct="1">
-        <a:defRPr sz="1800" kern="1200">
+      <a:lvl2pPr marL="342900" algn="l" defTabSz="685800" rtl="0" eaLnBrk="1" latinLnBrk="0" hangingPunct="1">
+        <a:defRPr sz="1350" kern="1200">
           <a:solidFill>
             <a:schemeClr val="tx1"/>
           </a:solidFill>
@@ -3257,8 +2879,8 @@
           <a:cs typeface="+mn-cs"/>
         </a:defRPr>
       </a:lvl2pPr>
-      <a:lvl3pPr marL="914400" algn="l" defTabSz="914400" rtl="0" eaLnBrk="1" latinLnBrk="0" hangingPunct="1">
-        <a:defRPr sz="1800" kern="1200">
+      <a:lvl3pPr marL="685800" algn="l" defTabSz="685800" rtl="0" eaLnBrk="1" latinLnBrk="0" hangingPunct="1">
+        <a:defRPr sz="1350" kern="1200">
           <a:solidFill>
             <a:schemeClr val="tx1"/>
           </a:solidFill>
@@ -3267,8 +2889,8 @@
           <a:cs typeface="+mn-cs"/>
         </a:defRPr>
       </a:lvl3pPr>
-      <a:lvl4pPr marL="1371600" algn="l" defTabSz="914400" rtl="0" eaLnBrk="1" latinLnBrk="0" hangingPunct="1">
-        <a:defRPr sz="1800" kern="1200">
+      <a:lvl4pPr marL="1028700" algn="l" defTabSz="685800" rtl="0" eaLnBrk="1" latinLnBrk="0" hangingPunct="1">
+        <a:defRPr sz="1350" kern="1200">
           <a:solidFill>
             <a:schemeClr val="tx1"/>
           </a:solidFill>
@@ -3277,8 +2899,8 @@
           <a:cs typeface="+mn-cs"/>
         </a:defRPr>
       </a:lvl4pPr>
-      <a:lvl5pPr marL="1828800" algn="l" defTabSz="914400" rtl="0" eaLnBrk="1" latinLnBrk="0" hangingPunct="1">
-        <a:defRPr sz="1800" kern="1200">
+      <a:lvl5pPr marL="1371600" algn="l" defTabSz="685800" rtl="0" eaLnBrk="1" latinLnBrk="0" hangingPunct="1">
+        <a:defRPr sz="1350" kern="1200">
           <a:solidFill>
             <a:schemeClr val="tx1"/>
           </a:solidFill>
@@ -3287,8 +2909,8 @@
           <a:cs typeface="+mn-cs"/>
         </a:defRPr>
       </a:lvl5pPr>
-      <a:lvl6pPr marL="2286000" algn="l" defTabSz="914400" rtl="0" eaLnBrk="1" latinLnBrk="0" hangingPunct="1">
-        <a:defRPr sz="1800" kern="1200">
+      <a:lvl6pPr marL="1714500" algn="l" defTabSz="685800" rtl="0" eaLnBrk="1" latinLnBrk="0" hangingPunct="1">
+        <a:defRPr sz="1350" kern="1200">
           <a:solidFill>
             <a:schemeClr val="tx1"/>
           </a:solidFill>
@@ -3297,8 +2919,8 @@
           <a:cs typeface="+mn-cs"/>
         </a:defRPr>
       </a:lvl6pPr>
-      <a:lvl7pPr marL="2743200" algn="l" defTabSz="914400" rtl="0" eaLnBrk="1" latinLnBrk="0" hangingPunct="1">
-        <a:defRPr sz="1800" kern="1200">
+      <a:lvl7pPr marL="2057400" algn="l" defTabSz="685800" rtl="0" eaLnBrk="1" latinLnBrk="0" hangingPunct="1">
+        <a:defRPr sz="1350" kern="1200">
           <a:solidFill>
             <a:schemeClr val="tx1"/>
           </a:solidFill>
@@ -3307,8 +2929,8 @@
           <a:cs typeface="+mn-cs"/>
         </a:defRPr>
       </a:lvl7pPr>
-      <a:lvl8pPr marL="3200400" algn="l" defTabSz="914400" rtl="0" eaLnBrk="1" latinLnBrk="0" hangingPunct="1">
-        <a:defRPr sz="1800" kern="1200">
+      <a:lvl8pPr marL="2400300" algn="l" defTabSz="685800" rtl="0" eaLnBrk="1" latinLnBrk="0" hangingPunct="1">
+        <a:defRPr sz="1350" kern="1200">
           <a:solidFill>
             <a:schemeClr val="tx1"/>
           </a:solidFill>
@@ -3317,8 +2939,8 @@
           <a:cs typeface="+mn-cs"/>
         </a:defRPr>
       </a:lvl8pPr>
-      <a:lvl9pPr marL="3657600" algn="l" defTabSz="914400" rtl="0" eaLnBrk="1" latinLnBrk="0" hangingPunct="1">
-        <a:defRPr sz="1800" kern="1200">
+      <a:lvl9pPr marL="2743200" algn="l" defTabSz="685800" rtl="0" eaLnBrk="1" latinLnBrk="0" hangingPunct="1">
+        <a:defRPr sz="1350" kern="1200">
           <a:solidFill>
             <a:schemeClr val="tx1"/>
           </a:solidFill>
@@ -3351,10 +2973,10 @@
       </p:grpSpPr>
       <p:grpSp>
         <p:nvGrpSpPr>
-          <p:cNvPr id="2" name="Gruppieren 1">
+          <p:cNvPr id="32" name="Gruppieren 31">
             <a:extLst>
               <a:ext uri="{FF2B5EF4-FFF2-40B4-BE49-F238E27FC236}">
-                <a16:creationId xmlns:a16="http://schemas.microsoft.com/office/drawing/2014/main" id="{CA2E531A-B741-D6AE-E4CD-513902C7C1AF}"/>
+                <a16:creationId xmlns:a16="http://schemas.microsoft.com/office/drawing/2014/main" id="{8A2D0E4A-CF4D-38D5-FEA9-C9450729F8BA}"/>
               </a:ext>
             </a:extLst>
           </p:cNvPr>
@@ -3363,18 +2985,18 @@
         </p:nvGrpSpPr>
         <p:grpSpPr>
           <a:xfrm>
-            <a:off x="0" y="19709"/>
-            <a:ext cx="11988000" cy="9990000"/>
-            <a:chOff x="0" y="19709"/>
-            <a:chExt cx="11988000" cy="9990000"/>
+            <a:off x="82048" y="2276963"/>
+            <a:ext cx="5777103" cy="9600000"/>
+            <a:chOff x="82048" y="2276963"/>
+            <a:chExt cx="5777103" cy="9600000"/>
           </a:xfrm>
         </p:grpSpPr>
         <p:pic>
           <p:nvPicPr>
-            <p:cNvPr id="30" name="Grafik 29" descr="Ein Bild, das Text, Screenshot enthält.&#10;&#10;Automatisch generierte Beschreibung">
+            <p:cNvPr id="12" name="Grafik 11" descr="Ein Bild, das Screenshot, Text enthält.&#10;&#10;Automatisch generierte Beschreibung">
               <a:extLst>
                 <a:ext uri="{FF2B5EF4-FFF2-40B4-BE49-F238E27FC236}">
-                  <a16:creationId xmlns:a16="http://schemas.microsoft.com/office/drawing/2014/main" id="{5F6B8A58-FB9E-FD41-99F2-59D4E8DBDCB4}"/>
+                  <a16:creationId xmlns:a16="http://schemas.microsoft.com/office/drawing/2014/main" id="{6BB3B06F-73B2-D9A9-7179-85DF94FA7BD8}"/>
                 </a:ext>
               </a:extLst>
             </p:cNvPr>
@@ -3397,8 +3019,8 @@
           </p:blipFill>
           <p:spPr>
             <a:xfrm>
-              <a:off x="7992000" y="3349709"/>
-              <a:ext cx="3996000" cy="3330000"/>
+              <a:off x="2979151" y="7076963"/>
+              <a:ext cx="2880000" cy="2400000"/>
             </a:xfrm>
             <a:prstGeom prst="rect">
               <a:avLst/>
@@ -3410,10 +3032,10 @@
         </p:pic>
         <p:pic>
           <p:nvPicPr>
-            <p:cNvPr id="32" name="Grafik 31" descr="Ein Bild, das Screenshot, Schwarz enthält.&#10;&#10;Automatisch generierte Beschreibung">
+            <p:cNvPr id="14" name="Grafik 13" descr="Ein Bild, das Screenshot, Schwarz enthält.&#10;&#10;Automatisch generierte Beschreibung">
               <a:extLst>
                 <a:ext uri="{FF2B5EF4-FFF2-40B4-BE49-F238E27FC236}">
-                  <a16:creationId xmlns:a16="http://schemas.microsoft.com/office/drawing/2014/main" id="{75E1C654-A437-F608-68E1-142B9B5176CE}"/>
+                  <a16:creationId xmlns:a16="http://schemas.microsoft.com/office/drawing/2014/main" id="{706BE24E-F185-EE07-04FA-436142663D1D}"/>
                 </a:ext>
               </a:extLst>
             </p:cNvPr>
@@ -3436,8 +3058,8 @@
           </p:blipFill>
           <p:spPr>
             <a:xfrm>
-              <a:off x="0" y="6679709"/>
-              <a:ext cx="3996000" cy="3330000"/>
+              <a:off x="90600" y="9476963"/>
+              <a:ext cx="2880000" cy="2400000"/>
             </a:xfrm>
             <a:prstGeom prst="rect">
               <a:avLst/>
@@ -3449,10 +3071,10 @@
         </p:pic>
         <p:pic>
           <p:nvPicPr>
-            <p:cNvPr id="34" name="Grafik 33" descr="Ein Bild, das Screenshot, Text, Schwarz enthält.&#10;&#10;Automatisch generierte Beschreibung">
+            <p:cNvPr id="16" name="Grafik 15" descr="Ein Bild, das Screenshot, Schwarz enthält.&#10;&#10;Automatisch generierte Beschreibung">
               <a:extLst>
                 <a:ext uri="{FF2B5EF4-FFF2-40B4-BE49-F238E27FC236}">
-                  <a16:creationId xmlns:a16="http://schemas.microsoft.com/office/drawing/2014/main" id="{9EE9BD76-B465-7EB1-5419-A6581394BAFE}"/>
+                  <a16:creationId xmlns:a16="http://schemas.microsoft.com/office/drawing/2014/main" id="{2B73F6EF-132F-71D4-3584-331F25278913}"/>
                 </a:ext>
               </a:extLst>
             </p:cNvPr>
@@ -3475,8 +3097,8 @@
           </p:blipFill>
           <p:spPr>
             <a:xfrm>
-              <a:off x="7992000" y="19709"/>
-              <a:ext cx="3996000" cy="3330000"/>
+              <a:off x="2979151" y="2276963"/>
+              <a:ext cx="2880000" cy="2400000"/>
             </a:xfrm>
             <a:prstGeom prst="rect">
               <a:avLst/>
@@ -3488,10 +3110,10 @@
         </p:pic>
         <p:pic>
           <p:nvPicPr>
-            <p:cNvPr id="36" name="Grafik 35" descr="Ein Bild, das Screenshot, Schwarz enthält.&#10;&#10;Automatisch generierte Beschreibung">
+            <p:cNvPr id="19" name="Grafik 18" descr="Ein Bild, das Screenshot, Quadrat, Schwarz enthält.&#10;&#10;Automatisch generierte Beschreibung">
               <a:extLst>
                 <a:ext uri="{FF2B5EF4-FFF2-40B4-BE49-F238E27FC236}">
-                  <a16:creationId xmlns:a16="http://schemas.microsoft.com/office/drawing/2014/main" id="{888597FE-D995-8BD1-0E5F-131A1420BD0F}"/>
+                  <a16:creationId xmlns:a16="http://schemas.microsoft.com/office/drawing/2014/main" id="{F50BE9D9-4E21-50D7-C1BE-6D222A95773C}"/>
                 </a:ext>
               </a:extLst>
             </p:cNvPr>
@@ -3514,8 +3136,8 @@
           </p:blipFill>
           <p:spPr>
             <a:xfrm>
-              <a:off x="3996000" y="19709"/>
-              <a:ext cx="3996000" cy="3330000"/>
+              <a:off x="82048" y="4676963"/>
+              <a:ext cx="2880000" cy="2400000"/>
             </a:xfrm>
             <a:prstGeom prst="rect">
               <a:avLst/>
@@ -3527,10 +3149,10 @@
         </p:pic>
         <p:pic>
           <p:nvPicPr>
-            <p:cNvPr id="38" name="Grafik 37" descr="Ein Bild, das Screenshot, Schwarz enthält.&#10;&#10;Automatisch generierte Beschreibung">
+            <p:cNvPr id="23" name="Grafik 22" descr="Ein Bild, das Screenshot, Schwarz enthält.&#10;&#10;Automatisch generierte Beschreibung">
               <a:extLst>
                 <a:ext uri="{FF2B5EF4-FFF2-40B4-BE49-F238E27FC236}">
-                  <a16:creationId xmlns:a16="http://schemas.microsoft.com/office/drawing/2014/main" id="{E133E7B7-126C-2C97-E408-7953AF69E1D7}"/>
+                  <a16:creationId xmlns:a16="http://schemas.microsoft.com/office/drawing/2014/main" id="{47E037F7-3CE1-2ABF-89E0-9FEC4AE8CD61}"/>
                 </a:ext>
               </a:extLst>
             </p:cNvPr>
@@ -3553,8 +3175,8 @@
           </p:blipFill>
           <p:spPr>
             <a:xfrm>
-              <a:off x="0" y="3349709"/>
-              <a:ext cx="3996000" cy="3330000"/>
+              <a:off x="2979151" y="4676963"/>
+              <a:ext cx="2880000" cy="2400000"/>
             </a:xfrm>
             <a:prstGeom prst="rect">
               <a:avLst/>
@@ -3566,10 +3188,10 @@
         </p:pic>
         <p:pic>
           <p:nvPicPr>
-            <p:cNvPr id="40" name="Grafik 39" descr="Ein Bild, das Screenshot, Schwarz enthält.&#10;&#10;Automatisch generierte Beschreibung">
+            <p:cNvPr id="27" name="Grafik 26" descr="Ein Bild, das Screenshot, Schwarz enthält.&#10;&#10;Automatisch generierte Beschreibung">
               <a:extLst>
                 <a:ext uri="{FF2B5EF4-FFF2-40B4-BE49-F238E27FC236}">
-                  <a16:creationId xmlns:a16="http://schemas.microsoft.com/office/drawing/2014/main" id="{E50DB893-79D3-CF83-6ADF-A95B1D0C0F6F}"/>
+                  <a16:creationId xmlns:a16="http://schemas.microsoft.com/office/drawing/2014/main" id="{4D48B448-BC1A-F477-1845-12F1EFD6ABC2}"/>
                 </a:ext>
               </a:extLst>
             </p:cNvPr>
@@ -3592,8 +3214,8 @@
           </p:blipFill>
           <p:spPr>
             <a:xfrm>
-              <a:off x="0" y="19709"/>
-              <a:ext cx="3996000" cy="3330000"/>
+              <a:off x="82048" y="2276963"/>
+              <a:ext cx="2880000" cy="2400000"/>
             </a:xfrm>
             <a:prstGeom prst="rect">
               <a:avLst/>
@@ -3605,10 +3227,10 @@
         </p:pic>
         <p:pic>
           <p:nvPicPr>
-            <p:cNvPr id="42" name="Grafik 41" descr="Ein Bild, das Screenshot enthält.&#10;&#10;Automatisch generierte Beschreibung">
+            <p:cNvPr id="30" name="Grafik 29" descr="Ein Bild, das Screenshot, Schwarz enthält.&#10;&#10;Automatisch generierte Beschreibung">
               <a:extLst>
                 <a:ext uri="{FF2B5EF4-FFF2-40B4-BE49-F238E27FC236}">
-                  <a16:creationId xmlns:a16="http://schemas.microsoft.com/office/drawing/2014/main" id="{C69EE3EC-0302-81C9-057C-1D2BD306627A}"/>
+                  <a16:creationId xmlns:a16="http://schemas.microsoft.com/office/drawing/2014/main" id="{B29C4C49-5C22-4E66-477C-2BA0BDFEFEA0}"/>
                 </a:ext>
               </a:extLst>
             </p:cNvPr>
@@ -3631,8 +3253,8 @@
           </p:blipFill>
           <p:spPr>
             <a:xfrm>
-              <a:off x="3996000" y="3349709"/>
-              <a:ext cx="3996000" cy="3330000"/>
+              <a:off x="89515" y="7076963"/>
+              <a:ext cx="2880000" cy="2400000"/>
             </a:xfrm>
             <a:prstGeom prst="rect">
               <a:avLst/>
@@ -3642,633 +3264,440 @@
             </a:ln>
           </p:spPr>
         </p:pic>
-      </p:grpSp>
-    </p:spTree>
-    <p:extLst>
-      <p:ext uri="{BB962C8B-B14F-4D97-AF65-F5344CB8AC3E}">
-        <p14:creationId xmlns:p14="http://schemas.microsoft.com/office/powerpoint/2010/main" val="3911376453"/>
-      </p:ext>
-    </p:extLst>
-  </p:cSld>
-  <p:clrMapOvr>
-    <a:masterClrMapping/>
-  </p:clrMapOvr>
-</p:sld>
-</file>
-
-<file path=ppt/slides/slide2.xml><?xml version="1.0" encoding="utf-8"?>
-<p:sld xmlns:a="http://schemas.openxmlformats.org/drawingml/2006/main" xmlns:r="http://schemas.openxmlformats.org/officeDocument/2006/relationships" xmlns:p="http://schemas.openxmlformats.org/presentationml/2006/main">
-  <p:cSld>
-    <p:spTree>
-      <p:nvGrpSpPr>
-        <p:cNvPr id="1" name=""/>
-        <p:cNvGrpSpPr/>
-        <p:nvPr/>
-      </p:nvGrpSpPr>
-      <p:grpSpPr>
-        <a:xfrm>
-          <a:off x="0" y="0"/>
-          <a:ext cx="0" cy="0"/>
-          <a:chOff x="0" y="0"/>
-          <a:chExt cx="0" cy="0"/>
-        </a:xfrm>
-      </p:grpSpPr>
-      <p:pic>
-        <p:nvPicPr>
-          <p:cNvPr id="30" name="Grafik 29" descr="Ein Bild, das Text, Screenshot enthält.&#10;&#10;Automatisch generierte Beschreibung">
-            <a:extLst>
-              <a:ext uri="{FF2B5EF4-FFF2-40B4-BE49-F238E27FC236}">
-                <a16:creationId xmlns:a16="http://schemas.microsoft.com/office/drawing/2014/main" id="{5F6B8A58-FB9E-FD41-99F2-59D4E8DBDCB4}"/>
-              </a:ext>
-            </a:extLst>
-          </p:cNvPr>
-          <p:cNvPicPr>
-            <a:picLocks noChangeAspect="1"/>
-          </p:cNvPicPr>
-          <p:nvPr/>
-        </p:nvPicPr>
-        <p:blipFill>
-          <a:blip r:embed="rId2">
-            <a:extLst>
-              <a:ext uri="{28A0092B-C50C-407E-A947-70E740481C1C}">
-                <a14:useLocalDpi xmlns:a14="http://schemas.microsoft.com/office/drawing/2010/main" val="0"/>
-              </a:ext>
-            </a:extLst>
-          </a:blip>
-          <a:stretch>
-            <a:fillRect/>
-          </a:stretch>
-        </p:blipFill>
-        <p:spPr>
-          <a:xfrm>
-            <a:off x="5991840" y="3349709"/>
-            <a:ext cx="2993760" cy="2494800"/>
-          </a:xfrm>
-          <a:prstGeom prst="rect">
-            <a:avLst/>
-          </a:prstGeom>
-          <a:ln>
-            <a:noFill/>
-          </a:ln>
-        </p:spPr>
-      </p:pic>
-      <p:pic>
-        <p:nvPicPr>
-          <p:cNvPr id="32" name="Grafik 31" descr="Ein Bild, das Screenshot, Schwarz enthält.&#10;&#10;Automatisch generierte Beschreibung">
-            <a:extLst>
-              <a:ext uri="{FF2B5EF4-FFF2-40B4-BE49-F238E27FC236}">
-                <a16:creationId xmlns:a16="http://schemas.microsoft.com/office/drawing/2014/main" id="{75E1C654-A437-F608-68E1-142B9B5176CE}"/>
-              </a:ext>
-            </a:extLst>
-          </p:cNvPr>
-          <p:cNvPicPr>
-            <a:picLocks noChangeAspect="1"/>
-          </p:cNvPicPr>
-          <p:nvPr/>
-        </p:nvPicPr>
-        <p:blipFill>
-          <a:blip r:embed="rId3">
-            <a:extLst>
-              <a:ext uri="{28A0092B-C50C-407E-A947-70E740481C1C}">
-                <a14:useLocalDpi xmlns:a14="http://schemas.microsoft.com/office/drawing/2010/main" val="0"/>
-              </a:ext>
-            </a:extLst>
-          </a:blip>
-          <a:stretch>
-            <a:fillRect/>
-          </a:stretch>
-        </p:blipFill>
-        <p:spPr>
-          <a:xfrm>
-            <a:off x="8994240" y="3349709"/>
-            <a:ext cx="2993760" cy="2494800"/>
-          </a:xfrm>
-          <a:prstGeom prst="rect">
-            <a:avLst/>
-          </a:prstGeom>
-          <a:ln>
-            <a:noFill/>
-          </a:ln>
-        </p:spPr>
-      </p:pic>
-      <p:pic>
-        <p:nvPicPr>
-          <p:cNvPr id="34" name="Grafik 33" descr="Ein Bild, das Screenshot, Text, Schwarz enthält.&#10;&#10;Automatisch generierte Beschreibung">
-            <a:extLst>
-              <a:ext uri="{FF2B5EF4-FFF2-40B4-BE49-F238E27FC236}">
-                <a16:creationId xmlns:a16="http://schemas.microsoft.com/office/drawing/2014/main" id="{9EE9BD76-B465-7EB1-5419-A6581394BAFE}"/>
-              </a:ext>
-            </a:extLst>
-          </p:cNvPr>
-          <p:cNvPicPr>
-            <a:picLocks noChangeAspect="1"/>
-          </p:cNvPicPr>
-          <p:nvPr/>
-        </p:nvPicPr>
-        <p:blipFill>
-          <a:blip r:embed="rId4">
-            <a:extLst>
-              <a:ext uri="{28A0092B-C50C-407E-A947-70E740481C1C}">
-                <a14:useLocalDpi xmlns:a14="http://schemas.microsoft.com/office/drawing/2010/main" val="0"/>
-              </a:ext>
-            </a:extLst>
-          </a:blip>
-          <a:stretch>
-            <a:fillRect/>
-          </a:stretch>
-        </p:blipFill>
-        <p:spPr>
-          <a:xfrm>
-            <a:off x="7992000" y="19709"/>
-            <a:ext cx="3996000" cy="3330000"/>
-          </a:xfrm>
-          <a:prstGeom prst="rect">
-            <a:avLst/>
-          </a:prstGeom>
-          <a:ln>
-            <a:noFill/>
-          </a:ln>
-        </p:spPr>
-      </p:pic>
-      <p:pic>
-        <p:nvPicPr>
-          <p:cNvPr id="36" name="Grafik 35" descr="Ein Bild, das Screenshot, Schwarz enthält.&#10;&#10;Automatisch generierte Beschreibung">
-            <a:extLst>
-              <a:ext uri="{FF2B5EF4-FFF2-40B4-BE49-F238E27FC236}">
-                <a16:creationId xmlns:a16="http://schemas.microsoft.com/office/drawing/2014/main" id="{888597FE-D995-8BD1-0E5F-131A1420BD0F}"/>
-              </a:ext>
-            </a:extLst>
-          </p:cNvPr>
-          <p:cNvPicPr>
-            <a:picLocks noChangeAspect="1"/>
-          </p:cNvPicPr>
-          <p:nvPr/>
-        </p:nvPicPr>
-        <p:blipFill>
-          <a:blip r:embed="rId5">
-            <a:extLst>
-              <a:ext uri="{28A0092B-C50C-407E-A947-70E740481C1C}">
-                <a14:useLocalDpi xmlns:a14="http://schemas.microsoft.com/office/drawing/2010/main" val="0"/>
-              </a:ext>
-            </a:extLst>
-          </a:blip>
-          <a:stretch>
-            <a:fillRect/>
-          </a:stretch>
-        </p:blipFill>
-        <p:spPr>
-          <a:xfrm>
-            <a:off x="3996000" y="19709"/>
-            <a:ext cx="3996000" cy="3330000"/>
-          </a:xfrm>
-          <a:prstGeom prst="rect">
-            <a:avLst/>
-          </a:prstGeom>
-          <a:ln>
-            <a:noFill/>
-          </a:ln>
-        </p:spPr>
-      </p:pic>
-      <p:pic>
-        <p:nvPicPr>
-          <p:cNvPr id="38" name="Grafik 37" descr="Ein Bild, das Screenshot, Schwarz enthält.&#10;&#10;Automatisch generierte Beschreibung">
-            <a:extLst>
-              <a:ext uri="{FF2B5EF4-FFF2-40B4-BE49-F238E27FC236}">
-                <a16:creationId xmlns:a16="http://schemas.microsoft.com/office/drawing/2014/main" id="{E133E7B7-126C-2C97-E408-7953AF69E1D7}"/>
-              </a:ext>
-            </a:extLst>
-          </p:cNvPr>
-          <p:cNvPicPr>
-            <a:picLocks noChangeAspect="1"/>
-          </p:cNvPicPr>
-          <p:nvPr/>
-        </p:nvPicPr>
-        <p:blipFill>
-          <a:blip r:embed="rId6">
-            <a:extLst>
-              <a:ext uri="{28A0092B-C50C-407E-A947-70E740481C1C}">
-                <a14:useLocalDpi xmlns:a14="http://schemas.microsoft.com/office/drawing/2010/main" val="0"/>
-              </a:ext>
-            </a:extLst>
-          </a:blip>
-          <a:stretch>
-            <a:fillRect/>
-          </a:stretch>
-        </p:blipFill>
-        <p:spPr>
-          <a:xfrm>
-            <a:off x="0" y="3349709"/>
-            <a:ext cx="2993760" cy="2494800"/>
-          </a:xfrm>
-          <a:prstGeom prst="rect">
-            <a:avLst/>
-          </a:prstGeom>
-          <a:ln>
-            <a:noFill/>
-          </a:ln>
-        </p:spPr>
-      </p:pic>
-      <p:pic>
-        <p:nvPicPr>
-          <p:cNvPr id="40" name="Grafik 39" descr="Ein Bild, das Screenshot, Schwarz enthält.&#10;&#10;Automatisch generierte Beschreibung">
-            <a:extLst>
-              <a:ext uri="{FF2B5EF4-FFF2-40B4-BE49-F238E27FC236}">
-                <a16:creationId xmlns:a16="http://schemas.microsoft.com/office/drawing/2014/main" id="{E50DB893-79D3-CF83-6ADF-A95B1D0C0F6F}"/>
-              </a:ext>
-            </a:extLst>
-          </p:cNvPr>
-          <p:cNvPicPr>
-            <a:picLocks noChangeAspect="1"/>
-          </p:cNvPicPr>
-          <p:nvPr/>
-        </p:nvPicPr>
-        <p:blipFill>
-          <a:blip r:embed="rId7">
-            <a:extLst>
-              <a:ext uri="{28A0092B-C50C-407E-A947-70E740481C1C}">
-                <a14:useLocalDpi xmlns:a14="http://schemas.microsoft.com/office/drawing/2010/main" val="0"/>
-              </a:ext>
-            </a:extLst>
-          </a:blip>
-          <a:stretch>
-            <a:fillRect/>
-          </a:stretch>
-        </p:blipFill>
-        <p:spPr>
-          <a:xfrm>
-            <a:off x="0" y="19709"/>
-            <a:ext cx="3996000" cy="3330000"/>
-          </a:xfrm>
-          <a:prstGeom prst="rect">
-            <a:avLst/>
-          </a:prstGeom>
-          <a:ln>
-            <a:noFill/>
-          </a:ln>
-        </p:spPr>
-      </p:pic>
-      <p:pic>
-        <p:nvPicPr>
-          <p:cNvPr id="42" name="Grafik 41" descr="Ein Bild, das Screenshot enthält.&#10;&#10;Automatisch generierte Beschreibung">
-            <a:extLst>
-              <a:ext uri="{FF2B5EF4-FFF2-40B4-BE49-F238E27FC236}">
-                <a16:creationId xmlns:a16="http://schemas.microsoft.com/office/drawing/2014/main" id="{C69EE3EC-0302-81C9-057C-1D2BD306627A}"/>
-              </a:ext>
-            </a:extLst>
-          </p:cNvPr>
-          <p:cNvPicPr>
-            <a:picLocks noChangeAspect="1"/>
-          </p:cNvPicPr>
-          <p:nvPr/>
-        </p:nvPicPr>
-        <p:blipFill>
-          <a:blip r:embed="rId8">
-            <a:extLst>
-              <a:ext uri="{28A0092B-C50C-407E-A947-70E740481C1C}">
-                <a14:useLocalDpi xmlns:a14="http://schemas.microsoft.com/office/drawing/2010/main" val="0"/>
-              </a:ext>
-            </a:extLst>
-          </a:blip>
-          <a:stretch>
-            <a:fillRect/>
-          </a:stretch>
-        </p:blipFill>
-        <p:spPr>
-          <a:xfrm>
-            <a:off x="2993760" y="3349709"/>
-            <a:ext cx="2993760" cy="2494800"/>
-          </a:xfrm>
-          <a:prstGeom prst="rect">
-            <a:avLst/>
-          </a:prstGeom>
-          <a:ln>
-            <a:noFill/>
-          </a:ln>
-        </p:spPr>
-      </p:pic>
-    </p:spTree>
-    <p:extLst>
-      <p:ext uri="{BB962C8B-B14F-4D97-AF65-F5344CB8AC3E}">
-        <p14:creationId xmlns:p14="http://schemas.microsoft.com/office/powerpoint/2010/main" val="1974320077"/>
-      </p:ext>
-    </p:extLst>
-  </p:cSld>
-  <p:clrMapOvr>
-    <a:masterClrMapping/>
-  </p:clrMapOvr>
-</p:sld>
-</file>
-
-<file path=ppt/slides/slide3.xml><?xml version="1.0" encoding="utf-8"?>
-<p:sld xmlns:a="http://schemas.openxmlformats.org/drawingml/2006/main" xmlns:r="http://schemas.openxmlformats.org/officeDocument/2006/relationships" xmlns:p="http://schemas.openxmlformats.org/presentationml/2006/main">
-  <p:cSld>
-    <p:spTree>
-      <p:nvGrpSpPr>
-        <p:cNvPr id="1" name=""/>
-        <p:cNvGrpSpPr/>
-        <p:nvPr/>
-      </p:nvGrpSpPr>
-      <p:grpSpPr>
-        <a:xfrm>
-          <a:off x="0" y="0"/>
-          <a:ext cx="0" cy="0"/>
-          <a:chOff x="0" y="0"/>
-          <a:chExt cx="0" cy="0"/>
-        </a:xfrm>
-      </p:grpSpPr>
-      <p:grpSp>
-        <p:nvGrpSpPr>
-          <p:cNvPr id="33" name="Gruppieren 32">
-            <a:extLst>
-              <a:ext uri="{FF2B5EF4-FFF2-40B4-BE49-F238E27FC236}">
-                <a16:creationId xmlns:a16="http://schemas.microsoft.com/office/drawing/2014/main" id="{6D999D97-61F9-F41D-64E6-646902FF8A05}"/>
-              </a:ext>
-            </a:extLst>
-          </p:cNvPr>
-          <p:cNvGrpSpPr/>
-          <p:nvPr/>
-        </p:nvGrpSpPr>
-        <p:grpSpPr>
-          <a:xfrm>
-            <a:off x="0" y="0"/>
-            <a:ext cx="12312000" cy="6004801"/>
-            <a:chOff x="0" y="0"/>
-            <a:chExt cx="12312000" cy="6004801"/>
-          </a:xfrm>
-        </p:grpSpPr>
-        <p:pic>
-          <p:nvPicPr>
-            <p:cNvPr id="18" name="Grafik 17" descr="Ein Bild, das Screenshot, Text enthält.&#10;&#10;Automatisch generierte Beschreibung">
+        <p:sp>
+          <p:nvSpPr>
+            <p:cNvPr id="2" name="Rechteck 1">
               <a:extLst>
                 <a:ext uri="{FF2B5EF4-FFF2-40B4-BE49-F238E27FC236}">
-                  <a16:creationId xmlns:a16="http://schemas.microsoft.com/office/drawing/2014/main" id="{45AF7323-11D7-1562-2156-73B1A4FFA452}"/>
+                  <a16:creationId xmlns:a16="http://schemas.microsoft.com/office/drawing/2014/main" id="{A29FECC4-F206-F6AF-10EE-BD15F11B5F57}"/>
                 </a:ext>
               </a:extLst>
             </p:cNvPr>
-            <p:cNvPicPr>
-              <a:picLocks noChangeAspect="1"/>
-            </p:cNvPicPr>
+            <p:cNvSpPr/>
             <p:nvPr/>
-          </p:nvPicPr>
-          <p:blipFill>
-            <a:blip r:embed="rId2">
-              <a:extLst>
-                <a:ext uri="{28A0092B-C50C-407E-A947-70E740481C1C}">
-                  <a14:useLocalDpi xmlns:a14="http://schemas.microsoft.com/office/drawing/2010/main" val="0"/>
-                </a:ext>
-              </a:extLst>
-            </a:blip>
-            <a:stretch>
-              <a:fillRect/>
-            </a:stretch>
-          </p:blipFill>
+          </p:nvSpPr>
           <p:spPr>
             <a:xfrm>
-              <a:off x="6160320" y="3438001"/>
-              <a:ext cx="3080160" cy="2566800"/>
+              <a:off x="430094" y="2376022"/>
+              <a:ext cx="357809" cy="303595"/>
             </a:xfrm>
             <a:prstGeom prst="rect">
               <a:avLst/>
             </a:prstGeom>
+            <a:noFill/>
             <a:ln>
               <a:noFill/>
             </a:ln>
           </p:spPr>
-        </p:pic>
-        <p:pic>
-          <p:nvPicPr>
-            <p:cNvPr id="20" name="Grafik 19" descr="Ein Bild, das Screenshot, Schwarz enthält.&#10;&#10;Automatisch generierte Beschreibung">
+          <p:style>
+            <a:lnRef idx="2">
+              <a:schemeClr val="accent1">
+                <a:shade val="15000"/>
+              </a:schemeClr>
+            </a:lnRef>
+            <a:fillRef idx="1">
+              <a:schemeClr val="accent1"/>
+            </a:fillRef>
+            <a:effectRef idx="0">
+              <a:schemeClr val="accent1"/>
+            </a:effectRef>
+            <a:fontRef idx="minor">
+              <a:schemeClr val="lt1"/>
+            </a:fontRef>
+          </p:style>
+          <p:txBody>
+            <a:bodyPr rtlCol="0" anchor="ctr"/>
+            <a:lstStyle/>
+            <a:p>
+              <a:pPr algn="ctr"/>
+              <a:r>
+                <a:rPr lang="de-CH" sz="1200" dirty="0">
+                  <a:solidFill>
+                    <a:schemeClr val="tx1"/>
+                  </a:solidFill>
+                </a:rPr>
+                <a:t>1)</a:t>
+              </a:r>
+              <a:endParaRPr lang="en-GB" sz="1200" dirty="0">
+                <a:solidFill>
+                  <a:schemeClr val="tx1"/>
+                </a:solidFill>
+              </a:endParaRPr>
+            </a:p>
+          </p:txBody>
+        </p:sp>
+        <p:sp>
+          <p:nvSpPr>
+            <p:cNvPr id="4" name="Rechteck 3">
               <a:extLst>
                 <a:ext uri="{FF2B5EF4-FFF2-40B4-BE49-F238E27FC236}">
-                  <a16:creationId xmlns:a16="http://schemas.microsoft.com/office/drawing/2014/main" id="{D8D5888E-8DB3-5F8F-D326-F9040D842CCB}"/>
+                  <a16:creationId xmlns:a16="http://schemas.microsoft.com/office/drawing/2014/main" id="{8E13E561-0681-E848-10A1-1289DD6559B3}"/>
                 </a:ext>
               </a:extLst>
             </p:cNvPr>
-            <p:cNvPicPr>
-              <a:picLocks noChangeAspect="1"/>
-            </p:cNvPicPr>
+            <p:cNvSpPr/>
             <p:nvPr/>
-          </p:nvPicPr>
-          <p:blipFill>
-            <a:blip r:embed="rId3">
-              <a:extLst>
-                <a:ext uri="{28A0092B-C50C-407E-A947-70E740481C1C}">
-                  <a14:useLocalDpi xmlns:a14="http://schemas.microsoft.com/office/drawing/2010/main" val="0"/>
-                </a:ext>
-              </a:extLst>
-            </a:blip>
-            <a:stretch>
-              <a:fillRect/>
-            </a:stretch>
-          </p:blipFill>
+          </p:nvSpPr>
           <p:spPr>
             <a:xfrm>
-              <a:off x="9231840" y="3429000"/>
-              <a:ext cx="3080160" cy="2566800"/>
+              <a:off x="430094" y="4676963"/>
+              <a:ext cx="357809" cy="303595"/>
             </a:xfrm>
             <a:prstGeom prst="rect">
               <a:avLst/>
             </a:prstGeom>
+            <a:noFill/>
             <a:ln>
               <a:noFill/>
             </a:ln>
           </p:spPr>
-        </p:pic>
-        <p:pic>
-          <p:nvPicPr>
-            <p:cNvPr id="22" name="Grafik 21" descr="Ein Bild, das Screenshot, Schwarz enthält.&#10;&#10;Automatisch generierte Beschreibung">
+          <p:style>
+            <a:lnRef idx="2">
+              <a:schemeClr val="accent1">
+                <a:shade val="15000"/>
+              </a:schemeClr>
+            </a:lnRef>
+            <a:fillRef idx="1">
+              <a:schemeClr val="accent1"/>
+            </a:fillRef>
+            <a:effectRef idx="0">
+              <a:schemeClr val="accent1"/>
+            </a:effectRef>
+            <a:fontRef idx="minor">
+              <a:schemeClr val="lt1"/>
+            </a:fontRef>
+          </p:style>
+          <p:txBody>
+            <a:bodyPr rtlCol="0" anchor="ctr"/>
+            <a:lstStyle/>
+            <a:p>
+              <a:pPr algn="ctr"/>
+              <a:r>
+                <a:rPr lang="de-CH" sz="1200" dirty="0">
+                  <a:solidFill>
+                    <a:schemeClr val="tx1"/>
+                  </a:solidFill>
+                </a:rPr>
+                <a:t>3)</a:t>
+              </a:r>
+              <a:endParaRPr lang="en-GB" sz="1200" dirty="0">
+                <a:solidFill>
+                  <a:schemeClr val="tx1"/>
+                </a:solidFill>
+              </a:endParaRPr>
+            </a:p>
+          </p:txBody>
+        </p:sp>
+        <p:sp>
+          <p:nvSpPr>
+            <p:cNvPr id="5" name="Rechteck 4">
               <a:extLst>
                 <a:ext uri="{FF2B5EF4-FFF2-40B4-BE49-F238E27FC236}">
-                  <a16:creationId xmlns:a16="http://schemas.microsoft.com/office/drawing/2014/main" id="{9DFB56AB-C13D-661F-6A92-DF3DEAAA1175}"/>
+                  <a16:creationId xmlns:a16="http://schemas.microsoft.com/office/drawing/2014/main" id="{29AC5C9D-D485-7238-C869-27AE60C6FC0A}"/>
                 </a:ext>
               </a:extLst>
             </p:cNvPr>
-            <p:cNvPicPr>
-              <a:picLocks noChangeAspect="1"/>
-            </p:cNvPicPr>
+            <p:cNvSpPr/>
             <p:nvPr/>
-          </p:nvPicPr>
-          <p:blipFill>
-            <a:blip r:embed="rId4">
-              <a:extLst>
-                <a:ext uri="{28A0092B-C50C-407E-A947-70E740481C1C}">
-                  <a14:useLocalDpi xmlns:a14="http://schemas.microsoft.com/office/drawing/2010/main" val="0"/>
-                </a:ext>
-              </a:extLst>
-            </a:blip>
-            <a:stretch>
-              <a:fillRect/>
-            </a:stretch>
-          </p:blipFill>
+          </p:nvSpPr>
           <p:spPr>
             <a:xfrm>
-              <a:off x="8208000" y="0"/>
-              <a:ext cx="4104000" cy="3420000"/>
+              <a:off x="3310092" y="2376022"/>
+              <a:ext cx="357809" cy="303595"/>
             </a:xfrm>
             <a:prstGeom prst="rect">
               <a:avLst/>
             </a:prstGeom>
+            <a:noFill/>
             <a:ln>
               <a:noFill/>
             </a:ln>
           </p:spPr>
-        </p:pic>
-        <p:pic>
-          <p:nvPicPr>
-            <p:cNvPr id="24" name="Grafik 23" descr="Ein Bild, das Screenshot, Reihe, Schwarz enthält.&#10;&#10;Automatisch generierte Beschreibung">
+          <p:style>
+            <a:lnRef idx="2">
+              <a:schemeClr val="accent1">
+                <a:shade val="15000"/>
+              </a:schemeClr>
+            </a:lnRef>
+            <a:fillRef idx="1">
+              <a:schemeClr val="accent1"/>
+            </a:fillRef>
+            <a:effectRef idx="0">
+              <a:schemeClr val="accent1"/>
+            </a:effectRef>
+            <a:fontRef idx="minor">
+              <a:schemeClr val="lt1"/>
+            </a:fontRef>
+          </p:style>
+          <p:txBody>
+            <a:bodyPr rtlCol="0" anchor="ctr"/>
+            <a:lstStyle/>
+            <a:p>
+              <a:pPr algn="ctr"/>
+              <a:r>
+                <a:rPr lang="de-CH" sz="1200" dirty="0">
+                  <a:solidFill>
+                    <a:schemeClr val="tx1"/>
+                  </a:solidFill>
+                </a:rPr>
+                <a:t>2)</a:t>
+              </a:r>
+              <a:endParaRPr lang="en-GB" sz="1200" dirty="0">
+                <a:solidFill>
+                  <a:schemeClr val="tx1"/>
+                </a:solidFill>
+              </a:endParaRPr>
+            </a:p>
+          </p:txBody>
+        </p:sp>
+        <p:sp>
+          <p:nvSpPr>
+            <p:cNvPr id="6" name="Rechteck 5">
               <a:extLst>
                 <a:ext uri="{FF2B5EF4-FFF2-40B4-BE49-F238E27FC236}">
-                  <a16:creationId xmlns:a16="http://schemas.microsoft.com/office/drawing/2014/main" id="{2AC4EAA3-4EA3-86B5-E38B-4E999C9DF644}"/>
+                  <a16:creationId xmlns:a16="http://schemas.microsoft.com/office/drawing/2014/main" id="{D4256FD2-A353-06AC-C234-D74514C3CB55}"/>
                 </a:ext>
               </a:extLst>
             </p:cNvPr>
-            <p:cNvPicPr>
-              <a:picLocks noChangeAspect="1"/>
-            </p:cNvPicPr>
+            <p:cNvSpPr/>
             <p:nvPr/>
-          </p:nvPicPr>
-          <p:blipFill>
-            <a:blip r:embed="rId5">
-              <a:extLst>
-                <a:ext uri="{28A0092B-C50C-407E-A947-70E740481C1C}">
-                  <a14:useLocalDpi xmlns:a14="http://schemas.microsoft.com/office/drawing/2010/main" val="0"/>
-                </a:ext>
-              </a:extLst>
-            </a:blip>
-            <a:stretch>
-              <a:fillRect/>
-            </a:stretch>
-          </p:blipFill>
+          </p:nvSpPr>
           <p:spPr>
             <a:xfrm>
-              <a:off x="4104000" y="0"/>
-              <a:ext cx="4104000" cy="3420000"/>
+              <a:off x="430093" y="7176022"/>
+              <a:ext cx="357809" cy="303595"/>
             </a:xfrm>
             <a:prstGeom prst="rect">
               <a:avLst/>
             </a:prstGeom>
+            <a:noFill/>
             <a:ln>
               <a:noFill/>
             </a:ln>
           </p:spPr>
-        </p:pic>
-        <p:pic>
-          <p:nvPicPr>
-            <p:cNvPr id="26" name="Grafik 25" descr="Ein Bild, das Screenshot enthält.&#10;&#10;Automatisch generierte Beschreibung">
+          <p:style>
+            <a:lnRef idx="2">
+              <a:schemeClr val="accent1">
+                <a:shade val="15000"/>
+              </a:schemeClr>
+            </a:lnRef>
+            <a:fillRef idx="1">
+              <a:schemeClr val="accent1"/>
+            </a:fillRef>
+            <a:effectRef idx="0">
+              <a:schemeClr val="accent1"/>
+            </a:effectRef>
+            <a:fontRef idx="minor">
+              <a:schemeClr val="lt1"/>
+            </a:fontRef>
+          </p:style>
+          <p:txBody>
+            <a:bodyPr rtlCol="0" anchor="ctr"/>
+            <a:lstStyle/>
+            <a:p>
+              <a:pPr algn="ctr"/>
+              <a:r>
+                <a:rPr lang="de-CH" sz="1200" dirty="0">
+                  <a:solidFill>
+                    <a:schemeClr val="tx1"/>
+                  </a:solidFill>
+                </a:rPr>
+                <a:t>5)</a:t>
+              </a:r>
+              <a:endParaRPr lang="en-GB" sz="1200" dirty="0">
+                <a:solidFill>
+                  <a:schemeClr val="tx1"/>
+                </a:solidFill>
+              </a:endParaRPr>
+            </a:p>
+          </p:txBody>
+        </p:sp>
+        <p:sp>
+          <p:nvSpPr>
+            <p:cNvPr id="7" name="Rechteck 6">
               <a:extLst>
                 <a:ext uri="{FF2B5EF4-FFF2-40B4-BE49-F238E27FC236}">
-                  <a16:creationId xmlns:a16="http://schemas.microsoft.com/office/drawing/2014/main" id="{547BDF2C-F5A1-0EB7-53DC-E6B61FCAA2EC}"/>
+                  <a16:creationId xmlns:a16="http://schemas.microsoft.com/office/drawing/2014/main" id="{28AC83DA-E98A-A75F-350B-946A5FE4B2FF}"/>
                 </a:ext>
               </a:extLst>
             </p:cNvPr>
-            <p:cNvPicPr>
-              <a:picLocks noChangeAspect="1"/>
-            </p:cNvPicPr>
+            <p:cNvSpPr/>
             <p:nvPr/>
-          </p:nvPicPr>
-          <p:blipFill>
-            <a:blip r:embed="rId6">
-              <a:extLst>
-                <a:ext uri="{28A0092B-C50C-407E-A947-70E740481C1C}">
-                  <a14:useLocalDpi xmlns:a14="http://schemas.microsoft.com/office/drawing/2010/main" val="0"/>
-                </a:ext>
-              </a:extLst>
-            </a:blip>
-            <a:stretch>
-              <a:fillRect/>
-            </a:stretch>
-          </p:blipFill>
+          </p:nvSpPr>
           <p:spPr>
             <a:xfrm>
-              <a:off x="0" y="3438001"/>
-              <a:ext cx="3080160" cy="2566800"/>
+              <a:off x="3310093" y="4676963"/>
+              <a:ext cx="357809" cy="303595"/>
             </a:xfrm>
             <a:prstGeom prst="rect">
               <a:avLst/>
             </a:prstGeom>
+            <a:noFill/>
             <a:ln>
               <a:noFill/>
             </a:ln>
           </p:spPr>
-        </p:pic>
-        <p:pic>
-          <p:nvPicPr>
-            <p:cNvPr id="28" name="Grafik 27" descr="Ein Bild, das Screenshot, Schwarz, Diagramm enthält.&#10;&#10;Automatisch generierte Beschreibung">
+          <p:style>
+            <a:lnRef idx="2">
+              <a:schemeClr val="accent1">
+                <a:shade val="15000"/>
+              </a:schemeClr>
+            </a:lnRef>
+            <a:fillRef idx="1">
+              <a:schemeClr val="accent1"/>
+            </a:fillRef>
+            <a:effectRef idx="0">
+              <a:schemeClr val="accent1"/>
+            </a:effectRef>
+            <a:fontRef idx="minor">
+              <a:schemeClr val="lt1"/>
+            </a:fontRef>
+          </p:style>
+          <p:txBody>
+            <a:bodyPr rtlCol="0" anchor="ctr"/>
+            <a:lstStyle/>
+            <a:p>
+              <a:pPr algn="ctr"/>
+              <a:r>
+                <a:rPr lang="de-CH" sz="1200" dirty="0">
+                  <a:solidFill>
+                    <a:schemeClr val="tx1"/>
+                  </a:solidFill>
+                </a:rPr>
+                <a:t>4)</a:t>
+              </a:r>
+              <a:endParaRPr lang="en-GB" sz="1200" dirty="0">
+                <a:solidFill>
+                  <a:schemeClr val="tx1"/>
+                </a:solidFill>
+              </a:endParaRPr>
+            </a:p>
+          </p:txBody>
+        </p:sp>
+        <p:sp>
+          <p:nvSpPr>
+            <p:cNvPr id="8" name="Rechteck 7">
               <a:extLst>
                 <a:ext uri="{FF2B5EF4-FFF2-40B4-BE49-F238E27FC236}">
-                  <a16:creationId xmlns:a16="http://schemas.microsoft.com/office/drawing/2014/main" id="{74D40FE6-2FEF-EB21-135A-A4E4BA157BCC}"/>
+                  <a16:creationId xmlns:a16="http://schemas.microsoft.com/office/drawing/2014/main" id="{32A5B43D-9F79-7E66-D74F-9EED4248006B}"/>
                 </a:ext>
               </a:extLst>
             </p:cNvPr>
-            <p:cNvPicPr>
-              <a:picLocks noChangeAspect="1"/>
-            </p:cNvPicPr>
+            <p:cNvSpPr/>
             <p:nvPr/>
-          </p:nvPicPr>
-          <p:blipFill>
-            <a:blip r:embed="rId7">
-              <a:extLst>
-                <a:ext uri="{28A0092B-C50C-407E-A947-70E740481C1C}">
-                  <a14:useLocalDpi xmlns:a14="http://schemas.microsoft.com/office/drawing/2010/main" val="0"/>
-                </a:ext>
-              </a:extLst>
-            </a:blip>
-            <a:stretch>
-              <a:fillRect/>
-            </a:stretch>
-          </p:blipFill>
+          </p:nvSpPr>
           <p:spPr>
             <a:xfrm>
-              <a:off x="0" y="0"/>
-              <a:ext cx="4104000" cy="3420000"/>
+              <a:off x="3310092" y="7176022"/>
+              <a:ext cx="357809" cy="303595"/>
             </a:xfrm>
             <a:prstGeom prst="rect">
               <a:avLst/>
             </a:prstGeom>
+            <a:noFill/>
             <a:ln>
               <a:noFill/>
             </a:ln>
           </p:spPr>
-        </p:pic>
-        <p:pic>
-          <p:nvPicPr>
-            <p:cNvPr id="31" name="Grafik 30" descr="Ein Bild, das Screenshot, Schwarz, Reihe enthält.&#10;&#10;Automatisch generierte Beschreibung">
+          <p:style>
+            <a:lnRef idx="2">
+              <a:schemeClr val="accent1">
+                <a:shade val="15000"/>
+              </a:schemeClr>
+            </a:lnRef>
+            <a:fillRef idx="1">
+              <a:schemeClr val="accent1"/>
+            </a:fillRef>
+            <a:effectRef idx="0">
+              <a:schemeClr val="accent1"/>
+            </a:effectRef>
+            <a:fontRef idx="minor">
+              <a:schemeClr val="lt1"/>
+            </a:fontRef>
+          </p:style>
+          <p:txBody>
+            <a:bodyPr rtlCol="0" anchor="ctr"/>
+            <a:lstStyle/>
+            <a:p>
+              <a:pPr algn="ctr"/>
+              <a:r>
+                <a:rPr lang="de-CH" sz="1200" dirty="0">
+                  <a:solidFill>
+                    <a:schemeClr val="tx1"/>
+                  </a:solidFill>
+                </a:rPr>
+                <a:t>6)</a:t>
+              </a:r>
+              <a:endParaRPr lang="en-GB" sz="1200" dirty="0">
+                <a:solidFill>
+                  <a:schemeClr val="tx1"/>
+                </a:solidFill>
+              </a:endParaRPr>
+            </a:p>
+          </p:txBody>
+        </p:sp>
+        <p:sp>
+          <p:nvSpPr>
+            <p:cNvPr id="9" name="Rechteck 8">
               <a:extLst>
                 <a:ext uri="{FF2B5EF4-FFF2-40B4-BE49-F238E27FC236}">
-                  <a16:creationId xmlns:a16="http://schemas.microsoft.com/office/drawing/2014/main" id="{70E0FC2B-924F-8592-E8C3-19E6B64DE73B}"/>
+                  <a16:creationId xmlns:a16="http://schemas.microsoft.com/office/drawing/2014/main" id="{3AB8BF5E-94DC-3C3D-C75E-B5E07357BD85}"/>
                 </a:ext>
               </a:extLst>
             </p:cNvPr>
-            <p:cNvPicPr>
-              <a:picLocks noChangeAspect="1"/>
-            </p:cNvPicPr>
+            <p:cNvSpPr/>
             <p:nvPr/>
-          </p:nvPicPr>
-          <p:blipFill>
-            <a:blip r:embed="rId8">
-              <a:extLst>
-                <a:ext uri="{28A0092B-C50C-407E-A947-70E740481C1C}">
-                  <a14:useLocalDpi xmlns:a14="http://schemas.microsoft.com/office/drawing/2010/main" val="0"/>
-                </a:ext>
-              </a:extLst>
-            </a:blip>
-            <a:stretch>
-              <a:fillRect/>
-            </a:stretch>
-          </p:blipFill>
+          </p:nvSpPr>
           <p:spPr>
             <a:xfrm>
-              <a:off x="3080160" y="3438001"/>
-              <a:ext cx="3080160" cy="2566800"/>
+              <a:off x="430093" y="9576022"/>
+              <a:ext cx="357809" cy="303595"/>
             </a:xfrm>
             <a:prstGeom prst="rect">
               <a:avLst/>
             </a:prstGeom>
+            <a:noFill/>
             <a:ln>
               <a:noFill/>
             </a:ln>
           </p:spPr>
-        </p:pic>
+          <p:style>
+            <a:lnRef idx="2">
+              <a:schemeClr val="accent1">
+                <a:shade val="15000"/>
+              </a:schemeClr>
+            </a:lnRef>
+            <a:fillRef idx="1">
+              <a:schemeClr val="accent1"/>
+            </a:fillRef>
+            <a:effectRef idx="0">
+              <a:schemeClr val="accent1"/>
+            </a:effectRef>
+            <a:fontRef idx="minor">
+              <a:schemeClr val="lt1"/>
+            </a:fontRef>
+          </p:style>
+          <p:txBody>
+            <a:bodyPr rtlCol="0" anchor="ctr"/>
+            <a:lstStyle/>
+            <a:p>
+              <a:pPr algn="ctr"/>
+              <a:r>
+                <a:rPr lang="de-CH" sz="1200" dirty="0">
+                  <a:solidFill>
+                    <a:schemeClr val="tx1"/>
+                  </a:solidFill>
+                </a:rPr>
+                <a:t>7)</a:t>
+              </a:r>
+              <a:endParaRPr lang="en-GB" sz="1200" dirty="0">
+                <a:solidFill>
+                  <a:schemeClr val="tx1"/>
+                </a:solidFill>
+              </a:endParaRPr>
+            </a:p>
+          </p:txBody>
+        </p:sp>
       </p:grpSp>
     </p:spTree>
     <p:extLst>
@@ -4284,9 +3713,9 @@
 </file>
 
 <file path=ppt/theme/theme1.xml><?xml version="1.0" encoding="utf-8"?>
-<a:theme xmlns:a="http://schemas.openxmlformats.org/drawingml/2006/main" name="Office">
+<a:theme xmlns:a="http://schemas.openxmlformats.org/drawingml/2006/main" name="Office 2013 – 2022-Design">
   <a:themeElements>
-    <a:clrScheme name="Office">
+    <a:clrScheme name="Office 2013 – 2022-Design">
       <a:dk1>
         <a:sysClr val="windowText" lastClr="000000"/>
       </a:dk1>
@@ -4324,7 +3753,7 @@
         <a:srgbClr val="954F72"/>
       </a:folHlink>
     </a:clrScheme>
-    <a:fontScheme name="Office">
+    <a:fontScheme name="Office 2013 – 2022-Design">
       <a:majorFont>
         <a:latin typeface="Calibri Light" panose="020F0302020204030204"/>
         <a:ea typeface=""/>
@@ -4359,23 +3788,6 @@
         <a:font script="Viet" typeface="Times New Roman"/>
         <a:font script="Uigh" typeface="Microsoft Uighur"/>
         <a:font script="Geor" typeface="Sylfaen"/>
-        <a:font script="Armn" typeface="Arial"/>
-        <a:font script="Bugi" typeface="Leelawadee UI"/>
-        <a:font script="Bopo" typeface="Microsoft JhengHei"/>
-        <a:font script="Java" typeface="Javanese Text"/>
-        <a:font script="Lisu" typeface="Segoe UI"/>
-        <a:font script="Mymr" typeface="Myanmar Text"/>
-        <a:font script="Nkoo" typeface="Ebrima"/>
-        <a:font script="Olck" typeface="Nirmala UI"/>
-        <a:font script="Osma" typeface="Ebrima"/>
-        <a:font script="Phag" typeface="Phagspa"/>
-        <a:font script="Syrn" typeface="Estrangelo Edessa"/>
-        <a:font script="Syrj" typeface="Estrangelo Edessa"/>
-        <a:font script="Syre" typeface="Estrangelo Edessa"/>
-        <a:font script="Sora" typeface="Nirmala UI"/>
-        <a:font script="Tale" typeface="Microsoft Tai Le"/>
-        <a:font script="Talu" typeface="Microsoft New Tai Lue"/>
-        <a:font script="Tfng" typeface="Ebrima"/>
       </a:majorFont>
       <a:minorFont>
         <a:latin typeface="Calibri" panose="020F0502020204030204"/>
@@ -4411,26 +3823,9 @@
         <a:font script="Viet" typeface="Arial"/>
         <a:font script="Uigh" typeface="Microsoft Uighur"/>
         <a:font script="Geor" typeface="Sylfaen"/>
-        <a:font script="Armn" typeface="Arial"/>
-        <a:font script="Bugi" typeface="Leelawadee UI"/>
-        <a:font script="Bopo" typeface="Microsoft JhengHei"/>
-        <a:font script="Java" typeface="Javanese Text"/>
-        <a:font script="Lisu" typeface="Segoe UI"/>
-        <a:font script="Mymr" typeface="Myanmar Text"/>
-        <a:font script="Nkoo" typeface="Ebrima"/>
-        <a:font script="Olck" typeface="Nirmala UI"/>
-        <a:font script="Osma" typeface="Ebrima"/>
-        <a:font script="Phag" typeface="Phagspa"/>
-        <a:font script="Syrn" typeface="Estrangelo Edessa"/>
-        <a:font script="Syrj" typeface="Estrangelo Edessa"/>
-        <a:font script="Syre" typeface="Estrangelo Edessa"/>
-        <a:font script="Sora" typeface="Nirmala UI"/>
-        <a:font script="Tale" typeface="Microsoft Tai Le"/>
-        <a:font script="Talu" typeface="Microsoft New Tai Lue"/>
-        <a:font script="Tfng" typeface="Ebrima"/>
       </a:minorFont>
     </a:fontScheme>
-    <a:fmtScheme name="Office">
+    <a:fmtScheme name="Office 2013 – 2022-Design">
       <a:fillStyleLst>
         <a:solidFill>
           <a:schemeClr val="phClr"/>
@@ -4572,7 +3967,7 @@
   <a:extraClrSchemeLst/>
   <a:extLst>
     <a:ext uri="{05A4C25C-085E-4340-85A3-A5531E510DB2}">
-      <thm15:themeFamily xmlns:thm15="http://schemas.microsoft.com/office/thememl/2012/main" name="Office Theme" id="{62F939B6-93AF-4DB8-9C6B-D6C7DFDC589F}" vid="{4A3C46E8-61CC-4603-A589-7422A47A8E4A}"/>
+      <thm15:themeFamily xmlns:thm15="http://schemas.microsoft.com/office/thememl/2012/main" name="Office 2013 - 2022 Theme" id="{62F939B6-93AF-4DB8-9C6B-D6C7DFDC589F}" vid="{4A3C46E8-61CC-4603-A589-7422A47A8E4A}"/>
     </a:ext>
   </a:extLst>
 </a:theme>

--- a/ML_model/plots/all.pptx
+++ b/ML_model/plots/all.pptx
@@ -243,7 +243,7 @@
           <a:p>
             <a:fld id="{50106A6C-E9D6-4563-82A6-B42DDFFCA66C}" type="datetimeFigureOut">
               <a:rPr lang="en-GB" smtClean="0"/>
-              <a:t>20/12/2023</a:t>
+              <a:t>23/12/2023</a:t>
             </a:fld>
             <a:endParaRPr lang="en-GB"/>
           </a:p>
@@ -413,7 +413,7 @@
           <a:p>
             <a:fld id="{50106A6C-E9D6-4563-82A6-B42DDFFCA66C}" type="datetimeFigureOut">
               <a:rPr lang="en-GB" smtClean="0"/>
-              <a:t>20/12/2023</a:t>
+              <a:t>23/12/2023</a:t>
             </a:fld>
             <a:endParaRPr lang="en-GB"/>
           </a:p>
@@ -593,7 +593,7 @@
           <a:p>
             <a:fld id="{50106A6C-E9D6-4563-82A6-B42DDFFCA66C}" type="datetimeFigureOut">
               <a:rPr lang="en-GB" smtClean="0"/>
-              <a:t>20/12/2023</a:t>
+              <a:t>23/12/2023</a:t>
             </a:fld>
             <a:endParaRPr lang="en-GB"/>
           </a:p>
@@ -763,7 +763,7 @@
           <a:p>
             <a:fld id="{50106A6C-E9D6-4563-82A6-B42DDFFCA66C}" type="datetimeFigureOut">
               <a:rPr lang="en-GB" smtClean="0"/>
-              <a:t>20/12/2023</a:t>
+              <a:t>23/12/2023</a:t>
             </a:fld>
             <a:endParaRPr lang="en-GB"/>
           </a:p>
@@ -1007,7 +1007,7 @@
           <a:p>
             <a:fld id="{50106A6C-E9D6-4563-82A6-B42DDFFCA66C}" type="datetimeFigureOut">
               <a:rPr lang="en-GB" smtClean="0"/>
-              <a:t>20/12/2023</a:t>
+              <a:t>23/12/2023</a:t>
             </a:fld>
             <a:endParaRPr lang="en-GB"/>
           </a:p>
@@ -1239,7 +1239,7 @@
           <a:p>
             <a:fld id="{50106A6C-E9D6-4563-82A6-B42DDFFCA66C}" type="datetimeFigureOut">
               <a:rPr lang="en-GB" smtClean="0"/>
-              <a:t>20/12/2023</a:t>
+              <a:t>23/12/2023</a:t>
             </a:fld>
             <a:endParaRPr lang="en-GB"/>
           </a:p>
@@ -1606,7 +1606,7 @@
           <a:p>
             <a:fld id="{50106A6C-E9D6-4563-82A6-B42DDFFCA66C}" type="datetimeFigureOut">
               <a:rPr lang="en-GB" smtClean="0"/>
-              <a:t>20/12/2023</a:t>
+              <a:t>23/12/2023</a:t>
             </a:fld>
             <a:endParaRPr lang="en-GB"/>
           </a:p>
@@ -1724,7 +1724,7 @@
           <a:p>
             <a:fld id="{50106A6C-E9D6-4563-82A6-B42DDFFCA66C}" type="datetimeFigureOut">
               <a:rPr lang="en-GB" smtClean="0"/>
-              <a:t>20/12/2023</a:t>
+              <a:t>23/12/2023</a:t>
             </a:fld>
             <a:endParaRPr lang="en-GB"/>
           </a:p>
@@ -1819,7 +1819,7 @@
           <a:p>
             <a:fld id="{50106A6C-E9D6-4563-82A6-B42DDFFCA66C}" type="datetimeFigureOut">
               <a:rPr lang="en-GB" smtClean="0"/>
-              <a:t>20/12/2023</a:t>
+              <a:t>23/12/2023</a:t>
             </a:fld>
             <a:endParaRPr lang="en-GB"/>
           </a:p>
@@ -2096,7 +2096,7 @@
           <a:p>
             <a:fld id="{50106A6C-E9D6-4563-82A6-B42DDFFCA66C}" type="datetimeFigureOut">
               <a:rPr lang="en-GB" smtClean="0"/>
-              <a:t>20/12/2023</a:t>
+              <a:t>23/12/2023</a:t>
             </a:fld>
             <a:endParaRPr lang="en-GB"/>
           </a:p>
@@ -2353,7 +2353,7 @@
           <a:p>
             <a:fld id="{50106A6C-E9D6-4563-82A6-B42DDFFCA66C}" type="datetimeFigureOut">
               <a:rPr lang="en-GB" smtClean="0"/>
-              <a:t>20/12/2023</a:t>
+              <a:t>23/12/2023</a:t>
             </a:fld>
             <a:endParaRPr lang="en-GB"/>
           </a:p>
@@ -2566,7 +2566,7 @@
           <a:p>
             <a:fld id="{50106A6C-E9D6-4563-82A6-B42DDFFCA66C}" type="datetimeFigureOut">
               <a:rPr lang="en-GB" smtClean="0"/>
-              <a:t>20/12/2023</a:t>
+              <a:t>23/12/2023</a:t>
             </a:fld>
             <a:endParaRPr lang="en-GB"/>
           </a:p>
@@ -2973,10 +2973,10 @@
       </p:grpSpPr>
       <p:grpSp>
         <p:nvGrpSpPr>
-          <p:cNvPr id="32" name="Gruppieren 31">
+          <p:cNvPr id="11" name="Gruppieren 10">
             <a:extLst>
               <a:ext uri="{FF2B5EF4-FFF2-40B4-BE49-F238E27FC236}">
-                <a16:creationId xmlns:a16="http://schemas.microsoft.com/office/drawing/2014/main" id="{8A2D0E4A-CF4D-38D5-FEA9-C9450729F8BA}"/>
+                <a16:creationId xmlns:a16="http://schemas.microsoft.com/office/drawing/2014/main" id="{4965F14F-D9C9-6658-BD6D-2358D04D9B92}"/>
               </a:ext>
             </a:extLst>
           </p:cNvPr>
@@ -2985,12 +2985,51 @@
         </p:nvGrpSpPr>
         <p:grpSpPr>
           <a:xfrm>
-            <a:off x="82048" y="2276963"/>
-            <a:ext cx="5777103" cy="9600000"/>
-            <a:chOff x="82048" y="2276963"/>
-            <a:chExt cx="5777103" cy="9600000"/>
+            <a:off x="79879" y="2276963"/>
+            <a:ext cx="5779272" cy="9600000"/>
+            <a:chOff x="79879" y="2276963"/>
+            <a:chExt cx="5779272" cy="9600000"/>
           </a:xfrm>
         </p:grpSpPr>
+        <p:pic>
+          <p:nvPicPr>
+            <p:cNvPr id="10" name="Grafik 9" descr="Ein Bild, das Screenshot, Quadrat, Schwarz enthält.&#10;&#10;Automatisch generierte Beschreibung">
+              <a:extLst>
+                <a:ext uri="{FF2B5EF4-FFF2-40B4-BE49-F238E27FC236}">
+                  <a16:creationId xmlns:a16="http://schemas.microsoft.com/office/drawing/2014/main" id="{24207546-5EAA-C943-9316-7F136638B798}"/>
+                </a:ext>
+              </a:extLst>
+            </p:cNvPr>
+            <p:cNvPicPr>
+              <a:picLocks noChangeAspect="1"/>
+            </p:cNvPicPr>
+            <p:nvPr/>
+          </p:nvPicPr>
+          <p:blipFill>
+            <a:blip r:embed="rId2">
+              <a:extLst>
+                <a:ext uri="{28A0092B-C50C-407E-A947-70E740481C1C}">
+                  <a14:useLocalDpi xmlns:a14="http://schemas.microsoft.com/office/drawing/2010/main" val="0"/>
+                </a:ext>
+              </a:extLst>
+            </a:blip>
+            <a:stretch>
+              <a:fillRect/>
+            </a:stretch>
+          </p:blipFill>
+          <p:spPr>
+            <a:xfrm>
+              <a:off x="79879" y="4676963"/>
+              <a:ext cx="2880000" cy="2400000"/>
+            </a:xfrm>
+            <a:prstGeom prst="rect">
+              <a:avLst/>
+            </a:prstGeom>
+            <a:ln>
+              <a:noFill/>
+            </a:ln>
+          </p:spPr>
+        </p:pic>
         <p:pic>
           <p:nvPicPr>
             <p:cNvPr id="12" name="Grafik 11" descr="Ein Bild, das Screenshot, Text enthält.&#10;&#10;Automatisch generierte Beschreibung">
@@ -3006,7 +3045,7 @@
             <p:nvPr/>
           </p:nvPicPr>
           <p:blipFill>
-            <a:blip r:embed="rId2">
+            <a:blip r:embed="rId3">
               <a:extLst>
                 <a:ext uri="{28A0092B-C50C-407E-A947-70E740481C1C}">
                   <a14:useLocalDpi xmlns:a14="http://schemas.microsoft.com/office/drawing/2010/main" val="0"/>
@@ -3045,7 +3084,7 @@
             <p:nvPr/>
           </p:nvPicPr>
           <p:blipFill>
-            <a:blip r:embed="rId3">
+            <a:blip r:embed="rId4">
               <a:extLst>
                 <a:ext uri="{28A0092B-C50C-407E-A947-70E740481C1C}">
                   <a14:useLocalDpi xmlns:a14="http://schemas.microsoft.com/office/drawing/2010/main" val="0"/>
@@ -3084,7 +3123,7 @@
             <p:nvPr/>
           </p:nvPicPr>
           <p:blipFill>
-            <a:blip r:embed="rId4">
+            <a:blip r:embed="rId5">
               <a:extLst>
                 <a:ext uri="{28A0092B-C50C-407E-A947-70E740481C1C}">
                   <a14:useLocalDpi xmlns:a14="http://schemas.microsoft.com/office/drawing/2010/main" val="0"/>
@@ -3098,45 +3137,6 @@
           <p:spPr>
             <a:xfrm>
               <a:off x="2979151" y="2276963"/>
-              <a:ext cx="2880000" cy="2400000"/>
-            </a:xfrm>
-            <a:prstGeom prst="rect">
-              <a:avLst/>
-            </a:prstGeom>
-            <a:ln>
-              <a:noFill/>
-            </a:ln>
-          </p:spPr>
-        </p:pic>
-        <p:pic>
-          <p:nvPicPr>
-            <p:cNvPr id="19" name="Grafik 18" descr="Ein Bild, das Screenshot, Quadrat, Schwarz enthält.&#10;&#10;Automatisch generierte Beschreibung">
-              <a:extLst>
-                <a:ext uri="{FF2B5EF4-FFF2-40B4-BE49-F238E27FC236}">
-                  <a16:creationId xmlns:a16="http://schemas.microsoft.com/office/drawing/2014/main" id="{F50BE9D9-4E21-50D7-C1BE-6D222A95773C}"/>
-                </a:ext>
-              </a:extLst>
-            </p:cNvPr>
-            <p:cNvPicPr>
-              <a:picLocks noChangeAspect="1"/>
-            </p:cNvPicPr>
-            <p:nvPr/>
-          </p:nvPicPr>
-          <p:blipFill>
-            <a:blip r:embed="rId5">
-              <a:extLst>
-                <a:ext uri="{28A0092B-C50C-407E-A947-70E740481C1C}">
-                  <a14:useLocalDpi xmlns:a14="http://schemas.microsoft.com/office/drawing/2010/main" val="0"/>
-                </a:ext>
-              </a:extLst>
-            </a:blip>
-            <a:stretch>
-              <a:fillRect/>
-            </a:stretch>
-          </p:blipFill>
-          <p:spPr>
-            <a:xfrm>
-              <a:off x="82048" y="4676963"/>
               <a:ext cx="2880000" cy="2400000"/>
             </a:xfrm>
             <a:prstGeom prst="rect">
